--- a/Other/Research presentation for mentors.pptx
+++ b/Other/Research presentation for mentors.pptx
@@ -3,20 +3,21 @@
 <p:presentation xmlns:a="http://schemas.openxmlformats.org/drawingml/2006/main" xmlns:r="http://schemas.openxmlformats.org/officeDocument/2006/relationships" xmlns:p="http://schemas.openxmlformats.org/presentationml/2006/main" saveSubsetFonts="1">
   <p:sldMasterIdLst>
     <p:sldMasterId id="2147483672" r:id="rId1"/>
+    <p:sldMasterId id="2147483689" r:id="rId2"/>
   </p:sldMasterIdLst>
   <p:notesMasterIdLst>
-    <p:notesMasterId r:id="rId11"/>
+    <p:notesMasterId r:id="rId12"/>
   </p:notesMasterIdLst>
   <p:sldIdLst>
-    <p:sldId id="256" r:id="rId2"/>
-    <p:sldId id="258" r:id="rId3"/>
-    <p:sldId id="261" r:id="rId4"/>
+    <p:sldId id="256" r:id="rId3"/>
+    <p:sldId id="258" r:id="rId4"/>
     <p:sldId id="259" r:id="rId5"/>
-    <p:sldId id="262" r:id="rId6"/>
-    <p:sldId id="263" r:id="rId7"/>
-    <p:sldId id="264" r:id="rId8"/>
-    <p:sldId id="265" r:id="rId9"/>
-    <p:sldId id="269" r:id="rId10"/>
+    <p:sldId id="264" r:id="rId6"/>
+    <p:sldId id="270" r:id="rId7"/>
+    <p:sldId id="269" r:id="rId8"/>
+    <p:sldId id="262" r:id="rId9"/>
+    <p:sldId id="263" r:id="rId10"/>
+    <p:sldId id="265" r:id="rId11"/>
   </p:sldIdLst>
   <p:sldSz cx="9144000" cy="6858000" type="screen4x3"/>
   <p:notesSz cx="6858000" cy="9144000"/>
@@ -216,7 +217,7 @@
           <a:p>
             <a:fld id="{B6BDE1CB-71CE-4A2B-B2FF-157DFFA75186}" type="datetimeFigureOut">
               <a:rPr lang="en-US" smtClean="0"/>
-              <a:t>1/29/2019</a:t>
+              <a:t>1/28/2020</a:t>
             </a:fld>
             <a:endParaRPr lang="en-US"/>
           </a:p>
@@ -527,14 +528,6 @@
           <a:bodyPr/>
           <a:lstStyle/>
           <a:p>
-            <a:r>
-              <a:rPr lang="en-US" dirty="0"/>
-              <a:t>We want to emphasize to mentors/mentor coaches/LMCs</a:t>
-            </a:r>
-            <a:r>
-              <a:rPr lang="en-US" baseline="0" dirty="0"/>
-              <a:t> that mentor-youth pairs should stay in their classroom until the youth has taken the survey – we don’t want them going up to a computer lab, etc. without first doing this. </a:t>
-            </a:r>
             <a:endParaRPr lang="en-US" dirty="0"/>
           </a:p>
         </p:txBody>
@@ -556,7 +549,7 @@
           <a:p>
             <a:fld id="{AE53C671-B54D-448B-BDE1-C6D3206EC14E}" type="slidenum">
               <a:rPr lang="en-US" smtClean="0"/>
-              <a:t>8</a:t>
+              <a:t>6</a:t>
             </a:fld>
             <a:endParaRPr lang="en-US"/>
           </a:p>
@@ -565,7 +558,7 @@
     </p:spTree>
     <p:extLst>
       <p:ext uri="{BB962C8B-B14F-4D97-AF65-F5344CB8AC3E}">
-        <p14:creationId xmlns:p14="http://schemas.microsoft.com/office/powerpoint/2010/main" val="2263820800"/>
+        <p14:creationId xmlns:p14="http://schemas.microsoft.com/office/powerpoint/2010/main" val="3447669324"/>
       </p:ext>
     </p:extLst>
   </p:cSld>
@@ -619,6 +612,14 @@
           <a:bodyPr/>
           <a:lstStyle/>
           <a:p>
+            <a:r>
+              <a:rPr lang="en-US" dirty="0"/>
+              <a:t>We want to emphasize to mentors/mentor coaches/LMCs</a:t>
+            </a:r>
+            <a:r>
+              <a:rPr lang="en-US" baseline="0" dirty="0"/>
+              <a:t> that mentor-youth pairs should stay in their classroom until the youth has taken the survey – we don’t want them going up to a computer lab, etc. without first doing this. </a:t>
+            </a:r>
             <a:endParaRPr lang="en-US" dirty="0"/>
           </a:p>
         </p:txBody>
@@ -649,7 +650,7 @@
     </p:spTree>
     <p:extLst>
       <p:ext uri="{BB962C8B-B14F-4D97-AF65-F5344CB8AC3E}">
-        <p14:creationId xmlns:p14="http://schemas.microsoft.com/office/powerpoint/2010/main" val="3447669324"/>
+        <p14:creationId xmlns:p14="http://schemas.microsoft.com/office/powerpoint/2010/main" val="2263820800"/>
       </p:ext>
     </p:extLst>
   </p:cSld>
@@ -1453,7 +1454,7 @@
           <a:p>
             <a:fld id="{4EF6B82C-AA39-4AB2-9276-F02DF018A6E9}" type="datetimeFigureOut">
               <a:rPr lang="en-US" smtClean="0"/>
-              <a:t>1/29/2019</a:t>
+              <a:t>1/28/2020</a:t>
             </a:fld>
             <a:endParaRPr lang="en-US"/>
           </a:p>
@@ -1704,7 +1705,7 @@
           <a:p>
             <a:fld id="{4EF6B82C-AA39-4AB2-9276-F02DF018A6E9}" type="datetimeFigureOut">
               <a:rPr lang="en-US" smtClean="0"/>
-              <a:t>1/29/2019</a:t>
+              <a:t>1/28/2020</a:t>
             </a:fld>
             <a:endParaRPr lang="en-US"/>
           </a:p>
@@ -2018,7 +2019,7 @@
           <a:p>
             <a:fld id="{4EF6B82C-AA39-4AB2-9276-F02DF018A6E9}" type="datetimeFigureOut">
               <a:rPr lang="en-US" smtClean="0"/>
-              <a:t>1/29/2019</a:t>
+              <a:t>1/28/2020</a:t>
             </a:fld>
             <a:endParaRPr lang="en-US"/>
           </a:p>
@@ -2351,7 +2352,7 @@
           <a:p>
             <a:fld id="{4EF6B82C-AA39-4AB2-9276-F02DF018A6E9}" type="datetimeFigureOut">
               <a:rPr lang="en-US" smtClean="0"/>
-              <a:t>1/29/2019</a:t>
+              <a:t>1/28/2020</a:t>
             </a:fld>
             <a:endParaRPr lang="en-US"/>
           </a:p>
@@ -2665,7 +2666,7 @@
           <a:p>
             <a:fld id="{4EF6B82C-AA39-4AB2-9276-F02DF018A6E9}" type="datetimeFigureOut">
               <a:rPr lang="en-US" smtClean="0"/>
-              <a:t>1/29/2019</a:t>
+              <a:t>1/28/2020</a:t>
             </a:fld>
             <a:endParaRPr lang="en-US"/>
           </a:p>
@@ -3058,7 +3059,7 @@
           <a:p>
             <a:fld id="{4EF6B82C-AA39-4AB2-9276-F02DF018A6E9}" type="datetimeFigureOut">
               <a:rPr lang="en-US" smtClean="0"/>
-              <a:t>1/29/2019</a:t>
+              <a:t>1/28/2020</a:t>
             </a:fld>
             <a:endParaRPr lang="en-US"/>
           </a:p>
@@ -3228,7 +3229,7 @@
           <a:p>
             <a:fld id="{4EF6B82C-AA39-4AB2-9276-F02DF018A6E9}" type="datetimeFigureOut">
               <a:rPr lang="en-US" smtClean="0"/>
-              <a:t>1/29/2019</a:t>
+              <a:t>1/28/2020</a:t>
             </a:fld>
             <a:endParaRPr lang="en-US"/>
           </a:p>
@@ -3408,7 +3409,7 @@
           <a:p>
             <a:fld id="{4EF6B82C-AA39-4AB2-9276-F02DF018A6E9}" type="datetimeFigureOut">
               <a:rPr lang="en-US" smtClean="0"/>
-              <a:t>1/29/2019</a:t>
+              <a:t>1/28/2020</a:t>
             </a:fld>
             <a:endParaRPr lang="en-US"/>
           </a:p>
@@ -3460,6 +3461,699 @@
     <p:extLst>
       <p:ext uri="{BB962C8B-B14F-4D97-AF65-F5344CB8AC3E}">
         <p14:creationId xmlns:p14="http://schemas.microsoft.com/office/powerpoint/2010/main" val="3731533985"/>
+      </p:ext>
+    </p:extLst>
+  </p:cSld>
+  <p:clrMapOvr>
+    <a:masterClrMapping/>
+  </p:clrMapOvr>
+</p:sldLayout>
+</file>
+
+<file path=ppt/slideLayouts/slideLayout17.xml><?xml version="1.0" encoding="utf-8"?>
+<p:sldLayout xmlns:a="http://schemas.openxmlformats.org/drawingml/2006/main" xmlns:r="http://schemas.openxmlformats.org/officeDocument/2006/relationships" xmlns:p="http://schemas.openxmlformats.org/presentationml/2006/main" type="title" preserve="1">
+  <p:cSld name="Title Slide">
+    <p:spTree>
+      <p:nvGrpSpPr>
+        <p:cNvPr id="1" name=""/>
+        <p:cNvGrpSpPr/>
+        <p:nvPr/>
+      </p:nvGrpSpPr>
+      <p:grpSpPr>
+        <a:xfrm>
+          <a:off x="0" y="0"/>
+          <a:ext cx="0" cy="0"/>
+          <a:chOff x="0" y="0"/>
+          <a:chExt cx="0" cy="0"/>
+        </a:xfrm>
+      </p:grpSpPr>
+      <p:sp>
+        <p:nvSpPr>
+          <p:cNvPr id="2" name="Title 1">
+            <a:extLst>
+              <a:ext uri="{FF2B5EF4-FFF2-40B4-BE49-F238E27FC236}">
+                <a16:creationId xmlns:a16="http://schemas.microsoft.com/office/drawing/2014/main" id="{16DF0F3F-9126-4C15-99C1-8EDFB9FC592C}"/>
+              </a:ext>
+            </a:extLst>
+          </p:cNvPr>
+          <p:cNvSpPr>
+            <a:spLocks noGrp="1"/>
+          </p:cNvSpPr>
+          <p:nvPr>
+            <p:ph type="ctrTitle"/>
+          </p:nvPr>
+        </p:nvSpPr>
+        <p:spPr>
+          <a:xfrm>
+            <a:off x="1143000" y="1122363"/>
+            <a:ext cx="6858000" cy="2387600"/>
+          </a:xfrm>
+        </p:spPr>
+        <p:txBody>
+          <a:bodyPr anchor="b"/>
+          <a:lstStyle>
+            <a:lvl1pPr algn="ctr">
+              <a:defRPr sz="4500"/>
+            </a:lvl1pPr>
+          </a:lstStyle>
+          <a:p>
+            <a:r>
+              <a:rPr lang="en-US"/>
+              <a:t>Click to edit Master title style</a:t>
+            </a:r>
+          </a:p>
+        </p:txBody>
+      </p:sp>
+      <p:sp>
+        <p:nvSpPr>
+          <p:cNvPr id="3" name="Subtitle 2">
+            <a:extLst>
+              <a:ext uri="{FF2B5EF4-FFF2-40B4-BE49-F238E27FC236}">
+                <a16:creationId xmlns:a16="http://schemas.microsoft.com/office/drawing/2014/main" id="{F0BFE7F4-9532-447E-A61E-C33040242502}"/>
+              </a:ext>
+            </a:extLst>
+          </p:cNvPr>
+          <p:cNvSpPr>
+            <a:spLocks noGrp="1"/>
+          </p:cNvSpPr>
+          <p:nvPr>
+            <p:ph type="subTitle" idx="1"/>
+          </p:nvPr>
+        </p:nvSpPr>
+        <p:spPr>
+          <a:xfrm>
+            <a:off x="1143000" y="3602038"/>
+            <a:ext cx="6858000" cy="1655762"/>
+          </a:xfrm>
+        </p:spPr>
+        <p:txBody>
+          <a:bodyPr/>
+          <a:lstStyle>
+            <a:lvl1pPr marL="0" indent="0" algn="ctr">
+              <a:buNone/>
+              <a:defRPr sz="1800"/>
+            </a:lvl1pPr>
+            <a:lvl2pPr marL="342900" indent="0" algn="ctr">
+              <a:buNone/>
+              <a:defRPr sz="1500"/>
+            </a:lvl2pPr>
+            <a:lvl3pPr marL="685800" indent="0" algn="ctr">
+              <a:buNone/>
+              <a:defRPr sz="1350"/>
+            </a:lvl3pPr>
+            <a:lvl4pPr marL="1028700" indent="0" algn="ctr">
+              <a:buNone/>
+              <a:defRPr sz="1200"/>
+            </a:lvl4pPr>
+            <a:lvl5pPr marL="1371600" indent="0" algn="ctr">
+              <a:buNone/>
+              <a:defRPr sz="1200"/>
+            </a:lvl5pPr>
+            <a:lvl6pPr marL="1714500" indent="0" algn="ctr">
+              <a:buNone/>
+              <a:defRPr sz="1200"/>
+            </a:lvl6pPr>
+            <a:lvl7pPr marL="2057400" indent="0" algn="ctr">
+              <a:buNone/>
+              <a:defRPr sz="1200"/>
+            </a:lvl7pPr>
+            <a:lvl8pPr marL="2400300" indent="0" algn="ctr">
+              <a:buNone/>
+              <a:defRPr sz="1200"/>
+            </a:lvl8pPr>
+            <a:lvl9pPr marL="2743200" indent="0" algn="ctr">
+              <a:buNone/>
+              <a:defRPr sz="1200"/>
+            </a:lvl9pPr>
+          </a:lstStyle>
+          <a:p>
+            <a:r>
+              <a:rPr lang="en-US"/>
+              <a:t>Click to edit Master subtitle style</a:t>
+            </a:r>
+          </a:p>
+        </p:txBody>
+      </p:sp>
+      <p:sp>
+        <p:nvSpPr>
+          <p:cNvPr id="4" name="Date Placeholder 3">
+            <a:extLst>
+              <a:ext uri="{FF2B5EF4-FFF2-40B4-BE49-F238E27FC236}">
+                <a16:creationId xmlns:a16="http://schemas.microsoft.com/office/drawing/2014/main" id="{778801DB-C6B5-47AB-86B1-C0E7E868D45F}"/>
+              </a:ext>
+            </a:extLst>
+          </p:cNvPr>
+          <p:cNvSpPr>
+            <a:spLocks noGrp="1"/>
+          </p:cNvSpPr>
+          <p:nvPr>
+            <p:ph type="dt" sz="half" idx="10"/>
+          </p:nvPr>
+        </p:nvSpPr>
+        <p:spPr/>
+        <p:txBody>
+          <a:bodyPr/>
+          <a:lstStyle/>
+          <a:p>
+            <a:fld id="{3CE4A1EF-C8DC-47B8-827C-FF4C88C09EF1}" type="datetimeFigureOut">
+              <a:rPr lang="en-US" smtClean="0"/>
+              <a:t>1/28/2020</a:t>
+            </a:fld>
+            <a:endParaRPr lang="en-US"/>
+          </a:p>
+        </p:txBody>
+      </p:sp>
+      <p:sp>
+        <p:nvSpPr>
+          <p:cNvPr id="5" name="Footer Placeholder 4">
+            <a:extLst>
+              <a:ext uri="{FF2B5EF4-FFF2-40B4-BE49-F238E27FC236}">
+                <a16:creationId xmlns:a16="http://schemas.microsoft.com/office/drawing/2014/main" id="{7B015923-452D-46B7-8998-C0ABA200BC23}"/>
+              </a:ext>
+            </a:extLst>
+          </p:cNvPr>
+          <p:cNvSpPr>
+            <a:spLocks noGrp="1"/>
+          </p:cNvSpPr>
+          <p:nvPr>
+            <p:ph type="ftr" sz="quarter" idx="11"/>
+          </p:nvPr>
+        </p:nvSpPr>
+        <p:spPr/>
+        <p:txBody>
+          <a:bodyPr/>
+          <a:lstStyle/>
+          <a:p>
+            <a:endParaRPr lang="en-US"/>
+          </a:p>
+        </p:txBody>
+      </p:sp>
+      <p:sp>
+        <p:nvSpPr>
+          <p:cNvPr id="6" name="Slide Number Placeholder 5">
+            <a:extLst>
+              <a:ext uri="{FF2B5EF4-FFF2-40B4-BE49-F238E27FC236}">
+                <a16:creationId xmlns:a16="http://schemas.microsoft.com/office/drawing/2014/main" id="{9A0267E1-5C04-4876-B1F5-0075236DE20E}"/>
+              </a:ext>
+            </a:extLst>
+          </p:cNvPr>
+          <p:cNvSpPr>
+            <a:spLocks noGrp="1"/>
+          </p:cNvSpPr>
+          <p:nvPr>
+            <p:ph type="sldNum" sz="quarter" idx="12"/>
+          </p:nvPr>
+        </p:nvSpPr>
+        <p:spPr/>
+        <p:txBody>
+          <a:bodyPr/>
+          <a:lstStyle/>
+          <a:p>
+            <a:fld id="{8A38E584-0A05-493B-B98F-B465A128BD74}" type="slidenum">
+              <a:rPr lang="en-US" smtClean="0"/>
+              <a:t>‹#›</a:t>
+            </a:fld>
+            <a:endParaRPr lang="en-US"/>
+          </a:p>
+        </p:txBody>
+      </p:sp>
+    </p:spTree>
+    <p:extLst>
+      <p:ext uri="{BB962C8B-B14F-4D97-AF65-F5344CB8AC3E}">
+        <p14:creationId xmlns:p14="http://schemas.microsoft.com/office/powerpoint/2010/main" val="956615308"/>
+      </p:ext>
+    </p:extLst>
+  </p:cSld>
+  <p:clrMapOvr>
+    <a:masterClrMapping/>
+  </p:clrMapOvr>
+</p:sldLayout>
+</file>
+
+<file path=ppt/slideLayouts/slideLayout18.xml><?xml version="1.0" encoding="utf-8"?>
+<p:sldLayout xmlns:a="http://schemas.openxmlformats.org/drawingml/2006/main" xmlns:r="http://schemas.openxmlformats.org/officeDocument/2006/relationships" xmlns:p="http://schemas.openxmlformats.org/presentationml/2006/main" type="obj" preserve="1">
+  <p:cSld name="Title and Content">
+    <p:spTree>
+      <p:nvGrpSpPr>
+        <p:cNvPr id="1" name=""/>
+        <p:cNvGrpSpPr/>
+        <p:nvPr/>
+      </p:nvGrpSpPr>
+      <p:grpSpPr>
+        <a:xfrm>
+          <a:off x="0" y="0"/>
+          <a:ext cx="0" cy="0"/>
+          <a:chOff x="0" y="0"/>
+          <a:chExt cx="0" cy="0"/>
+        </a:xfrm>
+      </p:grpSpPr>
+      <p:sp>
+        <p:nvSpPr>
+          <p:cNvPr id="2" name="Title 1">
+            <a:extLst>
+              <a:ext uri="{FF2B5EF4-FFF2-40B4-BE49-F238E27FC236}">
+                <a16:creationId xmlns:a16="http://schemas.microsoft.com/office/drawing/2014/main" id="{2495DA19-8C2F-49E4-A678-5D933FBF61BB}"/>
+              </a:ext>
+            </a:extLst>
+          </p:cNvPr>
+          <p:cNvSpPr>
+            <a:spLocks noGrp="1"/>
+          </p:cNvSpPr>
+          <p:nvPr>
+            <p:ph type="title"/>
+          </p:nvPr>
+        </p:nvSpPr>
+        <p:spPr/>
+        <p:txBody>
+          <a:bodyPr/>
+          <a:lstStyle/>
+          <a:p>
+            <a:r>
+              <a:rPr lang="en-US"/>
+              <a:t>Click to edit Master title style</a:t>
+            </a:r>
+          </a:p>
+        </p:txBody>
+      </p:sp>
+      <p:sp>
+        <p:nvSpPr>
+          <p:cNvPr id="3" name="Content Placeholder 2">
+            <a:extLst>
+              <a:ext uri="{FF2B5EF4-FFF2-40B4-BE49-F238E27FC236}">
+                <a16:creationId xmlns:a16="http://schemas.microsoft.com/office/drawing/2014/main" id="{E63C9A6A-CD94-4068-B88B-ED34B2B93DDD}"/>
+              </a:ext>
+            </a:extLst>
+          </p:cNvPr>
+          <p:cNvSpPr>
+            <a:spLocks noGrp="1"/>
+          </p:cNvSpPr>
+          <p:nvPr>
+            <p:ph idx="1"/>
+          </p:nvPr>
+        </p:nvSpPr>
+        <p:spPr/>
+        <p:txBody>
+          <a:bodyPr/>
+          <a:lstStyle/>
+          <a:p>
+            <a:pPr lvl="0"/>
+            <a:r>
+              <a:rPr lang="en-US"/>
+              <a:t>Edit Master text styles</a:t>
+            </a:r>
+          </a:p>
+          <a:p>
+            <a:pPr lvl="1"/>
+            <a:r>
+              <a:rPr lang="en-US"/>
+              <a:t>Second level</a:t>
+            </a:r>
+          </a:p>
+          <a:p>
+            <a:pPr lvl="2"/>
+            <a:r>
+              <a:rPr lang="en-US"/>
+              <a:t>Third level</a:t>
+            </a:r>
+          </a:p>
+          <a:p>
+            <a:pPr lvl="3"/>
+            <a:r>
+              <a:rPr lang="en-US"/>
+              <a:t>Fourth level</a:t>
+            </a:r>
+          </a:p>
+          <a:p>
+            <a:pPr lvl="4"/>
+            <a:r>
+              <a:rPr lang="en-US"/>
+              <a:t>Fifth level</a:t>
+            </a:r>
+          </a:p>
+        </p:txBody>
+      </p:sp>
+      <p:sp>
+        <p:nvSpPr>
+          <p:cNvPr id="4" name="Date Placeholder 3">
+            <a:extLst>
+              <a:ext uri="{FF2B5EF4-FFF2-40B4-BE49-F238E27FC236}">
+                <a16:creationId xmlns:a16="http://schemas.microsoft.com/office/drawing/2014/main" id="{BC8B7E97-6441-4DA9-A051-FEAE6CE103D2}"/>
+              </a:ext>
+            </a:extLst>
+          </p:cNvPr>
+          <p:cNvSpPr>
+            <a:spLocks noGrp="1"/>
+          </p:cNvSpPr>
+          <p:nvPr>
+            <p:ph type="dt" sz="half" idx="10"/>
+          </p:nvPr>
+        </p:nvSpPr>
+        <p:spPr/>
+        <p:txBody>
+          <a:bodyPr/>
+          <a:lstStyle/>
+          <a:p>
+            <a:fld id="{3CE4A1EF-C8DC-47B8-827C-FF4C88C09EF1}" type="datetimeFigureOut">
+              <a:rPr lang="en-US" smtClean="0"/>
+              <a:t>1/28/2020</a:t>
+            </a:fld>
+            <a:endParaRPr lang="en-US"/>
+          </a:p>
+        </p:txBody>
+      </p:sp>
+      <p:sp>
+        <p:nvSpPr>
+          <p:cNvPr id="5" name="Footer Placeholder 4">
+            <a:extLst>
+              <a:ext uri="{FF2B5EF4-FFF2-40B4-BE49-F238E27FC236}">
+                <a16:creationId xmlns:a16="http://schemas.microsoft.com/office/drawing/2014/main" id="{63192482-1927-43F3-AA67-37AC92F981CF}"/>
+              </a:ext>
+            </a:extLst>
+          </p:cNvPr>
+          <p:cNvSpPr>
+            <a:spLocks noGrp="1"/>
+          </p:cNvSpPr>
+          <p:nvPr>
+            <p:ph type="ftr" sz="quarter" idx="11"/>
+          </p:nvPr>
+        </p:nvSpPr>
+        <p:spPr/>
+        <p:txBody>
+          <a:bodyPr/>
+          <a:lstStyle/>
+          <a:p>
+            <a:endParaRPr lang="en-US"/>
+          </a:p>
+        </p:txBody>
+      </p:sp>
+      <p:sp>
+        <p:nvSpPr>
+          <p:cNvPr id="6" name="Slide Number Placeholder 5">
+            <a:extLst>
+              <a:ext uri="{FF2B5EF4-FFF2-40B4-BE49-F238E27FC236}">
+                <a16:creationId xmlns:a16="http://schemas.microsoft.com/office/drawing/2014/main" id="{79B7DF68-86DE-4E70-94F0-3D7C94EEF8D0}"/>
+              </a:ext>
+            </a:extLst>
+          </p:cNvPr>
+          <p:cNvSpPr>
+            <a:spLocks noGrp="1"/>
+          </p:cNvSpPr>
+          <p:nvPr>
+            <p:ph type="sldNum" sz="quarter" idx="12"/>
+          </p:nvPr>
+        </p:nvSpPr>
+        <p:spPr/>
+        <p:txBody>
+          <a:bodyPr/>
+          <a:lstStyle/>
+          <a:p>
+            <a:fld id="{8A38E584-0A05-493B-B98F-B465A128BD74}" type="slidenum">
+              <a:rPr lang="en-US" smtClean="0"/>
+              <a:t>‹#›</a:t>
+            </a:fld>
+            <a:endParaRPr lang="en-US"/>
+          </a:p>
+        </p:txBody>
+      </p:sp>
+    </p:spTree>
+    <p:extLst>
+      <p:ext uri="{BB962C8B-B14F-4D97-AF65-F5344CB8AC3E}">
+        <p14:creationId xmlns:p14="http://schemas.microsoft.com/office/powerpoint/2010/main" val="2530670095"/>
+      </p:ext>
+    </p:extLst>
+  </p:cSld>
+  <p:clrMapOvr>
+    <a:masterClrMapping/>
+  </p:clrMapOvr>
+</p:sldLayout>
+</file>
+
+<file path=ppt/slideLayouts/slideLayout19.xml><?xml version="1.0" encoding="utf-8"?>
+<p:sldLayout xmlns:a="http://schemas.openxmlformats.org/drawingml/2006/main" xmlns:r="http://schemas.openxmlformats.org/officeDocument/2006/relationships" xmlns:p="http://schemas.openxmlformats.org/presentationml/2006/main" type="secHead" preserve="1">
+  <p:cSld name="Section Header">
+    <p:spTree>
+      <p:nvGrpSpPr>
+        <p:cNvPr id="1" name=""/>
+        <p:cNvGrpSpPr/>
+        <p:nvPr/>
+      </p:nvGrpSpPr>
+      <p:grpSpPr>
+        <a:xfrm>
+          <a:off x="0" y="0"/>
+          <a:ext cx="0" cy="0"/>
+          <a:chOff x="0" y="0"/>
+          <a:chExt cx="0" cy="0"/>
+        </a:xfrm>
+      </p:grpSpPr>
+      <p:sp>
+        <p:nvSpPr>
+          <p:cNvPr id="2" name="Title 1">
+            <a:extLst>
+              <a:ext uri="{FF2B5EF4-FFF2-40B4-BE49-F238E27FC236}">
+                <a16:creationId xmlns:a16="http://schemas.microsoft.com/office/drawing/2014/main" id="{4BAC6AD0-9BF1-4B13-95BD-EC72273E96E2}"/>
+              </a:ext>
+            </a:extLst>
+          </p:cNvPr>
+          <p:cNvSpPr>
+            <a:spLocks noGrp="1"/>
+          </p:cNvSpPr>
+          <p:nvPr>
+            <p:ph type="title"/>
+          </p:nvPr>
+        </p:nvSpPr>
+        <p:spPr>
+          <a:xfrm>
+            <a:off x="623888" y="1709739"/>
+            <a:ext cx="7886700" cy="2852737"/>
+          </a:xfrm>
+        </p:spPr>
+        <p:txBody>
+          <a:bodyPr anchor="b"/>
+          <a:lstStyle>
+            <a:lvl1pPr>
+              <a:defRPr sz="4500"/>
+            </a:lvl1pPr>
+          </a:lstStyle>
+          <a:p>
+            <a:r>
+              <a:rPr lang="en-US"/>
+              <a:t>Click to edit Master title style</a:t>
+            </a:r>
+          </a:p>
+        </p:txBody>
+      </p:sp>
+      <p:sp>
+        <p:nvSpPr>
+          <p:cNvPr id="3" name="Text Placeholder 2">
+            <a:extLst>
+              <a:ext uri="{FF2B5EF4-FFF2-40B4-BE49-F238E27FC236}">
+                <a16:creationId xmlns:a16="http://schemas.microsoft.com/office/drawing/2014/main" id="{6B92FCF3-BF12-49A0-8BC8-DD9E0AF157F2}"/>
+              </a:ext>
+            </a:extLst>
+          </p:cNvPr>
+          <p:cNvSpPr>
+            <a:spLocks noGrp="1"/>
+          </p:cNvSpPr>
+          <p:nvPr>
+            <p:ph type="body" idx="1"/>
+          </p:nvPr>
+        </p:nvSpPr>
+        <p:spPr>
+          <a:xfrm>
+            <a:off x="623888" y="4589464"/>
+            <a:ext cx="7886700" cy="1500187"/>
+          </a:xfrm>
+        </p:spPr>
+        <p:txBody>
+          <a:bodyPr/>
+          <a:lstStyle>
+            <a:lvl1pPr marL="0" indent="0">
+              <a:buNone/>
+              <a:defRPr sz="1800">
+                <a:solidFill>
+                  <a:schemeClr val="tx1">
+                    <a:tint val="75000"/>
+                  </a:schemeClr>
+                </a:solidFill>
+              </a:defRPr>
+            </a:lvl1pPr>
+            <a:lvl2pPr marL="342900" indent="0">
+              <a:buNone/>
+              <a:defRPr sz="1500">
+                <a:solidFill>
+                  <a:schemeClr val="tx1">
+                    <a:tint val="75000"/>
+                  </a:schemeClr>
+                </a:solidFill>
+              </a:defRPr>
+            </a:lvl2pPr>
+            <a:lvl3pPr marL="685800" indent="0">
+              <a:buNone/>
+              <a:defRPr sz="1350">
+                <a:solidFill>
+                  <a:schemeClr val="tx1">
+                    <a:tint val="75000"/>
+                  </a:schemeClr>
+                </a:solidFill>
+              </a:defRPr>
+            </a:lvl3pPr>
+            <a:lvl4pPr marL="1028700" indent="0">
+              <a:buNone/>
+              <a:defRPr sz="1200">
+                <a:solidFill>
+                  <a:schemeClr val="tx1">
+                    <a:tint val="75000"/>
+                  </a:schemeClr>
+                </a:solidFill>
+              </a:defRPr>
+            </a:lvl4pPr>
+            <a:lvl5pPr marL="1371600" indent="0">
+              <a:buNone/>
+              <a:defRPr sz="1200">
+                <a:solidFill>
+                  <a:schemeClr val="tx1">
+                    <a:tint val="75000"/>
+                  </a:schemeClr>
+                </a:solidFill>
+              </a:defRPr>
+            </a:lvl5pPr>
+            <a:lvl6pPr marL="1714500" indent="0">
+              <a:buNone/>
+              <a:defRPr sz="1200">
+                <a:solidFill>
+                  <a:schemeClr val="tx1">
+                    <a:tint val="75000"/>
+                  </a:schemeClr>
+                </a:solidFill>
+              </a:defRPr>
+            </a:lvl6pPr>
+            <a:lvl7pPr marL="2057400" indent="0">
+              <a:buNone/>
+              <a:defRPr sz="1200">
+                <a:solidFill>
+                  <a:schemeClr val="tx1">
+                    <a:tint val="75000"/>
+                  </a:schemeClr>
+                </a:solidFill>
+              </a:defRPr>
+            </a:lvl7pPr>
+            <a:lvl8pPr marL="2400300" indent="0">
+              <a:buNone/>
+              <a:defRPr sz="1200">
+                <a:solidFill>
+                  <a:schemeClr val="tx1">
+                    <a:tint val="75000"/>
+                  </a:schemeClr>
+                </a:solidFill>
+              </a:defRPr>
+            </a:lvl8pPr>
+            <a:lvl9pPr marL="2743200" indent="0">
+              <a:buNone/>
+              <a:defRPr sz="1200">
+                <a:solidFill>
+                  <a:schemeClr val="tx1">
+                    <a:tint val="75000"/>
+                  </a:schemeClr>
+                </a:solidFill>
+              </a:defRPr>
+            </a:lvl9pPr>
+          </a:lstStyle>
+          <a:p>
+            <a:pPr lvl="0"/>
+            <a:r>
+              <a:rPr lang="en-US"/>
+              <a:t>Edit Master text styles</a:t>
+            </a:r>
+          </a:p>
+        </p:txBody>
+      </p:sp>
+      <p:sp>
+        <p:nvSpPr>
+          <p:cNvPr id="4" name="Date Placeholder 3">
+            <a:extLst>
+              <a:ext uri="{FF2B5EF4-FFF2-40B4-BE49-F238E27FC236}">
+                <a16:creationId xmlns:a16="http://schemas.microsoft.com/office/drawing/2014/main" id="{E0A47824-8D78-4CEB-B034-E62244252D06}"/>
+              </a:ext>
+            </a:extLst>
+          </p:cNvPr>
+          <p:cNvSpPr>
+            <a:spLocks noGrp="1"/>
+          </p:cNvSpPr>
+          <p:nvPr>
+            <p:ph type="dt" sz="half" idx="10"/>
+          </p:nvPr>
+        </p:nvSpPr>
+        <p:spPr/>
+        <p:txBody>
+          <a:bodyPr/>
+          <a:lstStyle/>
+          <a:p>
+            <a:fld id="{3CE4A1EF-C8DC-47B8-827C-FF4C88C09EF1}" type="datetimeFigureOut">
+              <a:rPr lang="en-US" smtClean="0"/>
+              <a:t>1/28/2020</a:t>
+            </a:fld>
+            <a:endParaRPr lang="en-US"/>
+          </a:p>
+        </p:txBody>
+      </p:sp>
+      <p:sp>
+        <p:nvSpPr>
+          <p:cNvPr id="5" name="Footer Placeholder 4">
+            <a:extLst>
+              <a:ext uri="{FF2B5EF4-FFF2-40B4-BE49-F238E27FC236}">
+                <a16:creationId xmlns:a16="http://schemas.microsoft.com/office/drawing/2014/main" id="{13CD1FFB-2A98-4381-9F95-9A8605CF5D8E}"/>
+              </a:ext>
+            </a:extLst>
+          </p:cNvPr>
+          <p:cNvSpPr>
+            <a:spLocks noGrp="1"/>
+          </p:cNvSpPr>
+          <p:nvPr>
+            <p:ph type="ftr" sz="quarter" idx="11"/>
+          </p:nvPr>
+        </p:nvSpPr>
+        <p:spPr/>
+        <p:txBody>
+          <a:bodyPr/>
+          <a:lstStyle/>
+          <a:p>
+            <a:endParaRPr lang="en-US"/>
+          </a:p>
+        </p:txBody>
+      </p:sp>
+      <p:sp>
+        <p:nvSpPr>
+          <p:cNvPr id="6" name="Slide Number Placeholder 5">
+            <a:extLst>
+              <a:ext uri="{FF2B5EF4-FFF2-40B4-BE49-F238E27FC236}">
+                <a16:creationId xmlns:a16="http://schemas.microsoft.com/office/drawing/2014/main" id="{FD5797B9-E89A-4774-8E89-BF88754C57EB}"/>
+              </a:ext>
+            </a:extLst>
+          </p:cNvPr>
+          <p:cNvSpPr>
+            <a:spLocks noGrp="1"/>
+          </p:cNvSpPr>
+          <p:nvPr>
+            <p:ph type="sldNum" sz="quarter" idx="12"/>
+          </p:nvPr>
+        </p:nvSpPr>
+        <p:spPr/>
+        <p:txBody>
+          <a:bodyPr/>
+          <a:lstStyle/>
+          <a:p>
+            <a:fld id="{8A38E584-0A05-493B-B98F-B465A128BD74}" type="slidenum">
+              <a:rPr lang="en-US" smtClean="0"/>
+              <a:t>‹#›</a:t>
+            </a:fld>
+            <a:endParaRPr lang="en-US"/>
+          </a:p>
+        </p:txBody>
+      </p:sp>
+    </p:spTree>
+    <p:extLst>
+      <p:ext uri="{BB962C8B-B14F-4D97-AF65-F5344CB8AC3E}">
+        <p14:creationId xmlns:p14="http://schemas.microsoft.com/office/powerpoint/2010/main" val="208459812"/>
       </p:ext>
     </p:extLst>
   </p:cSld>
@@ -3578,7 +4272,7 @@
           <a:p>
             <a:fld id="{4EF6B82C-AA39-4AB2-9276-F02DF018A6E9}" type="datetimeFigureOut">
               <a:rPr lang="en-US" smtClean="0"/>
-              <a:t>1/29/2019</a:t>
+              <a:t>1/28/2020</a:t>
             </a:fld>
             <a:endParaRPr lang="en-US"/>
           </a:p>
@@ -3630,6 +4324,1942 @@
     <p:extLst>
       <p:ext uri="{BB962C8B-B14F-4D97-AF65-F5344CB8AC3E}">
         <p14:creationId xmlns:p14="http://schemas.microsoft.com/office/powerpoint/2010/main" val="1004033014"/>
+      </p:ext>
+    </p:extLst>
+  </p:cSld>
+  <p:clrMapOvr>
+    <a:masterClrMapping/>
+  </p:clrMapOvr>
+</p:sldLayout>
+</file>
+
+<file path=ppt/slideLayouts/slideLayout20.xml><?xml version="1.0" encoding="utf-8"?>
+<p:sldLayout xmlns:a="http://schemas.openxmlformats.org/drawingml/2006/main" xmlns:r="http://schemas.openxmlformats.org/officeDocument/2006/relationships" xmlns:p="http://schemas.openxmlformats.org/presentationml/2006/main" type="twoObj" preserve="1">
+  <p:cSld name="Two Content">
+    <p:spTree>
+      <p:nvGrpSpPr>
+        <p:cNvPr id="1" name=""/>
+        <p:cNvGrpSpPr/>
+        <p:nvPr/>
+      </p:nvGrpSpPr>
+      <p:grpSpPr>
+        <a:xfrm>
+          <a:off x="0" y="0"/>
+          <a:ext cx="0" cy="0"/>
+          <a:chOff x="0" y="0"/>
+          <a:chExt cx="0" cy="0"/>
+        </a:xfrm>
+      </p:grpSpPr>
+      <p:sp>
+        <p:nvSpPr>
+          <p:cNvPr id="2" name="Title 1">
+            <a:extLst>
+              <a:ext uri="{FF2B5EF4-FFF2-40B4-BE49-F238E27FC236}">
+                <a16:creationId xmlns:a16="http://schemas.microsoft.com/office/drawing/2014/main" id="{0A852A6A-B8DD-4139-9796-6980AB7A0C38}"/>
+              </a:ext>
+            </a:extLst>
+          </p:cNvPr>
+          <p:cNvSpPr>
+            <a:spLocks noGrp="1"/>
+          </p:cNvSpPr>
+          <p:nvPr>
+            <p:ph type="title"/>
+          </p:nvPr>
+        </p:nvSpPr>
+        <p:spPr/>
+        <p:txBody>
+          <a:bodyPr/>
+          <a:lstStyle/>
+          <a:p>
+            <a:r>
+              <a:rPr lang="en-US"/>
+              <a:t>Click to edit Master title style</a:t>
+            </a:r>
+          </a:p>
+        </p:txBody>
+      </p:sp>
+      <p:sp>
+        <p:nvSpPr>
+          <p:cNvPr id="3" name="Content Placeholder 2">
+            <a:extLst>
+              <a:ext uri="{FF2B5EF4-FFF2-40B4-BE49-F238E27FC236}">
+                <a16:creationId xmlns:a16="http://schemas.microsoft.com/office/drawing/2014/main" id="{9C2150D1-B924-4188-87AB-D9FD58CBAC46}"/>
+              </a:ext>
+            </a:extLst>
+          </p:cNvPr>
+          <p:cNvSpPr>
+            <a:spLocks noGrp="1"/>
+          </p:cNvSpPr>
+          <p:nvPr>
+            <p:ph sz="half" idx="1"/>
+          </p:nvPr>
+        </p:nvSpPr>
+        <p:spPr>
+          <a:xfrm>
+            <a:off x="628650" y="1825625"/>
+            <a:ext cx="3886200" cy="4351338"/>
+          </a:xfrm>
+        </p:spPr>
+        <p:txBody>
+          <a:bodyPr/>
+          <a:lstStyle/>
+          <a:p>
+            <a:pPr lvl="0"/>
+            <a:r>
+              <a:rPr lang="en-US"/>
+              <a:t>Edit Master text styles</a:t>
+            </a:r>
+          </a:p>
+          <a:p>
+            <a:pPr lvl="1"/>
+            <a:r>
+              <a:rPr lang="en-US"/>
+              <a:t>Second level</a:t>
+            </a:r>
+          </a:p>
+          <a:p>
+            <a:pPr lvl="2"/>
+            <a:r>
+              <a:rPr lang="en-US"/>
+              <a:t>Third level</a:t>
+            </a:r>
+          </a:p>
+          <a:p>
+            <a:pPr lvl="3"/>
+            <a:r>
+              <a:rPr lang="en-US"/>
+              <a:t>Fourth level</a:t>
+            </a:r>
+          </a:p>
+          <a:p>
+            <a:pPr lvl="4"/>
+            <a:r>
+              <a:rPr lang="en-US"/>
+              <a:t>Fifth level</a:t>
+            </a:r>
+          </a:p>
+        </p:txBody>
+      </p:sp>
+      <p:sp>
+        <p:nvSpPr>
+          <p:cNvPr id="4" name="Content Placeholder 3">
+            <a:extLst>
+              <a:ext uri="{FF2B5EF4-FFF2-40B4-BE49-F238E27FC236}">
+                <a16:creationId xmlns:a16="http://schemas.microsoft.com/office/drawing/2014/main" id="{1480837C-AB20-46B5-BB61-B49E51F168D5}"/>
+              </a:ext>
+            </a:extLst>
+          </p:cNvPr>
+          <p:cNvSpPr>
+            <a:spLocks noGrp="1"/>
+          </p:cNvSpPr>
+          <p:nvPr>
+            <p:ph sz="half" idx="2"/>
+          </p:nvPr>
+        </p:nvSpPr>
+        <p:spPr>
+          <a:xfrm>
+            <a:off x="4629150" y="1825625"/>
+            <a:ext cx="3886200" cy="4351338"/>
+          </a:xfrm>
+        </p:spPr>
+        <p:txBody>
+          <a:bodyPr/>
+          <a:lstStyle/>
+          <a:p>
+            <a:pPr lvl="0"/>
+            <a:r>
+              <a:rPr lang="en-US"/>
+              <a:t>Edit Master text styles</a:t>
+            </a:r>
+          </a:p>
+          <a:p>
+            <a:pPr lvl="1"/>
+            <a:r>
+              <a:rPr lang="en-US"/>
+              <a:t>Second level</a:t>
+            </a:r>
+          </a:p>
+          <a:p>
+            <a:pPr lvl="2"/>
+            <a:r>
+              <a:rPr lang="en-US"/>
+              <a:t>Third level</a:t>
+            </a:r>
+          </a:p>
+          <a:p>
+            <a:pPr lvl="3"/>
+            <a:r>
+              <a:rPr lang="en-US"/>
+              <a:t>Fourth level</a:t>
+            </a:r>
+          </a:p>
+          <a:p>
+            <a:pPr lvl="4"/>
+            <a:r>
+              <a:rPr lang="en-US"/>
+              <a:t>Fifth level</a:t>
+            </a:r>
+          </a:p>
+        </p:txBody>
+      </p:sp>
+      <p:sp>
+        <p:nvSpPr>
+          <p:cNvPr id="5" name="Date Placeholder 4">
+            <a:extLst>
+              <a:ext uri="{FF2B5EF4-FFF2-40B4-BE49-F238E27FC236}">
+                <a16:creationId xmlns:a16="http://schemas.microsoft.com/office/drawing/2014/main" id="{DC0863A0-AB2E-4A08-A785-39D0F1987EA6}"/>
+              </a:ext>
+            </a:extLst>
+          </p:cNvPr>
+          <p:cNvSpPr>
+            <a:spLocks noGrp="1"/>
+          </p:cNvSpPr>
+          <p:nvPr>
+            <p:ph type="dt" sz="half" idx="10"/>
+          </p:nvPr>
+        </p:nvSpPr>
+        <p:spPr/>
+        <p:txBody>
+          <a:bodyPr/>
+          <a:lstStyle/>
+          <a:p>
+            <a:fld id="{3CE4A1EF-C8DC-47B8-827C-FF4C88C09EF1}" type="datetimeFigureOut">
+              <a:rPr lang="en-US" smtClean="0"/>
+              <a:t>1/28/2020</a:t>
+            </a:fld>
+            <a:endParaRPr lang="en-US"/>
+          </a:p>
+        </p:txBody>
+      </p:sp>
+      <p:sp>
+        <p:nvSpPr>
+          <p:cNvPr id="6" name="Footer Placeholder 5">
+            <a:extLst>
+              <a:ext uri="{FF2B5EF4-FFF2-40B4-BE49-F238E27FC236}">
+                <a16:creationId xmlns:a16="http://schemas.microsoft.com/office/drawing/2014/main" id="{60044733-E9D1-4B0F-B17B-87BA6A196E1D}"/>
+              </a:ext>
+            </a:extLst>
+          </p:cNvPr>
+          <p:cNvSpPr>
+            <a:spLocks noGrp="1"/>
+          </p:cNvSpPr>
+          <p:nvPr>
+            <p:ph type="ftr" sz="quarter" idx="11"/>
+          </p:nvPr>
+        </p:nvSpPr>
+        <p:spPr/>
+        <p:txBody>
+          <a:bodyPr/>
+          <a:lstStyle/>
+          <a:p>
+            <a:endParaRPr lang="en-US"/>
+          </a:p>
+        </p:txBody>
+      </p:sp>
+      <p:sp>
+        <p:nvSpPr>
+          <p:cNvPr id="7" name="Slide Number Placeholder 6">
+            <a:extLst>
+              <a:ext uri="{FF2B5EF4-FFF2-40B4-BE49-F238E27FC236}">
+                <a16:creationId xmlns:a16="http://schemas.microsoft.com/office/drawing/2014/main" id="{81CEB366-1657-4F5C-8CB0-8C22F1597983}"/>
+              </a:ext>
+            </a:extLst>
+          </p:cNvPr>
+          <p:cNvSpPr>
+            <a:spLocks noGrp="1"/>
+          </p:cNvSpPr>
+          <p:nvPr>
+            <p:ph type="sldNum" sz="quarter" idx="12"/>
+          </p:nvPr>
+        </p:nvSpPr>
+        <p:spPr/>
+        <p:txBody>
+          <a:bodyPr/>
+          <a:lstStyle/>
+          <a:p>
+            <a:fld id="{8A38E584-0A05-493B-B98F-B465A128BD74}" type="slidenum">
+              <a:rPr lang="en-US" smtClean="0"/>
+              <a:t>‹#›</a:t>
+            </a:fld>
+            <a:endParaRPr lang="en-US"/>
+          </a:p>
+        </p:txBody>
+      </p:sp>
+    </p:spTree>
+    <p:extLst>
+      <p:ext uri="{BB962C8B-B14F-4D97-AF65-F5344CB8AC3E}">
+        <p14:creationId xmlns:p14="http://schemas.microsoft.com/office/powerpoint/2010/main" val="42611993"/>
+      </p:ext>
+    </p:extLst>
+  </p:cSld>
+  <p:clrMapOvr>
+    <a:masterClrMapping/>
+  </p:clrMapOvr>
+</p:sldLayout>
+</file>
+
+<file path=ppt/slideLayouts/slideLayout21.xml><?xml version="1.0" encoding="utf-8"?>
+<p:sldLayout xmlns:a="http://schemas.openxmlformats.org/drawingml/2006/main" xmlns:r="http://schemas.openxmlformats.org/officeDocument/2006/relationships" xmlns:p="http://schemas.openxmlformats.org/presentationml/2006/main" type="twoTxTwoObj" preserve="1">
+  <p:cSld name="Comparison">
+    <p:spTree>
+      <p:nvGrpSpPr>
+        <p:cNvPr id="1" name=""/>
+        <p:cNvGrpSpPr/>
+        <p:nvPr/>
+      </p:nvGrpSpPr>
+      <p:grpSpPr>
+        <a:xfrm>
+          <a:off x="0" y="0"/>
+          <a:ext cx="0" cy="0"/>
+          <a:chOff x="0" y="0"/>
+          <a:chExt cx="0" cy="0"/>
+        </a:xfrm>
+      </p:grpSpPr>
+      <p:sp>
+        <p:nvSpPr>
+          <p:cNvPr id="2" name="Title 1">
+            <a:extLst>
+              <a:ext uri="{FF2B5EF4-FFF2-40B4-BE49-F238E27FC236}">
+                <a16:creationId xmlns:a16="http://schemas.microsoft.com/office/drawing/2014/main" id="{F71B6E17-C51B-46CB-B990-C6377E5A7F34}"/>
+              </a:ext>
+            </a:extLst>
+          </p:cNvPr>
+          <p:cNvSpPr>
+            <a:spLocks noGrp="1"/>
+          </p:cNvSpPr>
+          <p:nvPr>
+            <p:ph type="title"/>
+          </p:nvPr>
+        </p:nvSpPr>
+        <p:spPr>
+          <a:xfrm>
+            <a:off x="629841" y="365126"/>
+            <a:ext cx="7886700" cy="1325563"/>
+          </a:xfrm>
+        </p:spPr>
+        <p:txBody>
+          <a:bodyPr/>
+          <a:lstStyle/>
+          <a:p>
+            <a:r>
+              <a:rPr lang="en-US"/>
+              <a:t>Click to edit Master title style</a:t>
+            </a:r>
+          </a:p>
+        </p:txBody>
+      </p:sp>
+      <p:sp>
+        <p:nvSpPr>
+          <p:cNvPr id="3" name="Text Placeholder 2">
+            <a:extLst>
+              <a:ext uri="{FF2B5EF4-FFF2-40B4-BE49-F238E27FC236}">
+                <a16:creationId xmlns:a16="http://schemas.microsoft.com/office/drawing/2014/main" id="{A0395337-AC8A-4E08-8B43-817409AEA86F}"/>
+              </a:ext>
+            </a:extLst>
+          </p:cNvPr>
+          <p:cNvSpPr>
+            <a:spLocks noGrp="1"/>
+          </p:cNvSpPr>
+          <p:nvPr>
+            <p:ph type="body" idx="1"/>
+          </p:nvPr>
+        </p:nvSpPr>
+        <p:spPr>
+          <a:xfrm>
+            <a:off x="629842" y="1681163"/>
+            <a:ext cx="3868340" cy="823912"/>
+          </a:xfrm>
+        </p:spPr>
+        <p:txBody>
+          <a:bodyPr anchor="b"/>
+          <a:lstStyle>
+            <a:lvl1pPr marL="0" indent="0">
+              <a:buNone/>
+              <a:defRPr sz="1800" b="1"/>
+            </a:lvl1pPr>
+            <a:lvl2pPr marL="342900" indent="0">
+              <a:buNone/>
+              <a:defRPr sz="1500" b="1"/>
+            </a:lvl2pPr>
+            <a:lvl3pPr marL="685800" indent="0">
+              <a:buNone/>
+              <a:defRPr sz="1350" b="1"/>
+            </a:lvl3pPr>
+            <a:lvl4pPr marL="1028700" indent="0">
+              <a:buNone/>
+              <a:defRPr sz="1200" b="1"/>
+            </a:lvl4pPr>
+            <a:lvl5pPr marL="1371600" indent="0">
+              <a:buNone/>
+              <a:defRPr sz="1200" b="1"/>
+            </a:lvl5pPr>
+            <a:lvl6pPr marL="1714500" indent="0">
+              <a:buNone/>
+              <a:defRPr sz="1200" b="1"/>
+            </a:lvl6pPr>
+            <a:lvl7pPr marL="2057400" indent="0">
+              <a:buNone/>
+              <a:defRPr sz="1200" b="1"/>
+            </a:lvl7pPr>
+            <a:lvl8pPr marL="2400300" indent="0">
+              <a:buNone/>
+              <a:defRPr sz="1200" b="1"/>
+            </a:lvl8pPr>
+            <a:lvl9pPr marL="2743200" indent="0">
+              <a:buNone/>
+              <a:defRPr sz="1200" b="1"/>
+            </a:lvl9pPr>
+          </a:lstStyle>
+          <a:p>
+            <a:pPr lvl="0"/>
+            <a:r>
+              <a:rPr lang="en-US"/>
+              <a:t>Edit Master text styles</a:t>
+            </a:r>
+          </a:p>
+        </p:txBody>
+      </p:sp>
+      <p:sp>
+        <p:nvSpPr>
+          <p:cNvPr id="4" name="Content Placeholder 3">
+            <a:extLst>
+              <a:ext uri="{FF2B5EF4-FFF2-40B4-BE49-F238E27FC236}">
+                <a16:creationId xmlns:a16="http://schemas.microsoft.com/office/drawing/2014/main" id="{4912D23D-8A67-4A7C-924F-F0F8BF9DD7CB}"/>
+              </a:ext>
+            </a:extLst>
+          </p:cNvPr>
+          <p:cNvSpPr>
+            <a:spLocks noGrp="1"/>
+          </p:cNvSpPr>
+          <p:nvPr>
+            <p:ph sz="half" idx="2"/>
+          </p:nvPr>
+        </p:nvSpPr>
+        <p:spPr>
+          <a:xfrm>
+            <a:off x="629842" y="2505075"/>
+            <a:ext cx="3868340" cy="3684588"/>
+          </a:xfrm>
+        </p:spPr>
+        <p:txBody>
+          <a:bodyPr/>
+          <a:lstStyle/>
+          <a:p>
+            <a:pPr lvl="0"/>
+            <a:r>
+              <a:rPr lang="en-US"/>
+              <a:t>Edit Master text styles</a:t>
+            </a:r>
+          </a:p>
+          <a:p>
+            <a:pPr lvl="1"/>
+            <a:r>
+              <a:rPr lang="en-US"/>
+              <a:t>Second level</a:t>
+            </a:r>
+          </a:p>
+          <a:p>
+            <a:pPr lvl="2"/>
+            <a:r>
+              <a:rPr lang="en-US"/>
+              <a:t>Third level</a:t>
+            </a:r>
+          </a:p>
+          <a:p>
+            <a:pPr lvl="3"/>
+            <a:r>
+              <a:rPr lang="en-US"/>
+              <a:t>Fourth level</a:t>
+            </a:r>
+          </a:p>
+          <a:p>
+            <a:pPr lvl="4"/>
+            <a:r>
+              <a:rPr lang="en-US"/>
+              <a:t>Fifth level</a:t>
+            </a:r>
+          </a:p>
+        </p:txBody>
+      </p:sp>
+      <p:sp>
+        <p:nvSpPr>
+          <p:cNvPr id="5" name="Text Placeholder 4">
+            <a:extLst>
+              <a:ext uri="{FF2B5EF4-FFF2-40B4-BE49-F238E27FC236}">
+                <a16:creationId xmlns:a16="http://schemas.microsoft.com/office/drawing/2014/main" id="{179D7AD7-BBD9-48AD-BA2B-951A006FA2A7}"/>
+              </a:ext>
+            </a:extLst>
+          </p:cNvPr>
+          <p:cNvSpPr>
+            <a:spLocks noGrp="1"/>
+          </p:cNvSpPr>
+          <p:nvPr>
+            <p:ph type="body" sz="quarter" idx="3"/>
+          </p:nvPr>
+        </p:nvSpPr>
+        <p:spPr>
+          <a:xfrm>
+            <a:off x="4629150" y="1681163"/>
+            <a:ext cx="3887391" cy="823912"/>
+          </a:xfrm>
+        </p:spPr>
+        <p:txBody>
+          <a:bodyPr anchor="b"/>
+          <a:lstStyle>
+            <a:lvl1pPr marL="0" indent="0">
+              <a:buNone/>
+              <a:defRPr sz="1800" b="1"/>
+            </a:lvl1pPr>
+            <a:lvl2pPr marL="342900" indent="0">
+              <a:buNone/>
+              <a:defRPr sz="1500" b="1"/>
+            </a:lvl2pPr>
+            <a:lvl3pPr marL="685800" indent="0">
+              <a:buNone/>
+              <a:defRPr sz="1350" b="1"/>
+            </a:lvl3pPr>
+            <a:lvl4pPr marL="1028700" indent="0">
+              <a:buNone/>
+              <a:defRPr sz="1200" b="1"/>
+            </a:lvl4pPr>
+            <a:lvl5pPr marL="1371600" indent="0">
+              <a:buNone/>
+              <a:defRPr sz="1200" b="1"/>
+            </a:lvl5pPr>
+            <a:lvl6pPr marL="1714500" indent="0">
+              <a:buNone/>
+              <a:defRPr sz="1200" b="1"/>
+            </a:lvl6pPr>
+            <a:lvl7pPr marL="2057400" indent="0">
+              <a:buNone/>
+              <a:defRPr sz="1200" b="1"/>
+            </a:lvl7pPr>
+            <a:lvl8pPr marL="2400300" indent="0">
+              <a:buNone/>
+              <a:defRPr sz="1200" b="1"/>
+            </a:lvl8pPr>
+            <a:lvl9pPr marL="2743200" indent="0">
+              <a:buNone/>
+              <a:defRPr sz="1200" b="1"/>
+            </a:lvl9pPr>
+          </a:lstStyle>
+          <a:p>
+            <a:pPr lvl="0"/>
+            <a:r>
+              <a:rPr lang="en-US"/>
+              <a:t>Edit Master text styles</a:t>
+            </a:r>
+          </a:p>
+        </p:txBody>
+      </p:sp>
+      <p:sp>
+        <p:nvSpPr>
+          <p:cNvPr id="6" name="Content Placeholder 5">
+            <a:extLst>
+              <a:ext uri="{FF2B5EF4-FFF2-40B4-BE49-F238E27FC236}">
+                <a16:creationId xmlns:a16="http://schemas.microsoft.com/office/drawing/2014/main" id="{3BA2765B-C44F-4703-9308-34B10FC4CDE2}"/>
+              </a:ext>
+            </a:extLst>
+          </p:cNvPr>
+          <p:cNvSpPr>
+            <a:spLocks noGrp="1"/>
+          </p:cNvSpPr>
+          <p:nvPr>
+            <p:ph sz="quarter" idx="4"/>
+          </p:nvPr>
+        </p:nvSpPr>
+        <p:spPr>
+          <a:xfrm>
+            <a:off x="4629150" y="2505075"/>
+            <a:ext cx="3887391" cy="3684588"/>
+          </a:xfrm>
+        </p:spPr>
+        <p:txBody>
+          <a:bodyPr/>
+          <a:lstStyle/>
+          <a:p>
+            <a:pPr lvl="0"/>
+            <a:r>
+              <a:rPr lang="en-US"/>
+              <a:t>Edit Master text styles</a:t>
+            </a:r>
+          </a:p>
+          <a:p>
+            <a:pPr lvl="1"/>
+            <a:r>
+              <a:rPr lang="en-US"/>
+              <a:t>Second level</a:t>
+            </a:r>
+          </a:p>
+          <a:p>
+            <a:pPr lvl="2"/>
+            <a:r>
+              <a:rPr lang="en-US"/>
+              <a:t>Third level</a:t>
+            </a:r>
+          </a:p>
+          <a:p>
+            <a:pPr lvl="3"/>
+            <a:r>
+              <a:rPr lang="en-US"/>
+              <a:t>Fourth level</a:t>
+            </a:r>
+          </a:p>
+          <a:p>
+            <a:pPr lvl="4"/>
+            <a:r>
+              <a:rPr lang="en-US"/>
+              <a:t>Fifth level</a:t>
+            </a:r>
+          </a:p>
+        </p:txBody>
+      </p:sp>
+      <p:sp>
+        <p:nvSpPr>
+          <p:cNvPr id="7" name="Date Placeholder 6">
+            <a:extLst>
+              <a:ext uri="{FF2B5EF4-FFF2-40B4-BE49-F238E27FC236}">
+                <a16:creationId xmlns:a16="http://schemas.microsoft.com/office/drawing/2014/main" id="{D98FAC04-8B44-421F-B544-14AC888998F7}"/>
+              </a:ext>
+            </a:extLst>
+          </p:cNvPr>
+          <p:cNvSpPr>
+            <a:spLocks noGrp="1"/>
+          </p:cNvSpPr>
+          <p:nvPr>
+            <p:ph type="dt" sz="half" idx="10"/>
+          </p:nvPr>
+        </p:nvSpPr>
+        <p:spPr/>
+        <p:txBody>
+          <a:bodyPr/>
+          <a:lstStyle/>
+          <a:p>
+            <a:fld id="{3CE4A1EF-C8DC-47B8-827C-FF4C88C09EF1}" type="datetimeFigureOut">
+              <a:rPr lang="en-US" smtClean="0"/>
+              <a:t>1/28/2020</a:t>
+            </a:fld>
+            <a:endParaRPr lang="en-US"/>
+          </a:p>
+        </p:txBody>
+      </p:sp>
+      <p:sp>
+        <p:nvSpPr>
+          <p:cNvPr id="8" name="Footer Placeholder 7">
+            <a:extLst>
+              <a:ext uri="{FF2B5EF4-FFF2-40B4-BE49-F238E27FC236}">
+                <a16:creationId xmlns:a16="http://schemas.microsoft.com/office/drawing/2014/main" id="{C7D07230-31C9-4A0A-BE8D-14AF5B2D97D8}"/>
+              </a:ext>
+            </a:extLst>
+          </p:cNvPr>
+          <p:cNvSpPr>
+            <a:spLocks noGrp="1"/>
+          </p:cNvSpPr>
+          <p:nvPr>
+            <p:ph type="ftr" sz="quarter" idx="11"/>
+          </p:nvPr>
+        </p:nvSpPr>
+        <p:spPr/>
+        <p:txBody>
+          <a:bodyPr/>
+          <a:lstStyle/>
+          <a:p>
+            <a:endParaRPr lang="en-US"/>
+          </a:p>
+        </p:txBody>
+      </p:sp>
+      <p:sp>
+        <p:nvSpPr>
+          <p:cNvPr id="9" name="Slide Number Placeholder 8">
+            <a:extLst>
+              <a:ext uri="{FF2B5EF4-FFF2-40B4-BE49-F238E27FC236}">
+                <a16:creationId xmlns:a16="http://schemas.microsoft.com/office/drawing/2014/main" id="{D1E4998D-45CE-4C4D-93F4-FDD68880D5D2}"/>
+              </a:ext>
+            </a:extLst>
+          </p:cNvPr>
+          <p:cNvSpPr>
+            <a:spLocks noGrp="1"/>
+          </p:cNvSpPr>
+          <p:nvPr>
+            <p:ph type="sldNum" sz="quarter" idx="12"/>
+          </p:nvPr>
+        </p:nvSpPr>
+        <p:spPr/>
+        <p:txBody>
+          <a:bodyPr/>
+          <a:lstStyle/>
+          <a:p>
+            <a:fld id="{8A38E584-0A05-493B-B98F-B465A128BD74}" type="slidenum">
+              <a:rPr lang="en-US" smtClean="0"/>
+              <a:t>‹#›</a:t>
+            </a:fld>
+            <a:endParaRPr lang="en-US"/>
+          </a:p>
+        </p:txBody>
+      </p:sp>
+    </p:spTree>
+    <p:extLst>
+      <p:ext uri="{BB962C8B-B14F-4D97-AF65-F5344CB8AC3E}">
+        <p14:creationId xmlns:p14="http://schemas.microsoft.com/office/powerpoint/2010/main" val="2537069355"/>
+      </p:ext>
+    </p:extLst>
+  </p:cSld>
+  <p:clrMapOvr>
+    <a:masterClrMapping/>
+  </p:clrMapOvr>
+</p:sldLayout>
+</file>
+
+<file path=ppt/slideLayouts/slideLayout22.xml><?xml version="1.0" encoding="utf-8"?>
+<p:sldLayout xmlns:a="http://schemas.openxmlformats.org/drawingml/2006/main" xmlns:r="http://schemas.openxmlformats.org/officeDocument/2006/relationships" xmlns:p="http://schemas.openxmlformats.org/presentationml/2006/main" type="titleOnly" preserve="1">
+  <p:cSld name="Title Only">
+    <p:spTree>
+      <p:nvGrpSpPr>
+        <p:cNvPr id="1" name=""/>
+        <p:cNvGrpSpPr/>
+        <p:nvPr/>
+      </p:nvGrpSpPr>
+      <p:grpSpPr>
+        <a:xfrm>
+          <a:off x="0" y="0"/>
+          <a:ext cx="0" cy="0"/>
+          <a:chOff x="0" y="0"/>
+          <a:chExt cx="0" cy="0"/>
+        </a:xfrm>
+      </p:grpSpPr>
+      <p:sp>
+        <p:nvSpPr>
+          <p:cNvPr id="2" name="Title 1">
+            <a:extLst>
+              <a:ext uri="{FF2B5EF4-FFF2-40B4-BE49-F238E27FC236}">
+                <a16:creationId xmlns:a16="http://schemas.microsoft.com/office/drawing/2014/main" id="{346A4AD0-F9AC-4616-903A-15531C32691E}"/>
+              </a:ext>
+            </a:extLst>
+          </p:cNvPr>
+          <p:cNvSpPr>
+            <a:spLocks noGrp="1"/>
+          </p:cNvSpPr>
+          <p:nvPr>
+            <p:ph type="title"/>
+          </p:nvPr>
+        </p:nvSpPr>
+        <p:spPr/>
+        <p:txBody>
+          <a:bodyPr/>
+          <a:lstStyle/>
+          <a:p>
+            <a:r>
+              <a:rPr lang="en-US"/>
+              <a:t>Click to edit Master title style</a:t>
+            </a:r>
+          </a:p>
+        </p:txBody>
+      </p:sp>
+      <p:sp>
+        <p:nvSpPr>
+          <p:cNvPr id="3" name="Date Placeholder 2">
+            <a:extLst>
+              <a:ext uri="{FF2B5EF4-FFF2-40B4-BE49-F238E27FC236}">
+                <a16:creationId xmlns:a16="http://schemas.microsoft.com/office/drawing/2014/main" id="{B14DB340-540F-4CFF-89E9-205E9262E25E}"/>
+              </a:ext>
+            </a:extLst>
+          </p:cNvPr>
+          <p:cNvSpPr>
+            <a:spLocks noGrp="1"/>
+          </p:cNvSpPr>
+          <p:nvPr>
+            <p:ph type="dt" sz="half" idx="10"/>
+          </p:nvPr>
+        </p:nvSpPr>
+        <p:spPr/>
+        <p:txBody>
+          <a:bodyPr/>
+          <a:lstStyle/>
+          <a:p>
+            <a:fld id="{3CE4A1EF-C8DC-47B8-827C-FF4C88C09EF1}" type="datetimeFigureOut">
+              <a:rPr lang="en-US" smtClean="0"/>
+              <a:t>1/28/2020</a:t>
+            </a:fld>
+            <a:endParaRPr lang="en-US"/>
+          </a:p>
+        </p:txBody>
+      </p:sp>
+      <p:sp>
+        <p:nvSpPr>
+          <p:cNvPr id="4" name="Footer Placeholder 3">
+            <a:extLst>
+              <a:ext uri="{FF2B5EF4-FFF2-40B4-BE49-F238E27FC236}">
+                <a16:creationId xmlns:a16="http://schemas.microsoft.com/office/drawing/2014/main" id="{8551B4D0-DF6E-499D-A8A8-FC9DD318B7C5}"/>
+              </a:ext>
+            </a:extLst>
+          </p:cNvPr>
+          <p:cNvSpPr>
+            <a:spLocks noGrp="1"/>
+          </p:cNvSpPr>
+          <p:nvPr>
+            <p:ph type="ftr" sz="quarter" idx="11"/>
+          </p:nvPr>
+        </p:nvSpPr>
+        <p:spPr/>
+        <p:txBody>
+          <a:bodyPr/>
+          <a:lstStyle/>
+          <a:p>
+            <a:endParaRPr lang="en-US"/>
+          </a:p>
+        </p:txBody>
+      </p:sp>
+      <p:sp>
+        <p:nvSpPr>
+          <p:cNvPr id="5" name="Slide Number Placeholder 4">
+            <a:extLst>
+              <a:ext uri="{FF2B5EF4-FFF2-40B4-BE49-F238E27FC236}">
+                <a16:creationId xmlns:a16="http://schemas.microsoft.com/office/drawing/2014/main" id="{103D3416-B7C2-4F9F-B873-415FA613EBAB}"/>
+              </a:ext>
+            </a:extLst>
+          </p:cNvPr>
+          <p:cNvSpPr>
+            <a:spLocks noGrp="1"/>
+          </p:cNvSpPr>
+          <p:nvPr>
+            <p:ph type="sldNum" sz="quarter" idx="12"/>
+          </p:nvPr>
+        </p:nvSpPr>
+        <p:spPr/>
+        <p:txBody>
+          <a:bodyPr/>
+          <a:lstStyle/>
+          <a:p>
+            <a:fld id="{8A38E584-0A05-493B-B98F-B465A128BD74}" type="slidenum">
+              <a:rPr lang="en-US" smtClean="0"/>
+              <a:t>‹#›</a:t>
+            </a:fld>
+            <a:endParaRPr lang="en-US"/>
+          </a:p>
+        </p:txBody>
+      </p:sp>
+    </p:spTree>
+    <p:extLst>
+      <p:ext uri="{BB962C8B-B14F-4D97-AF65-F5344CB8AC3E}">
+        <p14:creationId xmlns:p14="http://schemas.microsoft.com/office/powerpoint/2010/main" val="3418187785"/>
+      </p:ext>
+    </p:extLst>
+  </p:cSld>
+  <p:clrMapOvr>
+    <a:masterClrMapping/>
+  </p:clrMapOvr>
+</p:sldLayout>
+</file>
+
+<file path=ppt/slideLayouts/slideLayout23.xml><?xml version="1.0" encoding="utf-8"?>
+<p:sldLayout xmlns:a="http://schemas.openxmlformats.org/drawingml/2006/main" xmlns:r="http://schemas.openxmlformats.org/officeDocument/2006/relationships" xmlns:p="http://schemas.openxmlformats.org/presentationml/2006/main" type="blank" preserve="1">
+  <p:cSld name="Blank">
+    <p:spTree>
+      <p:nvGrpSpPr>
+        <p:cNvPr id="1" name=""/>
+        <p:cNvGrpSpPr/>
+        <p:nvPr/>
+      </p:nvGrpSpPr>
+      <p:grpSpPr>
+        <a:xfrm>
+          <a:off x="0" y="0"/>
+          <a:ext cx="0" cy="0"/>
+          <a:chOff x="0" y="0"/>
+          <a:chExt cx="0" cy="0"/>
+        </a:xfrm>
+      </p:grpSpPr>
+      <p:sp>
+        <p:nvSpPr>
+          <p:cNvPr id="2" name="Date Placeholder 1">
+            <a:extLst>
+              <a:ext uri="{FF2B5EF4-FFF2-40B4-BE49-F238E27FC236}">
+                <a16:creationId xmlns:a16="http://schemas.microsoft.com/office/drawing/2014/main" id="{FD03FBC2-BCF3-4FD1-989B-4F9F1D5FB05A}"/>
+              </a:ext>
+            </a:extLst>
+          </p:cNvPr>
+          <p:cNvSpPr>
+            <a:spLocks noGrp="1"/>
+          </p:cNvSpPr>
+          <p:nvPr>
+            <p:ph type="dt" sz="half" idx="10"/>
+          </p:nvPr>
+        </p:nvSpPr>
+        <p:spPr/>
+        <p:txBody>
+          <a:bodyPr/>
+          <a:lstStyle/>
+          <a:p>
+            <a:fld id="{3CE4A1EF-C8DC-47B8-827C-FF4C88C09EF1}" type="datetimeFigureOut">
+              <a:rPr lang="en-US" smtClean="0"/>
+              <a:t>1/28/2020</a:t>
+            </a:fld>
+            <a:endParaRPr lang="en-US"/>
+          </a:p>
+        </p:txBody>
+      </p:sp>
+      <p:sp>
+        <p:nvSpPr>
+          <p:cNvPr id="3" name="Footer Placeholder 2">
+            <a:extLst>
+              <a:ext uri="{FF2B5EF4-FFF2-40B4-BE49-F238E27FC236}">
+                <a16:creationId xmlns:a16="http://schemas.microsoft.com/office/drawing/2014/main" id="{0623113E-7296-4AA6-8F07-FC63AB4D91F3}"/>
+              </a:ext>
+            </a:extLst>
+          </p:cNvPr>
+          <p:cNvSpPr>
+            <a:spLocks noGrp="1"/>
+          </p:cNvSpPr>
+          <p:nvPr>
+            <p:ph type="ftr" sz="quarter" idx="11"/>
+          </p:nvPr>
+        </p:nvSpPr>
+        <p:spPr/>
+        <p:txBody>
+          <a:bodyPr/>
+          <a:lstStyle/>
+          <a:p>
+            <a:endParaRPr lang="en-US"/>
+          </a:p>
+        </p:txBody>
+      </p:sp>
+      <p:sp>
+        <p:nvSpPr>
+          <p:cNvPr id="4" name="Slide Number Placeholder 3">
+            <a:extLst>
+              <a:ext uri="{FF2B5EF4-FFF2-40B4-BE49-F238E27FC236}">
+                <a16:creationId xmlns:a16="http://schemas.microsoft.com/office/drawing/2014/main" id="{857FF6B2-E3EB-4A6D-9545-F2FFE5AE1E29}"/>
+              </a:ext>
+            </a:extLst>
+          </p:cNvPr>
+          <p:cNvSpPr>
+            <a:spLocks noGrp="1"/>
+          </p:cNvSpPr>
+          <p:nvPr>
+            <p:ph type="sldNum" sz="quarter" idx="12"/>
+          </p:nvPr>
+        </p:nvSpPr>
+        <p:spPr/>
+        <p:txBody>
+          <a:bodyPr/>
+          <a:lstStyle/>
+          <a:p>
+            <a:fld id="{8A38E584-0A05-493B-B98F-B465A128BD74}" type="slidenum">
+              <a:rPr lang="en-US" smtClean="0"/>
+              <a:t>‹#›</a:t>
+            </a:fld>
+            <a:endParaRPr lang="en-US"/>
+          </a:p>
+        </p:txBody>
+      </p:sp>
+    </p:spTree>
+    <p:extLst>
+      <p:ext uri="{BB962C8B-B14F-4D97-AF65-F5344CB8AC3E}">
+        <p14:creationId xmlns:p14="http://schemas.microsoft.com/office/powerpoint/2010/main" val="1232524857"/>
+      </p:ext>
+    </p:extLst>
+  </p:cSld>
+  <p:clrMapOvr>
+    <a:masterClrMapping/>
+  </p:clrMapOvr>
+</p:sldLayout>
+</file>
+
+<file path=ppt/slideLayouts/slideLayout24.xml><?xml version="1.0" encoding="utf-8"?>
+<p:sldLayout xmlns:a="http://schemas.openxmlformats.org/drawingml/2006/main" xmlns:r="http://schemas.openxmlformats.org/officeDocument/2006/relationships" xmlns:p="http://schemas.openxmlformats.org/presentationml/2006/main" type="objTx" preserve="1">
+  <p:cSld name="Content with Caption">
+    <p:spTree>
+      <p:nvGrpSpPr>
+        <p:cNvPr id="1" name=""/>
+        <p:cNvGrpSpPr/>
+        <p:nvPr/>
+      </p:nvGrpSpPr>
+      <p:grpSpPr>
+        <a:xfrm>
+          <a:off x="0" y="0"/>
+          <a:ext cx="0" cy="0"/>
+          <a:chOff x="0" y="0"/>
+          <a:chExt cx="0" cy="0"/>
+        </a:xfrm>
+      </p:grpSpPr>
+      <p:sp>
+        <p:nvSpPr>
+          <p:cNvPr id="2" name="Title 1">
+            <a:extLst>
+              <a:ext uri="{FF2B5EF4-FFF2-40B4-BE49-F238E27FC236}">
+                <a16:creationId xmlns:a16="http://schemas.microsoft.com/office/drawing/2014/main" id="{02B6DF52-D350-4DF6-BA76-FA0077DD09A0}"/>
+              </a:ext>
+            </a:extLst>
+          </p:cNvPr>
+          <p:cNvSpPr>
+            <a:spLocks noGrp="1"/>
+          </p:cNvSpPr>
+          <p:nvPr>
+            <p:ph type="title"/>
+          </p:nvPr>
+        </p:nvSpPr>
+        <p:spPr>
+          <a:xfrm>
+            <a:off x="629841" y="457200"/>
+            <a:ext cx="2949178" cy="1600200"/>
+          </a:xfrm>
+        </p:spPr>
+        <p:txBody>
+          <a:bodyPr anchor="b"/>
+          <a:lstStyle>
+            <a:lvl1pPr>
+              <a:defRPr sz="2400"/>
+            </a:lvl1pPr>
+          </a:lstStyle>
+          <a:p>
+            <a:r>
+              <a:rPr lang="en-US"/>
+              <a:t>Click to edit Master title style</a:t>
+            </a:r>
+          </a:p>
+        </p:txBody>
+      </p:sp>
+      <p:sp>
+        <p:nvSpPr>
+          <p:cNvPr id="3" name="Content Placeholder 2">
+            <a:extLst>
+              <a:ext uri="{FF2B5EF4-FFF2-40B4-BE49-F238E27FC236}">
+                <a16:creationId xmlns:a16="http://schemas.microsoft.com/office/drawing/2014/main" id="{65345C21-2659-43FB-84B3-63F36E280541}"/>
+              </a:ext>
+            </a:extLst>
+          </p:cNvPr>
+          <p:cNvSpPr>
+            <a:spLocks noGrp="1"/>
+          </p:cNvSpPr>
+          <p:nvPr>
+            <p:ph idx="1"/>
+          </p:nvPr>
+        </p:nvSpPr>
+        <p:spPr>
+          <a:xfrm>
+            <a:off x="3887391" y="987426"/>
+            <a:ext cx="4629150" cy="4873625"/>
+          </a:xfrm>
+        </p:spPr>
+        <p:txBody>
+          <a:bodyPr/>
+          <a:lstStyle>
+            <a:lvl1pPr>
+              <a:defRPr sz="2400"/>
+            </a:lvl1pPr>
+            <a:lvl2pPr>
+              <a:defRPr sz="2100"/>
+            </a:lvl2pPr>
+            <a:lvl3pPr>
+              <a:defRPr sz="1800"/>
+            </a:lvl3pPr>
+            <a:lvl4pPr>
+              <a:defRPr sz="1500"/>
+            </a:lvl4pPr>
+            <a:lvl5pPr>
+              <a:defRPr sz="1500"/>
+            </a:lvl5pPr>
+            <a:lvl6pPr>
+              <a:defRPr sz="1500"/>
+            </a:lvl6pPr>
+            <a:lvl7pPr>
+              <a:defRPr sz="1500"/>
+            </a:lvl7pPr>
+            <a:lvl8pPr>
+              <a:defRPr sz="1500"/>
+            </a:lvl8pPr>
+            <a:lvl9pPr>
+              <a:defRPr sz="1500"/>
+            </a:lvl9pPr>
+          </a:lstStyle>
+          <a:p>
+            <a:pPr lvl="0"/>
+            <a:r>
+              <a:rPr lang="en-US"/>
+              <a:t>Edit Master text styles</a:t>
+            </a:r>
+          </a:p>
+          <a:p>
+            <a:pPr lvl="1"/>
+            <a:r>
+              <a:rPr lang="en-US"/>
+              <a:t>Second level</a:t>
+            </a:r>
+          </a:p>
+          <a:p>
+            <a:pPr lvl="2"/>
+            <a:r>
+              <a:rPr lang="en-US"/>
+              <a:t>Third level</a:t>
+            </a:r>
+          </a:p>
+          <a:p>
+            <a:pPr lvl="3"/>
+            <a:r>
+              <a:rPr lang="en-US"/>
+              <a:t>Fourth level</a:t>
+            </a:r>
+          </a:p>
+          <a:p>
+            <a:pPr lvl="4"/>
+            <a:r>
+              <a:rPr lang="en-US"/>
+              <a:t>Fifth level</a:t>
+            </a:r>
+          </a:p>
+        </p:txBody>
+      </p:sp>
+      <p:sp>
+        <p:nvSpPr>
+          <p:cNvPr id="4" name="Text Placeholder 3">
+            <a:extLst>
+              <a:ext uri="{FF2B5EF4-FFF2-40B4-BE49-F238E27FC236}">
+                <a16:creationId xmlns:a16="http://schemas.microsoft.com/office/drawing/2014/main" id="{C88D2689-F54C-4A6A-9BE0-B0EB264736F3}"/>
+              </a:ext>
+            </a:extLst>
+          </p:cNvPr>
+          <p:cNvSpPr>
+            <a:spLocks noGrp="1"/>
+          </p:cNvSpPr>
+          <p:nvPr>
+            <p:ph type="body" sz="half" idx="2"/>
+          </p:nvPr>
+        </p:nvSpPr>
+        <p:spPr>
+          <a:xfrm>
+            <a:off x="629841" y="2057400"/>
+            <a:ext cx="2949178" cy="3811588"/>
+          </a:xfrm>
+        </p:spPr>
+        <p:txBody>
+          <a:bodyPr/>
+          <a:lstStyle>
+            <a:lvl1pPr marL="0" indent="0">
+              <a:buNone/>
+              <a:defRPr sz="1200"/>
+            </a:lvl1pPr>
+            <a:lvl2pPr marL="342900" indent="0">
+              <a:buNone/>
+              <a:defRPr sz="1050"/>
+            </a:lvl2pPr>
+            <a:lvl3pPr marL="685800" indent="0">
+              <a:buNone/>
+              <a:defRPr sz="900"/>
+            </a:lvl3pPr>
+            <a:lvl4pPr marL="1028700" indent="0">
+              <a:buNone/>
+              <a:defRPr sz="750"/>
+            </a:lvl4pPr>
+            <a:lvl5pPr marL="1371600" indent="0">
+              <a:buNone/>
+              <a:defRPr sz="750"/>
+            </a:lvl5pPr>
+            <a:lvl6pPr marL="1714500" indent="0">
+              <a:buNone/>
+              <a:defRPr sz="750"/>
+            </a:lvl6pPr>
+            <a:lvl7pPr marL="2057400" indent="0">
+              <a:buNone/>
+              <a:defRPr sz="750"/>
+            </a:lvl7pPr>
+            <a:lvl8pPr marL="2400300" indent="0">
+              <a:buNone/>
+              <a:defRPr sz="750"/>
+            </a:lvl8pPr>
+            <a:lvl9pPr marL="2743200" indent="0">
+              <a:buNone/>
+              <a:defRPr sz="750"/>
+            </a:lvl9pPr>
+          </a:lstStyle>
+          <a:p>
+            <a:pPr lvl="0"/>
+            <a:r>
+              <a:rPr lang="en-US"/>
+              <a:t>Edit Master text styles</a:t>
+            </a:r>
+          </a:p>
+        </p:txBody>
+      </p:sp>
+      <p:sp>
+        <p:nvSpPr>
+          <p:cNvPr id="5" name="Date Placeholder 4">
+            <a:extLst>
+              <a:ext uri="{FF2B5EF4-FFF2-40B4-BE49-F238E27FC236}">
+                <a16:creationId xmlns:a16="http://schemas.microsoft.com/office/drawing/2014/main" id="{E5F0892E-CC67-46FB-A1A6-E22982739CCF}"/>
+              </a:ext>
+            </a:extLst>
+          </p:cNvPr>
+          <p:cNvSpPr>
+            <a:spLocks noGrp="1"/>
+          </p:cNvSpPr>
+          <p:nvPr>
+            <p:ph type="dt" sz="half" idx="10"/>
+          </p:nvPr>
+        </p:nvSpPr>
+        <p:spPr/>
+        <p:txBody>
+          <a:bodyPr/>
+          <a:lstStyle/>
+          <a:p>
+            <a:fld id="{3CE4A1EF-C8DC-47B8-827C-FF4C88C09EF1}" type="datetimeFigureOut">
+              <a:rPr lang="en-US" smtClean="0"/>
+              <a:t>1/28/2020</a:t>
+            </a:fld>
+            <a:endParaRPr lang="en-US"/>
+          </a:p>
+        </p:txBody>
+      </p:sp>
+      <p:sp>
+        <p:nvSpPr>
+          <p:cNvPr id="6" name="Footer Placeholder 5">
+            <a:extLst>
+              <a:ext uri="{FF2B5EF4-FFF2-40B4-BE49-F238E27FC236}">
+                <a16:creationId xmlns:a16="http://schemas.microsoft.com/office/drawing/2014/main" id="{DE45E5C8-23AF-43B5-9A91-36D7E3BF2C59}"/>
+              </a:ext>
+            </a:extLst>
+          </p:cNvPr>
+          <p:cNvSpPr>
+            <a:spLocks noGrp="1"/>
+          </p:cNvSpPr>
+          <p:nvPr>
+            <p:ph type="ftr" sz="quarter" idx="11"/>
+          </p:nvPr>
+        </p:nvSpPr>
+        <p:spPr/>
+        <p:txBody>
+          <a:bodyPr/>
+          <a:lstStyle/>
+          <a:p>
+            <a:endParaRPr lang="en-US"/>
+          </a:p>
+        </p:txBody>
+      </p:sp>
+      <p:sp>
+        <p:nvSpPr>
+          <p:cNvPr id="7" name="Slide Number Placeholder 6">
+            <a:extLst>
+              <a:ext uri="{FF2B5EF4-FFF2-40B4-BE49-F238E27FC236}">
+                <a16:creationId xmlns:a16="http://schemas.microsoft.com/office/drawing/2014/main" id="{B35335C0-B070-405E-A876-DA5476F2C865}"/>
+              </a:ext>
+            </a:extLst>
+          </p:cNvPr>
+          <p:cNvSpPr>
+            <a:spLocks noGrp="1"/>
+          </p:cNvSpPr>
+          <p:nvPr>
+            <p:ph type="sldNum" sz="quarter" idx="12"/>
+          </p:nvPr>
+        </p:nvSpPr>
+        <p:spPr/>
+        <p:txBody>
+          <a:bodyPr/>
+          <a:lstStyle/>
+          <a:p>
+            <a:fld id="{8A38E584-0A05-493B-B98F-B465A128BD74}" type="slidenum">
+              <a:rPr lang="en-US" smtClean="0"/>
+              <a:t>‹#›</a:t>
+            </a:fld>
+            <a:endParaRPr lang="en-US"/>
+          </a:p>
+        </p:txBody>
+      </p:sp>
+    </p:spTree>
+    <p:extLst>
+      <p:ext uri="{BB962C8B-B14F-4D97-AF65-F5344CB8AC3E}">
+        <p14:creationId xmlns:p14="http://schemas.microsoft.com/office/powerpoint/2010/main" val="2447029541"/>
+      </p:ext>
+    </p:extLst>
+  </p:cSld>
+  <p:clrMapOvr>
+    <a:masterClrMapping/>
+  </p:clrMapOvr>
+</p:sldLayout>
+</file>
+
+<file path=ppt/slideLayouts/slideLayout25.xml><?xml version="1.0" encoding="utf-8"?>
+<p:sldLayout xmlns:a="http://schemas.openxmlformats.org/drawingml/2006/main" xmlns:r="http://schemas.openxmlformats.org/officeDocument/2006/relationships" xmlns:p="http://schemas.openxmlformats.org/presentationml/2006/main" type="picTx" preserve="1">
+  <p:cSld name="Picture with Caption">
+    <p:spTree>
+      <p:nvGrpSpPr>
+        <p:cNvPr id="1" name=""/>
+        <p:cNvGrpSpPr/>
+        <p:nvPr/>
+      </p:nvGrpSpPr>
+      <p:grpSpPr>
+        <a:xfrm>
+          <a:off x="0" y="0"/>
+          <a:ext cx="0" cy="0"/>
+          <a:chOff x="0" y="0"/>
+          <a:chExt cx="0" cy="0"/>
+        </a:xfrm>
+      </p:grpSpPr>
+      <p:sp>
+        <p:nvSpPr>
+          <p:cNvPr id="2" name="Title 1">
+            <a:extLst>
+              <a:ext uri="{FF2B5EF4-FFF2-40B4-BE49-F238E27FC236}">
+                <a16:creationId xmlns:a16="http://schemas.microsoft.com/office/drawing/2014/main" id="{6C6656BB-1D57-42FB-8920-181BEDFA3395}"/>
+              </a:ext>
+            </a:extLst>
+          </p:cNvPr>
+          <p:cNvSpPr>
+            <a:spLocks noGrp="1"/>
+          </p:cNvSpPr>
+          <p:nvPr>
+            <p:ph type="title"/>
+          </p:nvPr>
+        </p:nvSpPr>
+        <p:spPr>
+          <a:xfrm>
+            <a:off x="629841" y="457200"/>
+            <a:ext cx="2949178" cy="1600200"/>
+          </a:xfrm>
+        </p:spPr>
+        <p:txBody>
+          <a:bodyPr anchor="b"/>
+          <a:lstStyle>
+            <a:lvl1pPr>
+              <a:defRPr sz="2400"/>
+            </a:lvl1pPr>
+          </a:lstStyle>
+          <a:p>
+            <a:r>
+              <a:rPr lang="en-US"/>
+              <a:t>Click to edit Master title style</a:t>
+            </a:r>
+          </a:p>
+        </p:txBody>
+      </p:sp>
+      <p:sp>
+        <p:nvSpPr>
+          <p:cNvPr id="3" name="Picture Placeholder 2">
+            <a:extLst>
+              <a:ext uri="{FF2B5EF4-FFF2-40B4-BE49-F238E27FC236}">
+                <a16:creationId xmlns:a16="http://schemas.microsoft.com/office/drawing/2014/main" id="{C90C85B8-12B9-4594-96A4-CEAA753194DD}"/>
+              </a:ext>
+            </a:extLst>
+          </p:cNvPr>
+          <p:cNvSpPr>
+            <a:spLocks noGrp="1"/>
+          </p:cNvSpPr>
+          <p:nvPr>
+            <p:ph type="pic" idx="1"/>
+          </p:nvPr>
+        </p:nvSpPr>
+        <p:spPr>
+          <a:xfrm>
+            <a:off x="3887391" y="987426"/>
+            <a:ext cx="4629150" cy="4873625"/>
+          </a:xfrm>
+        </p:spPr>
+        <p:txBody>
+          <a:bodyPr/>
+          <a:lstStyle>
+            <a:lvl1pPr marL="0" indent="0">
+              <a:buNone/>
+              <a:defRPr sz="2400"/>
+            </a:lvl1pPr>
+            <a:lvl2pPr marL="342900" indent="0">
+              <a:buNone/>
+              <a:defRPr sz="2100"/>
+            </a:lvl2pPr>
+            <a:lvl3pPr marL="685800" indent="0">
+              <a:buNone/>
+              <a:defRPr sz="1800"/>
+            </a:lvl3pPr>
+            <a:lvl4pPr marL="1028700" indent="0">
+              <a:buNone/>
+              <a:defRPr sz="1500"/>
+            </a:lvl4pPr>
+            <a:lvl5pPr marL="1371600" indent="0">
+              <a:buNone/>
+              <a:defRPr sz="1500"/>
+            </a:lvl5pPr>
+            <a:lvl6pPr marL="1714500" indent="0">
+              <a:buNone/>
+              <a:defRPr sz="1500"/>
+            </a:lvl6pPr>
+            <a:lvl7pPr marL="2057400" indent="0">
+              <a:buNone/>
+              <a:defRPr sz="1500"/>
+            </a:lvl7pPr>
+            <a:lvl8pPr marL="2400300" indent="0">
+              <a:buNone/>
+              <a:defRPr sz="1500"/>
+            </a:lvl8pPr>
+            <a:lvl9pPr marL="2743200" indent="0">
+              <a:buNone/>
+              <a:defRPr sz="1500"/>
+            </a:lvl9pPr>
+          </a:lstStyle>
+          <a:p>
+            <a:endParaRPr lang="en-US"/>
+          </a:p>
+        </p:txBody>
+      </p:sp>
+      <p:sp>
+        <p:nvSpPr>
+          <p:cNvPr id="4" name="Text Placeholder 3">
+            <a:extLst>
+              <a:ext uri="{FF2B5EF4-FFF2-40B4-BE49-F238E27FC236}">
+                <a16:creationId xmlns:a16="http://schemas.microsoft.com/office/drawing/2014/main" id="{8D9F6EDC-CE11-4BE4-A01D-BE493F5F0EAD}"/>
+              </a:ext>
+            </a:extLst>
+          </p:cNvPr>
+          <p:cNvSpPr>
+            <a:spLocks noGrp="1"/>
+          </p:cNvSpPr>
+          <p:nvPr>
+            <p:ph type="body" sz="half" idx="2"/>
+          </p:nvPr>
+        </p:nvSpPr>
+        <p:spPr>
+          <a:xfrm>
+            <a:off x="629841" y="2057400"/>
+            <a:ext cx="2949178" cy="3811588"/>
+          </a:xfrm>
+        </p:spPr>
+        <p:txBody>
+          <a:bodyPr/>
+          <a:lstStyle>
+            <a:lvl1pPr marL="0" indent="0">
+              <a:buNone/>
+              <a:defRPr sz="1200"/>
+            </a:lvl1pPr>
+            <a:lvl2pPr marL="342900" indent="0">
+              <a:buNone/>
+              <a:defRPr sz="1050"/>
+            </a:lvl2pPr>
+            <a:lvl3pPr marL="685800" indent="0">
+              <a:buNone/>
+              <a:defRPr sz="900"/>
+            </a:lvl3pPr>
+            <a:lvl4pPr marL="1028700" indent="0">
+              <a:buNone/>
+              <a:defRPr sz="750"/>
+            </a:lvl4pPr>
+            <a:lvl5pPr marL="1371600" indent="0">
+              <a:buNone/>
+              <a:defRPr sz="750"/>
+            </a:lvl5pPr>
+            <a:lvl6pPr marL="1714500" indent="0">
+              <a:buNone/>
+              <a:defRPr sz="750"/>
+            </a:lvl6pPr>
+            <a:lvl7pPr marL="2057400" indent="0">
+              <a:buNone/>
+              <a:defRPr sz="750"/>
+            </a:lvl7pPr>
+            <a:lvl8pPr marL="2400300" indent="0">
+              <a:buNone/>
+              <a:defRPr sz="750"/>
+            </a:lvl8pPr>
+            <a:lvl9pPr marL="2743200" indent="0">
+              <a:buNone/>
+              <a:defRPr sz="750"/>
+            </a:lvl9pPr>
+          </a:lstStyle>
+          <a:p>
+            <a:pPr lvl="0"/>
+            <a:r>
+              <a:rPr lang="en-US"/>
+              <a:t>Edit Master text styles</a:t>
+            </a:r>
+          </a:p>
+        </p:txBody>
+      </p:sp>
+      <p:sp>
+        <p:nvSpPr>
+          <p:cNvPr id="5" name="Date Placeholder 4">
+            <a:extLst>
+              <a:ext uri="{FF2B5EF4-FFF2-40B4-BE49-F238E27FC236}">
+                <a16:creationId xmlns:a16="http://schemas.microsoft.com/office/drawing/2014/main" id="{F83C2DC3-9A22-4749-B5C3-2FE001EEB639}"/>
+              </a:ext>
+            </a:extLst>
+          </p:cNvPr>
+          <p:cNvSpPr>
+            <a:spLocks noGrp="1"/>
+          </p:cNvSpPr>
+          <p:nvPr>
+            <p:ph type="dt" sz="half" idx="10"/>
+          </p:nvPr>
+        </p:nvSpPr>
+        <p:spPr/>
+        <p:txBody>
+          <a:bodyPr/>
+          <a:lstStyle/>
+          <a:p>
+            <a:fld id="{3CE4A1EF-C8DC-47B8-827C-FF4C88C09EF1}" type="datetimeFigureOut">
+              <a:rPr lang="en-US" smtClean="0"/>
+              <a:t>1/28/2020</a:t>
+            </a:fld>
+            <a:endParaRPr lang="en-US"/>
+          </a:p>
+        </p:txBody>
+      </p:sp>
+      <p:sp>
+        <p:nvSpPr>
+          <p:cNvPr id="6" name="Footer Placeholder 5">
+            <a:extLst>
+              <a:ext uri="{FF2B5EF4-FFF2-40B4-BE49-F238E27FC236}">
+                <a16:creationId xmlns:a16="http://schemas.microsoft.com/office/drawing/2014/main" id="{86130AAE-01FB-4D93-9455-1D081E2E4DE7}"/>
+              </a:ext>
+            </a:extLst>
+          </p:cNvPr>
+          <p:cNvSpPr>
+            <a:spLocks noGrp="1"/>
+          </p:cNvSpPr>
+          <p:nvPr>
+            <p:ph type="ftr" sz="quarter" idx="11"/>
+          </p:nvPr>
+        </p:nvSpPr>
+        <p:spPr/>
+        <p:txBody>
+          <a:bodyPr/>
+          <a:lstStyle/>
+          <a:p>
+            <a:endParaRPr lang="en-US"/>
+          </a:p>
+        </p:txBody>
+      </p:sp>
+      <p:sp>
+        <p:nvSpPr>
+          <p:cNvPr id="7" name="Slide Number Placeholder 6">
+            <a:extLst>
+              <a:ext uri="{FF2B5EF4-FFF2-40B4-BE49-F238E27FC236}">
+                <a16:creationId xmlns:a16="http://schemas.microsoft.com/office/drawing/2014/main" id="{8DCF9C1E-9351-4582-BA3B-21E2CCB80024}"/>
+              </a:ext>
+            </a:extLst>
+          </p:cNvPr>
+          <p:cNvSpPr>
+            <a:spLocks noGrp="1"/>
+          </p:cNvSpPr>
+          <p:nvPr>
+            <p:ph type="sldNum" sz="quarter" idx="12"/>
+          </p:nvPr>
+        </p:nvSpPr>
+        <p:spPr/>
+        <p:txBody>
+          <a:bodyPr/>
+          <a:lstStyle/>
+          <a:p>
+            <a:fld id="{8A38E584-0A05-493B-B98F-B465A128BD74}" type="slidenum">
+              <a:rPr lang="en-US" smtClean="0"/>
+              <a:t>‹#›</a:t>
+            </a:fld>
+            <a:endParaRPr lang="en-US"/>
+          </a:p>
+        </p:txBody>
+      </p:sp>
+    </p:spTree>
+    <p:extLst>
+      <p:ext uri="{BB962C8B-B14F-4D97-AF65-F5344CB8AC3E}">
+        <p14:creationId xmlns:p14="http://schemas.microsoft.com/office/powerpoint/2010/main" val="2334189694"/>
+      </p:ext>
+    </p:extLst>
+  </p:cSld>
+  <p:clrMapOvr>
+    <a:masterClrMapping/>
+  </p:clrMapOvr>
+</p:sldLayout>
+</file>
+
+<file path=ppt/slideLayouts/slideLayout26.xml><?xml version="1.0" encoding="utf-8"?>
+<p:sldLayout xmlns:a="http://schemas.openxmlformats.org/drawingml/2006/main" xmlns:r="http://schemas.openxmlformats.org/officeDocument/2006/relationships" xmlns:p="http://schemas.openxmlformats.org/presentationml/2006/main" type="vertTx" preserve="1">
+  <p:cSld name="Title and Vertical Text">
+    <p:spTree>
+      <p:nvGrpSpPr>
+        <p:cNvPr id="1" name=""/>
+        <p:cNvGrpSpPr/>
+        <p:nvPr/>
+      </p:nvGrpSpPr>
+      <p:grpSpPr>
+        <a:xfrm>
+          <a:off x="0" y="0"/>
+          <a:ext cx="0" cy="0"/>
+          <a:chOff x="0" y="0"/>
+          <a:chExt cx="0" cy="0"/>
+        </a:xfrm>
+      </p:grpSpPr>
+      <p:sp>
+        <p:nvSpPr>
+          <p:cNvPr id="2" name="Title 1">
+            <a:extLst>
+              <a:ext uri="{FF2B5EF4-FFF2-40B4-BE49-F238E27FC236}">
+                <a16:creationId xmlns:a16="http://schemas.microsoft.com/office/drawing/2014/main" id="{EAAD7280-A888-4C31-9AC6-B33174EA72C8}"/>
+              </a:ext>
+            </a:extLst>
+          </p:cNvPr>
+          <p:cNvSpPr>
+            <a:spLocks noGrp="1"/>
+          </p:cNvSpPr>
+          <p:nvPr>
+            <p:ph type="title"/>
+          </p:nvPr>
+        </p:nvSpPr>
+        <p:spPr/>
+        <p:txBody>
+          <a:bodyPr/>
+          <a:lstStyle/>
+          <a:p>
+            <a:r>
+              <a:rPr lang="en-US"/>
+              <a:t>Click to edit Master title style</a:t>
+            </a:r>
+          </a:p>
+        </p:txBody>
+      </p:sp>
+      <p:sp>
+        <p:nvSpPr>
+          <p:cNvPr id="3" name="Vertical Text Placeholder 2">
+            <a:extLst>
+              <a:ext uri="{FF2B5EF4-FFF2-40B4-BE49-F238E27FC236}">
+                <a16:creationId xmlns:a16="http://schemas.microsoft.com/office/drawing/2014/main" id="{A27E6307-6BBB-467C-A3E4-A582687246E5}"/>
+              </a:ext>
+            </a:extLst>
+          </p:cNvPr>
+          <p:cNvSpPr>
+            <a:spLocks noGrp="1"/>
+          </p:cNvSpPr>
+          <p:nvPr>
+            <p:ph type="body" orient="vert" idx="1"/>
+          </p:nvPr>
+        </p:nvSpPr>
+        <p:spPr/>
+        <p:txBody>
+          <a:bodyPr vert="eaVert"/>
+          <a:lstStyle/>
+          <a:p>
+            <a:pPr lvl="0"/>
+            <a:r>
+              <a:rPr lang="en-US"/>
+              <a:t>Edit Master text styles</a:t>
+            </a:r>
+          </a:p>
+          <a:p>
+            <a:pPr lvl="1"/>
+            <a:r>
+              <a:rPr lang="en-US"/>
+              <a:t>Second level</a:t>
+            </a:r>
+          </a:p>
+          <a:p>
+            <a:pPr lvl="2"/>
+            <a:r>
+              <a:rPr lang="en-US"/>
+              <a:t>Third level</a:t>
+            </a:r>
+          </a:p>
+          <a:p>
+            <a:pPr lvl="3"/>
+            <a:r>
+              <a:rPr lang="en-US"/>
+              <a:t>Fourth level</a:t>
+            </a:r>
+          </a:p>
+          <a:p>
+            <a:pPr lvl="4"/>
+            <a:r>
+              <a:rPr lang="en-US"/>
+              <a:t>Fifth level</a:t>
+            </a:r>
+          </a:p>
+        </p:txBody>
+      </p:sp>
+      <p:sp>
+        <p:nvSpPr>
+          <p:cNvPr id="4" name="Date Placeholder 3">
+            <a:extLst>
+              <a:ext uri="{FF2B5EF4-FFF2-40B4-BE49-F238E27FC236}">
+                <a16:creationId xmlns:a16="http://schemas.microsoft.com/office/drawing/2014/main" id="{7708DE24-9ADC-4313-8398-FC59206834A0}"/>
+              </a:ext>
+            </a:extLst>
+          </p:cNvPr>
+          <p:cNvSpPr>
+            <a:spLocks noGrp="1"/>
+          </p:cNvSpPr>
+          <p:nvPr>
+            <p:ph type="dt" sz="half" idx="10"/>
+          </p:nvPr>
+        </p:nvSpPr>
+        <p:spPr/>
+        <p:txBody>
+          <a:bodyPr/>
+          <a:lstStyle/>
+          <a:p>
+            <a:fld id="{3CE4A1EF-C8DC-47B8-827C-FF4C88C09EF1}" type="datetimeFigureOut">
+              <a:rPr lang="en-US" smtClean="0"/>
+              <a:t>1/28/2020</a:t>
+            </a:fld>
+            <a:endParaRPr lang="en-US"/>
+          </a:p>
+        </p:txBody>
+      </p:sp>
+      <p:sp>
+        <p:nvSpPr>
+          <p:cNvPr id="5" name="Footer Placeholder 4">
+            <a:extLst>
+              <a:ext uri="{FF2B5EF4-FFF2-40B4-BE49-F238E27FC236}">
+                <a16:creationId xmlns:a16="http://schemas.microsoft.com/office/drawing/2014/main" id="{11D6A82C-16F7-41A0-8F6B-2052B7B791AD}"/>
+              </a:ext>
+            </a:extLst>
+          </p:cNvPr>
+          <p:cNvSpPr>
+            <a:spLocks noGrp="1"/>
+          </p:cNvSpPr>
+          <p:nvPr>
+            <p:ph type="ftr" sz="quarter" idx="11"/>
+          </p:nvPr>
+        </p:nvSpPr>
+        <p:spPr/>
+        <p:txBody>
+          <a:bodyPr/>
+          <a:lstStyle/>
+          <a:p>
+            <a:endParaRPr lang="en-US"/>
+          </a:p>
+        </p:txBody>
+      </p:sp>
+      <p:sp>
+        <p:nvSpPr>
+          <p:cNvPr id="6" name="Slide Number Placeholder 5">
+            <a:extLst>
+              <a:ext uri="{FF2B5EF4-FFF2-40B4-BE49-F238E27FC236}">
+                <a16:creationId xmlns:a16="http://schemas.microsoft.com/office/drawing/2014/main" id="{CD28A1C7-C565-46E1-B8D1-661F477C9944}"/>
+              </a:ext>
+            </a:extLst>
+          </p:cNvPr>
+          <p:cNvSpPr>
+            <a:spLocks noGrp="1"/>
+          </p:cNvSpPr>
+          <p:nvPr>
+            <p:ph type="sldNum" sz="quarter" idx="12"/>
+          </p:nvPr>
+        </p:nvSpPr>
+        <p:spPr/>
+        <p:txBody>
+          <a:bodyPr/>
+          <a:lstStyle/>
+          <a:p>
+            <a:fld id="{8A38E584-0A05-493B-B98F-B465A128BD74}" type="slidenum">
+              <a:rPr lang="en-US" smtClean="0"/>
+              <a:t>‹#›</a:t>
+            </a:fld>
+            <a:endParaRPr lang="en-US"/>
+          </a:p>
+        </p:txBody>
+      </p:sp>
+    </p:spTree>
+    <p:extLst>
+      <p:ext uri="{BB962C8B-B14F-4D97-AF65-F5344CB8AC3E}">
+        <p14:creationId xmlns:p14="http://schemas.microsoft.com/office/powerpoint/2010/main" val="2159001721"/>
+      </p:ext>
+    </p:extLst>
+  </p:cSld>
+  <p:clrMapOvr>
+    <a:masterClrMapping/>
+  </p:clrMapOvr>
+</p:sldLayout>
+</file>
+
+<file path=ppt/slideLayouts/slideLayout27.xml><?xml version="1.0" encoding="utf-8"?>
+<p:sldLayout xmlns:a="http://schemas.openxmlformats.org/drawingml/2006/main" xmlns:r="http://schemas.openxmlformats.org/officeDocument/2006/relationships" xmlns:p="http://schemas.openxmlformats.org/presentationml/2006/main" type="vertTitleAndTx" preserve="1">
+  <p:cSld name="Vertical Title and Text">
+    <p:spTree>
+      <p:nvGrpSpPr>
+        <p:cNvPr id="1" name=""/>
+        <p:cNvGrpSpPr/>
+        <p:nvPr/>
+      </p:nvGrpSpPr>
+      <p:grpSpPr>
+        <a:xfrm>
+          <a:off x="0" y="0"/>
+          <a:ext cx="0" cy="0"/>
+          <a:chOff x="0" y="0"/>
+          <a:chExt cx="0" cy="0"/>
+        </a:xfrm>
+      </p:grpSpPr>
+      <p:sp>
+        <p:nvSpPr>
+          <p:cNvPr id="2" name="Vertical Title 1">
+            <a:extLst>
+              <a:ext uri="{FF2B5EF4-FFF2-40B4-BE49-F238E27FC236}">
+                <a16:creationId xmlns:a16="http://schemas.microsoft.com/office/drawing/2014/main" id="{F783D6EA-7254-4EE8-BB36-9AC60E986986}"/>
+              </a:ext>
+            </a:extLst>
+          </p:cNvPr>
+          <p:cNvSpPr>
+            <a:spLocks noGrp="1"/>
+          </p:cNvSpPr>
+          <p:nvPr>
+            <p:ph type="title" orient="vert"/>
+          </p:nvPr>
+        </p:nvSpPr>
+        <p:spPr>
+          <a:xfrm>
+            <a:off x="6543675" y="365125"/>
+            <a:ext cx="1971675" cy="5811838"/>
+          </a:xfrm>
+        </p:spPr>
+        <p:txBody>
+          <a:bodyPr vert="eaVert"/>
+          <a:lstStyle/>
+          <a:p>
+            <a:r>
+              <a:rPr lang="en-US"/>
+              <a:t>Click to edit Master title style</a:t>
+            </a:r>
+          </a:p>
+        </p:txBody>
+      </p:sp>
+      <p:sp>
+        <p:nvSpPr>
+          <p:cNvPr id="3" name="Vertical Text Placeholder 2">
+            <a:extLst>
+              <a:ext uri="{FF2B5EF4-FFF2-40B4-BE49-F238E27FC236}">
+                <a16:creationId xmlns:a16="http://schemas.microsoft.com/office/drawing/2014/main" id="{513C7D98-E43E-4015-936E-C5DE9BCA1C5A}"/>
+              </a:ext>
+            </a:extLst>
+          </p:cNvPr>
+          <p:cNvSpPr>
+            <a:spLocks noGrp="1"/>
+          </p:cNvSpPr>
+          <p:nvPr>
+            <p:ph type="body" orient="vert" idx="1"/>
+          </p:nvPr>
+        </p:nvSpPr>
+        <p:spPr>
+          <a:xfrm>
+            <a:off x="628650" y="365125"/>
+            <a:ext cx="5800725" cy="5811838"/>
+          </a:xfrm>
+        </p:spPr>
+        <p:txBody>
+          <a:bodyPr vert="eaVert"/>
+          <a:lstStyle/>
+          <a:p>
+            <a:pPr lvl="0"/>
+            <a:r>
+              <a:rPr lang="en-US"/>
+              <a:t>Edit Master text styles</a:t>
+            </a:r>
+          </a:p>
+          <a:p>
+            <a:pPr lvl="1"/>
+            <a:r>
+              <a:rPr lang="en-US"/>
+              <a:t>Second level</a:t>
+            </a:r>
+          </a:p>
+          <a:p>
+            <a:pPr lvl="2"/>
+            <a:r>
+              <a:rPr lang="en-US"/>
+              <a:t>Third level</a:t>
+            </a:r>
+          </a:p>
+          <a:p>
+            <a:pPr lvl="3"/>
+            <a:r>
+              <a:rPr lang="en-US"/>
+              <a:t>Fourth level</a:t>
+            </a:r>
+          </a:p>
+          <a:p>
+            <a:pPr lvl="4"/>
+            <a:r>
+              <a:rPr lang="en-US"/>
+              <a:t>Fifth level</a:t>
+            </a:r>
+          </a:p>
+        </p:txBody>
+      </p:sp>
+      <p:sp>
+        <p:nvSpPr>
+          <p:cNvPr id="4" name="Date Placeholder 3">
+            <a:extLst>
+              <a:ext uri="{FF2B5EF4-FFF2-40B4-BE49-F238E27FC236}">
+                <a16:creationId xmlns:a16="http://schemas.microsoft.com/office/drawing/2014/main" id="{3854183C-A32C-4CEF-9DF0-DB3342E5BDB6}"/>
+              </a:ext>
+            </a:extLst>
+          </p:cNvPr>
+          <p:cNvSpPr>
+            <a:spLocks noGrp="1"/>
+          </p:cNvSpPr>
+          <p:nvPr>
+            <p:ph type="dt" sz="half" idx="10"/>
+          </p:nvPr>
+        </p:nvSpPr>
+        <p:spPr/>
+        <p:txBody>
+          <a:bodyPr/>
+          <a:lstStyle/>
+          <a:p>
+            <a:fld id="{3CE4A1EF-C8DC-47B8-827C-FF4C88C09EF1}" type="datetimeFigureOut">
+              <a:rPr lang="en-US" smtClean="0"/>
+              <a:t>1/28/2020</a:t>
+            </a:fld>
+            <a:endParaRPr lang="en-US"/>
+          </a:p>
+        </p:txBody>
+      </p:sp>
+      <p:sp>
+        <p:nvSpPr>
+          <p:cNvPr id="5" name="Footer Placeholder 4">
+            <a:extLst>
+              <a:ext uri="{FF2B5EF4-FFF2-40B4-BE49-F238E27FC236}">
+                <a16:creationId xmlns:a16="http://schemas.microsoft.com/office/drawing/2014/main" id="{8D04FE83-9DC5-4B96-9452-39708D40D684}"/>
+              </a:ext>
+            </a:extLst>
+          </p:cNvPr>
+          <p:cNvSpPr>
+            <a:spLocks noGrp="1"/>
+          </p:cNvSpPr>
+          <p:nvPr>
+            <p:ph type="ftr" sz="quarter" idx="11"/>
+          </p:nvPr>
+        </p:nvSpPr>
+        <p:spPr/>
+        <p:txBody>
+          <a:bodyPr/>
+          <a:lstStyle/>
+          <a:p>
+            <a:endParaRPr lang="en-US"/>
+          </a:p>
+        </p:txBody>
+      </p:sp>
+      <p:sp>
+        <p:nvSpPr>
+          <p:cNvPr id="6" name="Slide Number Placeholder 5">
+            <a:extLst>
+              <a:ext uri="{FF2B5EF4-FFF2-40B4-BE49-F238E27FC236}">
+                <a16:creationId xmlns:a16="http://schemas.microsoft.com/office/drawing/2014/main" id="{F04EC234-5CD2-44E2-B867-4ECE2AFB3CB8}"/>
+              </a:ext>
+            </a:extLst>
+          </p:cNvPr>
+          <p:cNvSpPr>
+            <a:spLocks noGrp="1"/>
+          </p:cNvSpPr>
+          <p:nvPr>
+            <p:ph type="sldNum" sz="quarter" idx="12"/>
+          </p:nvPr>
+        </p:nvSpPr>
+        <p:spPr/>
+        <p:txBody>
+          <a:bodyPr/>
+          <a:lstStyle/>
+          <a:p>
+            <a:fld id="{8A38E584-0A05-493B-B98F-B465A128BD74}" type="slidenum">
+              <a:rPr lang="en-US" smtClean="0"/>
+              <a:t>‹#›</a:t>
+            </a:fld>
+            <a:endParaRPr lang="en-US"/>
+          </a:p>
+        </p:txBody>
+      </p:sp>
+    </p:spTree>
+    <p:extLst>
+      <p:ext uri="{BB962C8B-B14F-4D97-AF65-F5344CB8AC3E}">
+        <p14:creationId xmlns:p14="http://schemas.microsoft.com/office/powerpoint/2010/main" val="161100069"/>
       </p:ext>
     </p:extLst>
   </p:cSld>
@@ -3825,7 +6455,7 @@
           <a:p>
             <a:fld id="{4EF6B82C-AA39-4AB2-9276-F02DF018A6E9}" type="datetimeFigureOut">
               <a:rPr lang="en-US" smtClean="0"/>
-              <a:t>1/29/2019</a:t>
+              <a:t>1/28/2020</a:t>
             </a:fld>
             <a:endParaRPr lang="en-US"/>
           </a:p>
@@ -4122,7 +6752,7 @@
           <a:p>
             <a:fld id="{4EF6B82C-AA39-4AB2-9276-F02DF018A6E9}" type="datetimeFigureOut">
               <a:rPr lang="en-US" smtClean="0"/>
-              <a:t>1/29/2019</a:t>
+              <a:t>1/28/2020</a:t>
             </a:fld>
             <a:endParaRPr lang="en-US"/>
           </a:p>
@@ -4501,7 +7131,7 @@
           <a:p>
             <a:fld id="{4EF6B82C-AA39-4AB2-9276-F02DF018A6E9}" type="datetimeFigureOut">
               <a:rPr lang="en-US" smtClean="0"/>
-              <a:t>1/29/2019</a:t>
+              <a:t>1/28/2020</a:t>
             </a:fld>
             <a:endParaRPr lang="en-US"/>
           </a:p>
@@ -4624,7 +7254,7 @@
           <a:p>
             <a:fld id="{4EF6B82C-AA39-4AB2-9276-F02DF018A6E9}" type="datetimeFigureOut">
               <a:rPr lang="en-US" smtClean="0"/>
-              <a:t>1/29/2019</a:t>
+              <a:t>1/28/2020</a:t>
             </a:fld>
             <a:endParaRPr lang="en-US"/>
           </a:p>
@@ -4719,7 +7349,7 @@
           <a:p>
             <a:fld id="{4EF6B82C-AA39-4AB2-9276-F02DF018A6E9}" type="datetimeFigureOut">
               <a:rPr lang="en-US" smtClean="0"/>
-              <a:t>1/29/2019</a:t>
+              <a:t>1/28/2020</a:t>
             </a:fld>
             <a:endParaRPr lang="en-US"/>
           </a:p>
@@ -4974,7 +7604,7 @@
           <a:p>
             <a:fld id="{4EF6B82C-AA39-4AB2-9276-F02DF018A6E9}" type="datetimeFigureOut">
               <a:rPr lang="en-US" smtClean="0"/>
-              <a:t>1/29/2019</a:t>
+              <a:t>1/28/2020</a:t>
             </a:fld>
             <a:endParaRPr lang="en-US"/>
           </a:p>
@@ -5237,7 +7867,7 @@
           <a:p>
             <a:fld id="{4EF6B82C-AA39-4AB2-9276-F02DF018A6E9}" type="datetimeFigureOut">
               <a:rPr lang="en-US" smtClean="0"/>
-              <a:t>1/29/2019</a:t>
+              <a:t>1/28/2020</a:t>
             </a:fld>
             <a:endParaRPr lang="en-US"/>
           </a:p>
@@ -6051,7 +8681,7 @@
           <a:p>
             <a:fld id="{4EF6B82C-AA39-4AB2-9276-F02DF018A6E9}" type="datetimeFigureOut">
               <a:rPr lang="en-US" smtClean="0"/>
-              <a:t>1/29/2019</a:t>
+              <a:t>1/28/2020</a:t>
             </a:fld>
             <a:endParaRPr lang="en-US"/>
           </a:p>
@@ -6545,6 +9175,574 @@
       </a:lvl8pPr>
       <a:lvl9pPr marL="3657600" algn="l" defTabSz="457200" rtl="0" eaLnBrk="1" latinLnBrk="0" hangingPunct="1">
         <a:defRPr sz="1800" kern="1200">
+          <a:solidFill>
+            <a:schemeClr val="tx1"/>
+          </a:solidFill>
+          <a:latin typeface="+mn-lt"/>
+          <a:ea typeface="+mn-ea"/>
+          <a:cs typeface="+mn-cs"/>
+        </a:defRPr>
+      </a:lvl9pPr>
+    </p:otherStyle>
+  </p:txStyles>
+</p:sldMaster>
+</file>
+
+<file path=ppt/slideMasters/slideMaster2.xml><?xml version="1.0" encoding="utf-8"?>
+<p:sldMaster xmlns:a="http://schemas.openxmlformats.org/drawingml/2006/main" xmlns:r="http://schemas.openxmlformats.org/officeDocument/2006/relationships" xmlns:p="http://schemas.openxmlformats.org/presentationml/2006/main">
+  <p:cSld>
+    <p:bg>
+      <p:bgRef idx="1001">
+        <a:schemeClr val="bg1"/>
+      </p:bgRef>
+    </p:bg>
+    <p:spTree>
+      <p:nvGrpSpPr>
+        <p:cNvPr id="1" name=""/>
+        <p:cNvGrpSpPr/>
+        <p:nvPr/>
+      </p:nvGrpSpPr>
+      <p:grpSpPr>
+        <a:xfrm>
+          <a:off x="0" y="0"/>
+          <a:ext cx="0" cy="0"/>
+          <a:chOff x="0" y="0"/>
+          <a:chExt cx="0" cy="0"/>
+        </a:xfrm>
+      </p:grpSpPr>
+      <p:sp>
+        <p:nvSpPr>
+          <p:cNvPr id="2" name="Title Placeholder 1">
+            <a:extLst>
+              <a:ext uri="{FF2B5EF4-FFF2-40B4-BE49-F238E27FC236}">
+                <a16:creationId xmlns:a16="http://schemas.microsoft.com/office/drawing/2014/main" id="{356B9DA9-3239-47C1-A546-483F573C1455}"/>
+              </a:ext>
+            </a:extLst>
+          </p:cNvPr>
+          <p:cNvSpPr>
+            <a:spLocks noGrp="1"/>
+          </p:cNvSpPr>
+          <p:nvPr>
+            <p:ph type="title"/>
+          </p:nvPr>
+        </p:nvSpPr>
+        <p:spPr>
+          <a:xfrm>
+            <a:off x="628650" y="365126"/>
+            <a:ext cx="7886700" cy="1325563"/>
+          </a:xfrm>
+          <a:prstGeom prst="rect">
+            <a:avLst/>
+          </a:prstGeom>
+        </p:spPr>
+        <p:txBody>
+          <a:bodyPr vert="horz" lIns="91440" tIns="45720" rIns="91440" bIns="45720" rtlCol="0" anchor="ctr">
+            <a:normAutofit/>
+          </a:bodyPr>
+          <a:lstStyle/>
+          <a:p>
+            <a:r>
+              <a:rPr lang="en-US"/>
+              <a:t>Click to edit Master title style</a:t>
+            </a:r>
+          </a:p>
+        </p:txBody>
+      </p:sp>
+      <p:sp>
+        <p:nvSpPr>
+          <p:cNvPr id="3" name="Text Placeholder 2">
+            <a:extLst>
+              <a:ext uri="{FF2B5EF4-FFF2-40B4-BE49-F238E27FC236}">
+                <a16:creationId xmlns:a16="http://schemas.microsoft.com/office/drawing/2014/main" id="{CD68EB38-84B5-4417-93E6-35381A673E72}"/>
+              </a:ext>
+            </a:extLst>
+          </p:cNvPr>
+          <p:cNvSpPr>
+            <a:spLocks noGrp="1"/>
+          </p:cNvSpPr>
+          <p:nvPr>
+            <p:ph type="body" idx="1"/>
+          </p:nvPr>
+        </p:nvSpPr>
+        <p:spPr>
+          <a:xfrm>
+            <a:off x="628650" y="1825625"/>
+            <a:ext cx="7886700" cy="4351338"/>
+          </a:xfrm>
+          <a:prstGeom prst="rect">
+            <a:avLst/>
+          </a:prstGeom>
+        </p:spPr>
+        <p:txBody>
+          <a:bodyPr vert="horz" lIns="91440" tIns="45720" rIns="91440" bIns="45720" rtlCol="0">
+            <a:normAutofit/>
+          </a:bodyPr>
+          <a:lstStyle/>
+          <a:p>
+            <a:pPr lvl="0"/>
+            <a:r>
+              <a:rPr lang="en-US"/>
+              <a:t>Edit Master text styles</a:t>
+            </a:r>
+          </a:p>
+          <a:p>
+            <a:pPr lvl="1"/>
+            <a:r>
+              <a:rPr lang="en-US"/>
+              <a:t>Second level</a:t>
+            </a:r>
+          </a:p>
+          <a:p>
+            <a:pPr lvl="2"/>
+            <a:r>
+              <a:rPr lang="en-US"/>
+              <a:t>Third level</a:t>
+            </a:r>
+          </a:p>
+          <a:p>
+            <a:pPr lvl="3"/>
+            <a:r>
+              <a:rPr lang="en-US"/>
+              <a:t>Fourth level</a:t>
+            </a:r>
+          </a:p>
+          <a:p>
+            <a:pPr lvl="4"/>
+            <a:r>
+              <a:rPr lang="en-US"/>
+              <a:t>Fifth level</a:t>
+            </a:r>
+          </a:p>
+        </p:txBody>
+      </p:sp>
+      <p:sp>
+        <p:nvSpPr>
+          <p:cNvPr id="4" name="Date Placeholder 3">
+            <a:extLst>
+              <a:ext uri="{FF2B5EF4-FFF2-40B4-BE49-F238E27FC236}">
+                <a16:creationId xmlns:a16="http://schemas.microsoft.com/office/drawing/2014/main" id="{CE6ED1D7-A264-4CAF-B95B-1BAA943D0E39}"/>
+              </a:ext>
+            </a:extLst>
+          </p:cNvPr>
+          <p:cNvSpPr>
+            <a:spLocks noGrp="1"/>
+          </p:cNvSpPr>
+          <p:nvPr>
+            <p:ph type="dt" sz="half" idx="2"/>
+          </p:nvPr>
+        </p:nvSpPr>
+        <p:spPr>
+          <a:xfrm>
+            <a:off x="628650" y="6356351"/>
+            <a:ext cx="2057400" cy="365125"/>
+          </a:xfrm>
+          <a:prstGeom prst="rect">
+            <a:avLst/>
+          </a:prstGeom>
+        </p:spPr>
+        <p:txBody>
+          <a:bodyPr vert="horz" lIns="91440" tIns="45720" rIns="91440" bIns="45720" rtlCol="0" anchor="ctr"/>
+          <a:lstStyle>
+            <a:lvl1pPr algn="l">
+              <a:defRPr sz="900">
+                <a:solidFill>
+                  <a:schemeClr val="tx1">
+                    <a:tint val="75000"/>
+                  </a:schemeClr>
+                </a:solidFill>
+              </a:defRPr>
+            </a:lvl1pPr>
+          </a:lstStyle>
+          <a:p>
+            <a:fld id="{3CE4A1EF-C8DC-47B8-827C-FF4C88C09EF1}" type="datetimeFigureOut">
+              <a:rPr lang="en-US" smtClean="0"/>
+              <a:t>1/28/2020</a:t>
+            </a:fld>
+            <a:endParaRPr lang="en-US"/>
+          </a:p>
+        </p:txBody>
+      </p:sp>
+      <p:sp>
+        <p:nvSpPr>
+          <p:cNvPr id="5" name="Footer Placeholder 4">
+            <a:extLst>
+              <a:ext uri="{FF2B5EF4-FFF2-40B4-BE49-F238E27FC236}">
+                <a16:creationId xmlns:a16="http://schemas.microsoft.com/office/drawing/2014/main" id="{1A49AD8A-099A-47AD-A110-1CF300AA8C6C}"/>
+              </a:ext>
+            </a:extLst>
+          </p:cNvPr>
+          <p:cNvSpPr>
+            <a:spLocks noGrp="1"/>
+          </p:cNvSpPr>
+          <p:nvPr>
+            <p:ph type="ftr" sz="quarter" idx="3"/>
+          </p:nvPr>
+        </p:nvSpPr>
+        <p:spPr>
+          <a:xfrm>
+            <a:off x="3028950" y="6356351"/>
+            <a:ext cx="3086100" cy="365125"/>
+          </a:xfrm>
+          <a:prstGeom prst="rect">
+            <a:avLst/>
+          </a:prstGeom>
+        </p:spPr>
+        <p:txBody>
+          <a:bodyPr vert="horz" lIns="91440" tIns="45720" rIns="91440" bIns="45720" rtlCol="0" anchor="ctr"/>
+          <a:lstStyle>
+            <a:lvl1pPr algn="ctr">
+              <a:defRPr sz="900">
+                <a:solidFill>
+                  <a:schemeClr val="tx1">
+                    <a:tint val="75000"/>
+                  </a:schemeClr>
+                </a:solidFill>
+              </a:defRPr>
+            </a:lvl1pPr>
+          </a:lstStyle>
+          <a:p>
+            <a:endParaRPr lang="en-US"/>
+          </a:p>
+        </p:txBody>
+      </p:sp>
+      <p:sp>
+        <p:nvSpPr>
+          <p:cNvPr id="6" name="Slide Number Placeholder 5">
+            <a:extLst>
+              <a:ext uri="{FF2B5EF4-FFF2-40B4-BE49-F238E27FC236}">
+                <a16:creationId xmlns:a16="http://schemas.microsoft.com/office/drawing/2014/main" id="{92AF2677-CC51-4FF1-8935-39CE741412DA}"/>
+              </a:ext>
+            </a:extLst>
+          </p:cNvPr>
+          <p:cNvSpPr>
+            <a:spLocks noGrp="1"/>
+          </p:cNvSpPr>
+          <p:nvPr>
+            <p:ph type="sldNum" sz="quarter" idx="4"/>
+          </p:nvPr>
+        </p:nvSpPr>
+        <p:spPr>
+          <a:xfrm>
+            <a:off x="6457950" y="6356351"/>
+            <a:ext cx="2057400" cy="365125"/>
+          </a:xfrm>
+          <a:prstGeom prst="rect">
+            <a:avLst/>
+          </a:prstGeom>
+        </p:spPr>
+        <p:txBody>
+          <a:bodyPr vert="horz" lIns="91440" tIns="45720" rIns="91440" bIns="45720" rtlCol="0" anchor="ctr"/>
+          <a:lstStyle>
+            <a:lvl1pPr algn="r">
+              <a:defRPr sz="900">
+                <a:solidFill>
+                  <a:schemeClr val="tx1">
+                    <a:tint val="75000"/>
+                  </a:schemeClr>
+                </a:solidFill>
+              </a:defRPr>
+            </a:lvl1pPr>
+          </a:lstStyle>
+          <a:p>
+            <a:fld id="{8A38E584-0A05-493B-B98F-B465A128BD74}" type="slidenum">
+              <a:rPr lang="en-US" smtClean="0"/>
+              <a:t>‹#›</a:t>
+            </a:fld>
+            <a:endParaRPr lang="en-US"/>
+          </a:p>
+        </p:txBody>
+      </p:sp>
+    </p:spTree>
+    <p:extLst>
+      <p:ext uri="{BB962C8B-B14F-4D97-AF65-F5344CB8AC3E}">
+        <p14:creationId xmlns:p14="http://schemas.microsoft.com/office/powerpoint/2010/main" val="2458161173"/>
+      </p:ext>
+    </p:extLst>
+  </p:cSld>
+  <p:clrMap bg1="lt1" tx1="dk1" bg2="lt2" tx2="dk2" accent1="accent1" accent2="accent2" accent3="accent3" accent4="accent4" accent5="accent5" accent6="accent6" hlink="hlink" folHlink="folHlink"/>
+  <p:sldLayoutIdLst>
+    <p:sldLayoutId id="2147483690" r:id="rId1"/>
+    <p:sldLayoutId id="2147483691" r:id="rId2"/>
+    <p:sldLayoutId id="2147483692" r:id="rId3"/>
+    <p:sldLayoutId id="2147483693" r:id="rId4"/>
+    <p:sldLayoutId id="2147483694" r:id="rId5"/>
+    <p:sldLayoutId id="2147483695" r:id="rId6"/>
+    <p:sldLayoutId id="2147483696" r:id="rId7"/>
+    <p:sldLayoutId id="2147483697" r:id="rId8"/>
+    <p:sldLayoutId id="2147483698" r:id="rId9"/>
+    <p:sldLayoutId id="2147483699" r:id="rId10"/>
+    <p:sldLayoutId id="2147483700" r:id="rId11"/>
+  </p:sldLayoutIdLst>
+  <p:txStyles>
+    <p:titleStyle>
+      <a:lvl1pPr algn="l" defTabSz="685800" rtl="0" eaLnBrk="1" latinLnBrk="0" hangingPunct="1">
+        <a:lnSpc>
+          <a:spcPct val="90000"/>
+        </a:lnSpc>
+        <a:spcBef>
+          <a:spcPct val="0"/>
+        </a:spcBef>
+        <a:buNone/>
+        <a:defRPr sz="3300" kern="1200">
+          <a:solidFill>
+            <a:schemeClr val="tx1"/>
+          </a:solidFill>
+          <a:latin typeface="+mj-lt"/>
+          <a:ea typeface="+mj-ea"/>
+          <a:cs typeface="+mj-cs"/>
+        </a:defRPr>
+      </a:lvl1pPr>
+    </p:titleStyle>
+    <p:bodyStyle>
+      <a:lvl1pPr marL="171450" indent="-171450" algn="l" defTabSz="685800" rtl="0" eaLnBrk="1" latinLnBrk="0" hangingPunct="1">
+        <a:lnSpc>
+          <a:spcPct val="90000"/>
+        </a:lnSpc>
+        <a:spcBef>
+          <a:spcPts val="750"/>
+        </a:spcBef>
+        <a:buFont typeface="Arial" panose="020B0604020202020204" pitchFamily="34" charset="0"/>
+        <a:buChar char="•"/>
+        <a:defRPr sz="2100" kern="1200">
+          <a:solidFill>
+            <a:schemeClr val="tx1"/>
+          </a:solidFill>
+          <a:latin typeface="+mn-lt"/>
+          <a:ea typeface="+mn-ea"/>
+          <a:cs typeface="+mn-cs"/>
+        </a:defRPr>
+      </a:lvl1pPr>
+      <a:lvl2pPr marL="514350" indent="-171450" algn="l" defTabSz="685800" rtl="0" eaLnBrk="1" latinLnBrk="0" hangingPunct="1">
+        <a:lnSpc>
+          <a:spcPct val="90000"/>
+        </a:lnSpc>
+        <a:spcBef>
+          <a:spcPts val="375"/>
+        </a:spcBef>
+        <a:buFont typeface="Arial" panose="020B0604020202020204" pitchFamily="34" charset="0"/>
+        <a:buChar char="•"/>
+        <a:defRPr sz="1800" kern="1200">
+          <a:solidFill>
+            <a:schemeClr val="tx1"/>
+          </a:solidFill>
+          <a:latin typeface="+mn-lt"/>
+          <a:ea typeface="+mn-ea"/>
+          <a:cs typeface="+mn-cs"/>
+        </a:defRPr>
+      </a:lvl2pPr>
+      <a:lvl3pPr marL="857250" indent="-171450" algn="l" defTabSz="685800" rtl="0" eaLnBrk="1" latinLnBrk="0" hangingPunct="1">
+        <a:lnSpc>
+          <a:spcPct val="90000"/>
+        </a:lnSpc>
+        <a:spcBef>
+          <a:spcPts val="375"/>
+        </a:spcBef>
+        <a:buFont typeface="Arial" panose="020B0604020202020204" pitchFamily="34" charset="0"/>
+        <a:buChar char="•"/>
+        <a:defRPr sz="1500" kern="1200">
+          <a:solidFill>
+            <a:schemeClr val="tx1"/>
+          </a:solidFill>
+          <a:latin typeface="+mn-lt"/>
+          <a:ea typeface="+mn-ea"/>
+          <a:cs typeface="+mn-cs"/>
+        </a:defRPr>
+      </a:lvl3pPr>
+      <a:lvl4pPr marL="1200150" indent="-171450" algn="l" defTabSz="685800" rtl="0" eaLnBrk="1" latinLnBrk="0" hangingPunct="1">
+        <a:lnSpc>
+          <a:spcPct val="90000"/>
+        </a:lnSpc>
+        <a:spcBef>
+          <a:spcPts val="375"/>
+        </a:spcBef>
+        <a:buFont typeface="Arial" panose="020B0604020202020204" pitchFamily="34" charset="0"/>
+        <a:buChar char="•"/>
+        <a:defRPr sz="1350" kern="1200">
+          <a:solidFill>
+            <a:schemeClr val="tx1"/>
+          </a:solidFill>
+          <a:latin typeface="+mn-lt"/>
+          <a:ea typeface="+mn-ea"/>
+          <a:cs typeface="+mn-cs"/>
+        </a:defRPr>
+      </a:lvl4pPr>
+      <a:lvl5pPr marL="1543050" indent="-171450" algn="l" defTabSz="685800" rtl="0" eaLnBrk="1" latinLnBrk="0" hangingPunct="1">
+        <a:lnSpc>
+          <a:spcPct val="90000"/>
+        </a:lnSpc>
+        <a:spcBef>
+          <a:spcPts val="375"/>
+        </a:spcBef>
+        <a:buFont typeface="Arial" panose="020B0604020202020204" pitchFamily="34" charset="0"/>
+        <a:buChar char="•"/>
+        <a:defRPr sz="1350" kern="1200">
+          <a:solidFill>
+            <a:schemeClr val="tx1"/>
+          </a:solidFill>
+          <a:latin typeface="+mn-lt"/>
+          <a:ea typeface="+mn-ea"/>
+          <a:cs typeface="+mn-cs"/>
+        </a:defRPr>
+      </a:lvl5pPr>
+      <a:lvl6pPr marL="1885950" indent="-171450" algn="l" defTabSz="685800" rtl="0" eaLnBrk="1" latinLnBrk="0" hangingPunct="1">
+        <a:lnSpc>
+          <a:spcPct val="90000"/>
+        </a:lnSpc>
+        <a:spcBef>
+          <a:spcPts val="375"/>
+        </a:spcBef>
+        <a:buFont typeface="Arial" panose="020B0604020202020204" pitchFamily="34" charset="0"/>
+        <a:buChar char="•"/>
+        <a:defRPr sz="1350" kern="1200">
+          <a:solidFill>
+            <a:schemeClr val="tx1"/>
+          </a:solidFill>
+          <a:latin typeface="+mn-lt"/>
+          <a:ea typeface="+mn-ea"/>
+          <a:cs typeface="+mn-cs"/>
+        </a:defRPr>
+      </a:lvl6pPr>
+      <a:lvl7pPr marL="2228850" indent="-171450" algn="l" defTabSz="685800" rtl="0" eaLnBrk="1" latinLnBrk="0" hangingPunct="1">
+        <a:lnSpc>
+          <a:spcPct val="90000"/>
+        </a:lnSpc>
+        <a:spcBef>
+          <a:spcPts val="375"/>
+        </a:spcBef>
+        <a:buFont typeface="Arial" panose="020B0604020202020204" pitchFamily="34" charset="0"/>
+        <a:buChar char="•"/>
+        <a:defRPr sz="1350" kern="1200">
+          <a:solidFill>
+            <a:schemeClr val="tx1"/>
+          </a:solidFill>
+          <a:latin typeface="+mn-lt"/>
+          <a:ea typeface="+mn-ea"/>
+          <a:cs typeface="+mn-cs"/>
+        </a:defRPr>
+      </a:lvl7pPr>
+      <a:lvl8pPr marL="2571750" indent="-171450" algn="l" defTabSz="685800" rtl="0" eaLnBrk="1" latinLnBrk="0" hangingPunct="1">
+        <a:lnSpc>
+          <a:spcPct val="90000"/>
+        </a:lnSpc>
+        <a:spcBef>
+          <a:spcPts val="375"/>
+        </a:spcBef>
+        <a:buFont typeface="Arial" panose="020B0604020202020204" pitchFamily="34" charset="0"/>
+        <a:buChar char="•"/>
+        <a:defRPr sz="1350" kern="1200">
+          <a:solidFill>
+            <a:schemeClr val="tx1"/>
+          </a:solidFill>
+          <a:latin typeface="+mn-lt"/>
+          <a:ea typeface="+mn-ea"/>
+          <a:cs typeface="+mn-cs"/>
+        </a:defRPr>
+      </a:lvl8pPr>
+      <a:lvl9pPr marL="2914650" indent="-171450" algn="l" defTabSz="685800" rtl="0" eaLnBrk="1" latinLnBrk="0" hangingPunct="1">
+        <a:lnSpc>
+          <a:spcPct val="90000"/>
+        </a:lnSpc>
+        <a:spcBef>
+          <a:spcPts val="375"/>
+        </a:spcBef>
+        <a:buFont typeface="Arial" panose="020B0604020202020204" pitchFamily="34" charset="0"/>
+        <a:buChar char="•"/>
+        <a:defRPr sz="1350" kern="1200">
+          <a:solidFill>
+            <a:schemeClr val="tx1"/>
+          </a:solidFill>
+          <a:latin typeface="+mn-lt"/>
+          <a:ea typeface="+mn-ea"/>
+          <a:cs typeface="+mn-cs"/>
+        </a:defRPr>
+      </a:lvl9pPr>
+    </p:bodyStyle>
+    <p:otherStyle>
+      <a:defPPr>
+        <a:defRPr lang="en-US"/>
+      </a:defPPr>
+      <a:lvl1pPr marL="0" algn="l" defTabSz="685800" rtl="0" eaLnBrk="1" latinLnBrk="0" hangingPunct="1">
+        <a:defRPr sz="1350" kern="1200">
+          <a:solidFill>
+            <a:schemeClr val="tx1"/>
+          </a:solidFill>
+          <a:latin typeface="+mn-lt"/>
+          <a:ea typeface="+mn-ea"/>
+          <a:cs typeface="+mn-cs"/>
+        </a:defRPr>
+      </a:lvl1pPr>
+      <a:lvl2pPr marL="342900" algn="l" defTabSz="685800" rtl="0" eaLnBrk="1" latinLnBrk="0" hangingPunct="1">
+        <a:defRPr sz="1350" kern="1200">
+          <a:solidFill>
+            <a:schemeClr val="tx1"/>
+          </a:solidFill>
+          <a:latin typeface="+mn-lt"/>
+          <a:ea typeface="+mn-ea"/>
+          <a:cs typeface="+mn-cs"/>
+        </a:defRPr>
+      </a:lvl2pPr>
+      <a:lvl3pPr marL="685800" algn="l" defTabSz="685800" rtl="0" eaLnBrk="1" latinLnBrk="0" hangingPunct="1">
+        <a:defRPr sz="1350" kern="1200">
+          <a:solidFill>
+            <a:schemeClr val="tx1"/>
+          </a:solidFill>
+          <a:latin typeface="+mn-lt"/>
+          <a:ea typeface="+mn-ea"/>
+          <a:cs typeface="+mn-cs"/>
+        </a:defRPr>
+      </a:lvl3pPr>
+      <a:lvl4pPr marL="1028700" algn="l" defTabSz="685800" rtl="0" eaLnBrk="1" latinLnBrk="0" hangingPunct="1">
+        <a:defRPr sz="1350" kern="1200">
+          <a:solidFill>
+            <a:schemeClr val="tx1"/>
+          </a:solidFill>
+          <a:latin typeface="+mn-lt"/>
+          <a:ea typeface="+mn-ea"/>
+          <a:cs typeface="+mn-cs"/>
+        </a:defRPr>
+      </a:lvl4pPr>
+      <a:lvl5pPr marL="1371600" algn="l" defTabSz="685800" rtl="0" eaLnBrk="1" latinLnBrk="0" hangingPunct="1">
+        <a:defRPr sz="1350" kern="1200">
+          <a:solidFill>
+            <a:schemeClr val="tx1"/>
+          </a:solidFill>
+          <a:latin typeface="+mn-lt"/>
+          <a:ea typeface="+mn-ea"/>
+          <a:cs typeface="+mn-cs"/>
+        </a:defRPr>
+      </a:lvl5pPr>
+      <a:lvl6pPr marL="1714500" algn="l" defTabSz="685800" rtl="0" eaLnBrk="1" latinLnBrk="0" hangingPunct="1">
+        <a:defRPr sz="1350" kern="1200">
+          <a:solidFill>
+            <a:schemeClr val="tx1"/>
+          </a:solidFill>
+          <a:latin typeface="+mn-lt"/>
+          <a:ea typeface="+mn-ea"/>
+          <a:cs typeface="+mn-cs"/>
+        </a:defRPr>
+      </a:lvl6pPr>
+      <a:lvl7pPr marL="2057400" algn="l" defTabSz="685800" rtl="0" eaLnBrk="1" latinLnBrk="0" hangingPunct="1">
+        <a:defRPr sz="1350" kern="1200">
+          <a:solidFill>
+            <a:schemeClr val="tx1"/>
+          </a:solidFill>
+          <a:latin typeface="+mn-lt"/>
+          <a:ea typeface="+mn-ea"/>
+          <a:cs typeface="+mn-cs"/>
+        </a:defRPr>
+      </a:lvl7pPr>
+      <a:lvl8pPr marL="2400300" algn="l" defTabSz="685800" rtl="0" eaLnBrk="1" latinLnBrk="0" hangingPunct="1">
+        <a:defRPr sz="1350" kern="1200">
+          <a:solidFill>
+            <a:schemeClr val="tx1"/>
+          </a:solidFill>
+          <a:latin typeface="+mn-lt"/>
+          <a:ea typeface="+mn-ea"/>
+          <a:cs typeface="+mn-cs"/>
+        </a:defRPr>
+      </a:lvl8pPr>
+      <a:lvl9pPr marL="2743200" algn="l" defTabSz="685800" rtl="0" eaLnBrk="1" latinLnBrk="0" hangingPunct="1">
+        <a:defRPr sz="1350" kern="1200">
           <a:solidFill>
             <a:schemeClr val="tx1"/>
           </a:solidFill>
@@ -7434,148 +10632,9 @@
         </p:nvSpPr>
         <p:spPr/>
         <p:txBody>
-          <a:bodyPr/>
-          <a:lstStyle/>
-          <a:p>
-            <a:r>
-              <a:rPr lang="en-US" dirty="0"/>
-              <a:t>Will this affect my grade?</a:t>
-            </a:r>
-          </a:p>
-        </p:txBody>
-      </p:sp>
-      <p:sp>
-        <p:nvSpPr>
-          <p:cNvPr id="2" name="Content Placeholder 1"/>
-          <p:cNvSpPr>
-            <a:spLocks noGrp="1"/>
-          </p:cNvSpPr>
-          <p:nvPr>
-            <p:ph idx="1"/>
-          </p:nvPr>
-        </p:nvSpPr>
-        <p:spPr/>
-        <p:txBody>
           <a:bodyPr>
-            <a:normAutofit fontScale="92500" lnSpcReduction="20000"/>
+            <a:normAutofit fontScale="90000"/>
           </a:bodyPr>
-          <a:lstStyle/>
-          <a:p>
-            <a:r>
-              <a:rPr lang="en-US" dirty="0"/>
-              <a:t>NO!</a:t>
-            </a:r>
-          </a:p>
-          <a:p>
-            <a:r>
-              <a:rPr lang="en-US" dirty="0"/>
-              <a:t>You are</a:t>
-            </a:r>
-            <a:r>
-              <a:rPr lang="en-US" i="1" dirty="0"/>
-              <a:t> not </a:t>
-            </a:r>
-            <a:r>
-              <a:rPr lang="en-US" dirty="0"/>
-              <a:t>required to partake in research and may drop out from research at any time.</a:t>
-            </a:r>
-          </a:p>
-          <a:p>
-            <a:pPr lvl="1"/>
-            <a:r>
-              <a:rPr lang="en-US" dirty="0"/>
-              <a:t>Choosing not to partake in research will not affect your grade or role at Campus Connections.</a:t>
-            </a:r>
-          </a:p>
-          <a:p>
-            <a:pPr lvl="1"/>
-            <a:r>
-              <a:rPr lang="en-US" dirty="0"/>
-              <a:t>If you choose to participate, you will be asked to sign a consent form.</a:t>
-            </a:r>
-          </a:p>
-          <a:p>
-            <a:r>
-              <a:rPr lang="en-US" dirty="0"/>
-              <a:t>Surveys used by research people and for research people ONLY</a:t>
-            </a:r>
-          </a:p>
-          <a:p>
-            <a:pPr lvl="1"/>
-            <a:r>
-              <a:rPr lang="en-US" dirty="0"/>
-              <a:t>Name will not be attached to these</a:t>
-            </a:r>
-          </a:p>
-          <a:p>
-            <a:r>
-              <a:rPr lang="en-US" dirty="0"/>
-              <a:t>Instructors, program manager, mentor coaches will not have access to research information</a:t>
-            </a:r>
-          </a:p>
-          <a:p>
-            <a:r>
-              <a:rPr lang="en-US" dirty="0"/>
-              <a:t>Not evaluating you </a:t>
-            </a:r>
-            <a:r>
-              <a:rPr lang="en-US" i="1" dirty="0"/>
-              <a:t>individually</a:t>
-            </a:r>
-            <a:r>
-              <a:rPr lang="en-US" dirty="0"/>
-              <a:t>, but rather the program as a </a:t>
-            </a:r>
-            <a:r>
-              <a:rPr lang="en-US" i="1" dirty="0"/>
-              <a:t>whole</a:t>
-            </a:r>
-          </a:p>
-        </p:txBody>
-      </p:sp>
-    </p:spTree>
-    <p:extLst>
-      <p:ext uri="{BB962C8B-B14F-4D97-AF65-F5344CB8AC3E}">
-        <p14:creationId xmlns:p14="http://schemas.microsoft.com/office/powerpoint/2010/main" val="4293974355"/>
-      </p:ext>
-    </p:extLst>
-  </p:cSld>
-  <p:clrMapOvr>
-    <a:masterClrMapping/>
-  </p:clrMapOvr>
-</p:sld>
-</file>
-
-<file path=ppt/slides/slide4.xml><?xml version="1.0" encoding="utf-8"?>
-<p:sld xmlns:a="http://schemas.openxmlformats.org/drawingml/2006/main" xmlns:r="http://schemas.openxmlformats.org/officeDocument/2006/relationships" xmlns:p="http://schemas.openxmlformats.org/presentationml/2006/main">
-  <p:cSld>
-    <p:spTree>
-      <p:nvGrpSpPr>
-        <p:cNvPr id="1" name=""/>
-        <p:cNvGrpSpPr/>
-        <p:nvPr/>
-      </p:nvGrpSpPr>
-      <p:grpSpPr>
-        <a:xfrm>
-          <a:off x="0" y="0"/>
-          <a:ext cx="0" cy="0"/>
-          <a:chOff x="0" y="0"/>
-          <a:chExt cx="0" cy="0"/>
-        </a:xfrm>
-      </p:grpSpPr>
-      <p:sp>
-        <p:nvSpPr>
-          <p:cNvPr id="3" name="Title 2"/>
-          <p:cNvSpPr>
-            <a:spLocks noGrp="1"/>
-          </p:cNvSpPr>
-          <p:nvPr>
-            <p:ph type="title"/>
-          </p:nvPr>
-        </p:nvSpPr>
-        <p:spPr/>
-        <p:txBody>
-          <a:bodyPr/>
           <a:lstStyle/>
           <a:p>
             <a:br>
@@ -7583,7 +10642,7 @@
             </a:br>
             <a:r>
               <a:rPr lang="en-US" dirty="0"/>
-              <a:t>Small Tasks, Big Impact </a:t>
+              <a:t>Impact/How will you be benefitted? </a:t>
             </a:r>
           </a:p>
         </p:txBody>
@@ -7598,10 +10657,15 @@
             <p:ph idx="1"/>
           </p:nvPr>
         </p:nvSpPr>
-        <p:spPr/>
+        <p:spPr>
+          <a:xfrm>
+            <a:off x="304800" y="2160590"/>
+            <a:ext cx="7010401" cy="4468810"/>
+          </a:xfrm>
+        </p:spPr>
         <p:txBody>
           <a:bodyPr>
-            <a:normAutofit/>
+            <a:normAutofit fontScale="92500" lnSpcReduction="10000"/>
           </a:bodyPr>
           <a:lstStyle/>
           <a:p>
@@ -7657,7 +10721,18 @@
             </a:r>
           </a:p>
           <a:p>
+            <a:pPr lvl="1"/>
             <a:endParaRPr lang="en-US" dirty="0"/>
+          </a:p>
+          <a:p>
+            <a:r>
+              <a:rPr lang="en-US" sz="2700" b="1" dirty="0">
+                <a:solidFill>
+                  <a:srgbClr val="FF0000"/>
+                </a:solidFill>
+              </a:rPr>
+              <a:t>Plus you’ll be entered for a drawing to win a $250 Visa gift card!</a:t>
+            </a:r>
           </a:p>
         </p:txBody>
       </p:sp>
@@ -8406,6 +11481,103 @@
                                   </p:childTnLst>
                                 </p:cTn>
                               </p:par>
+                              <p:par>
+                                <p:cTn id="44" presetID="42" presetClass="entr" presetSubtype="0" fill="hold" nodeType="withEffect">
+                                  <p:stCondLst>
+                                    <p:cond delay="0"/>
+                                  </p:stCondLst>
+                                  <p:childTnLst>
+                                    <p:set>
+                                      <p:cBhvr>
+                                        <p:cTn id="45" dur="1" fill="hold">
+                                          <p:stCondLst>
+                                            <p:cond delay="0"/>
+                                          </p:stCondLst>
+                                        </p:cTn>
+                                        <p:tgtEl>
+                                          <p:spTgt spid="2">
+                                            <p:txEl>
+                                              <p:pRg st="9" end="9"/>
+                                            </p:txEl>
+                                          </p:spTgt>
+                                        </p:tgtEl>
+                                        <p:attrNameLst>
+                                          <p:attrName>style.visibility</p:attrName>
+                                        </p:attrNameLst>
+                                      </p:cBhvr>
+                                      <p:to>
+                                        <p:strVal val="visible"/>
+                                      </p:to>
+                                    </p:set>
+                                    <p:animEffect transition="in" filter="fade">
+                                      <p:cBhvr>
+                                        <p:cTn id="46" dur="1000"/>
+                                        <p:tgtEl>
+                                          <p:spTgt spid="2">
+                                            <p:txEl>
+                                              <p:pRg st="9" end="9"/>
+                                            </p:txEl>
+                                          </p:spTgt>
+                                        </p:tgtEl>
+                                      </p:cBhvr>
+                                    </p:animEffect>
+                                    <p:anim calcmode="lin" valueType="num">
+                                      <p:cBhvr>
+                                        <p:cTn id="47" dur="1000" fill="hold"/>
+                                        <p:tgtEl>
+                                          <p:spTgt spid="2">
+                                            <p:txEl>
+                                              <p:pRg st="9" end="9"/>
+                                            </p:txEl>
+                                          </p:spTgt>
+                                        </p:tgtEl>
+                                        <p:attrNameLst>
+                                          <p:attrName>ppt_x</p:attrName>
+                                        </p:attrNameLst>
+                                      </p:cBhvr>
+                                      <p:tavLst>
+                                        <p:tav tm="0">
+                                          <p:val>
+                                            <p:strVal val="#ppt_x"/>
+                                          </p:val>
+                                        </p:tav>
+                                        <p:tav tm="100000">
+                                          <p:val>
+                                            <p:strVal val="#ppt_x"/>
+                                          </p:val>
+                                        </p:tav>
+                                      </p:tavLst>
+                                    </p:anim>
+                                    <p:anim calcmode="lin" valueType="num">
+                                      <p:cBhvr>
+                                        <p:cTn id="48" dur="1000" fill="hold"/>
+                                        <p:tgtEl>
+                                          <p:spTgt spid="2">
+                                            <p:txEl>
+                                              <p:pRg st="9" end="9"/>
+                                            </p:txEl>
+                                          </p:spTgt>
+                                        </p:tgtEl>
+                                        <p:attrNameLst>
+                                          <p:attrName>ppt_y</p:attrName>
+                                        </p:attrNameLst>
+                                      </p:cBhvr>
+                                      <p:tavLst>
+                                        <p:tav tm="0">
+                                          <p:val>
+                                            <p:strVal val="#ppt_y+.1"/>
+                                          </p:val>
+                                        </p:tav>
+                                        <p:tav tm="100000">
+                                          <p:val>
+                                            <p:strVal val="#ppt_y"/>
+                                          </p:val>
+                                        </p:tav>
+                                      </p:tavLst>
+                                    </p:anim>
+                                  </p:childTnLst>
+                                </p:cTn>
+                              </p:par>
                             </p:childTnLst>
                           </p:cTn>
                         </p:par>
@@ -8437,7 +11609,781 @@
 </p:sld>
 </file>
 
+<file path=ppt/slides/slide4.xml><?xml version="1.0" encoding="utf-8"?>
+<p:sld xmlns:a="http://schemas.openxmlformats.org/drawingml/2006/main" xmlns:r="http://schemas.openxmlformats.org/officeDocument/2006/relationships" xmlns:p="http://schemas.openxmlformats.org/presentationml/2006/main">
+  <p:cSld>
+    <p:spTree>
+      <p:nvGrpSpPr>
+        <p:cNvPr id="1" name=""/>
+        <p:cNvGrpSpPr/>
+        <p:nvPr/>
+      </p:nvGrpSpPr>
+      <p:grpSpPr>
+        <a:xfrm>
+          <a:off x="0" y="0"/>
+          <a:ext cx="0" cy="0"/>
+          <a:chOff x="0" y="0"/>
+          <a:chExt cx="0" cy="0"/>
+        </a:xfrm>
+      </p:grpSpPr>
+      <p:sp>
+        <p:nvSpPr>
+          <p:cNvPr id="2" name="Title 1"/>
+          <p:cNvSpPr>
+            <a:spLocks noGrp="1"/>
+          </p:cNvSpPr>
+          <p:nvPr>
+            <p:ph type="title"/>
+          </p:nvPr>
+        </p:nvSpPr>
+        <p:spPr/>
+        <p:txBody>
+          <a:bodyPr>
+            <a:normAutofit/>
+          </a:bodyPr>
+          <a:lstStyle/>
+          <a:p>
+            <a:r>
+              <a:rPr lang="en-US" dirty="0"/>
+              <a:t>Who will see my survey?</a:t>
+            </a:r>
+          </a:p>
+        </p:txBody>
+      </p:sp>
+      <p:sp>
+        <p:nvSpPr>
+          <p:cNvPr id="3" name="Content Placeholder 2"/>
+          <p:cNvSpPr>
+            <a:spLocks noGrp="1"/>
+          </p:cNvSpPr>
+          <p:nvPr>
+            <p:ph idx="1"/>
+          </p:nvPr>
+        </p:nvSpPr>
+        <p:spPr>
+          <a:xfrm>
+            <a:off x="609599" y="1447800"/>
+            <a:ext cx="7010401" cy="5181600"/>
+          </a:xfrm>
+        </p:spPr>
+        <p:txBody>
+          <a:bodyPr>
+            <a:normAutofit/>
+          </a:bodyPr>
+          <a:lstStyle/>
+          <a:p>
+            <a:r>
+              <a:rPr lang="en-US" sz="2500" i="1" dirty="0"/>
+              <a:t>COMPLETELY CONFIDENTIAL</a:t>
+            </a:r>
+          </a:p>
+          <a:p>
+            <a:pPr lvl="1"/>
+            <a:r>
+              <a:rPr lang="en-US" sz="2500" dirty="0"/>
+              <a:t>Your name will not be associated with your survey responses</a:t>
+            </a:r>
+          </a:p>
+          <a:p>
+            <a:r>
+              <a:rPr lang="en-US" sz="2500" dirty="0"/>
+              <a:t>NO staff, or instructors will see your responses to the survey</a:t>
+            </a:r>
+          </a:p>
+          <a:p>
+            <a:r>
+              <a:rPr lang="en-US" sz="2500" dirty="0"/>
+              <a:t>We are NOT concerned with your individual responses</a:t>
+            </a:r>
+          </a:p>
+          <a:p>
+            <a:pPr lvl="1"/>
+            <a:r>
+              <a:rPr lang="en-US" sz="2500" dirty="0"/>
+              <a:t>We are evaluating the mentorship program as a whole</a:t>
+            </a:r>
+          </a:p>
+          <a:p>
+            <a:pPr marL="0" indent="0">
+              <a:buNone/>
+            </a:pPr>
+            <a:endParaRPr lang="en-US" dirty="0"/>
+          </a:p>
+          <a:p>
+            <a:pPr lvl="1"/>
+            <a:endParaRPr lang="en-US" dirty="0"/>
+          </a:p>
+        </p:txBody>
+      </p:sp>
+      <p:pic>
+        <p:nvPicPr>
+          <p:cNvPr id="5" name="Picture 4">
+            <a:extLst>
+              <a:ext uri="{FF2B5EF4-FFF2-40B4-BE49-F238E27FC236}">
+                <a16:creationId xmlns:a16="http://schemas.microsoft.com/office/drawing/2014/main" id="{1E763997-2800-47A2-878E-A49F2FB8BCB2}"/>
+              </a:ext>
+            </a:extLst>
+          </p:cNvPr>
+          <p:cNvPicPr>
+            <a:picLocks noChangeAspect="1"/>
+          </p:cNvPicPr>
+          <p:nvPr/>
+        </p:nvPicPr>
+        <p:blipFill>
+          <a:blip r:embed="rId2"/>
+          <a:stretch>
+            <a:fillRect/>
+          </a:stretch>
+        </p:blipFill>
+        <p:spPr>
+          <a:xfrm>
+            <a:off x="7162061" y="4876801"/>
+            <a:ext cx="1981199" cy="1981199"/>
+          </a:xfrm>
+          <a:prstGeom prst="rect">
+            <a:avLst/>
+          </a:prstGeom>
+        </p:spPr>
+      </p:pic>
+    </p:spTree>
+    <p:extLst>
+      <p:ext uri="{BB962C8B-B14F-4D97-AF65-F5344CB8AC3E}">
+        <p14:creationId xmlns:p14="http://schemas.microsoft.com/office/powerpoint/2010/main" val="1237148911"/>
+      </p:ext>
+    </p:extLst>
+  </p:cSld>
+  <p:clrMapOvr>
+    <a:masterClrMapping/>
+  </p:clrMapOvr>
+</p:sld>
+</file>
+
 <file path=ppt/slides/slide5.xml><?xml version="1.0" encoding="utf-8"?>
+<p:sld xmlns:a="http://schemas.openxmlformats.org/drawingml/2006/main" xmlns:r="http://schemas.openxmlformats.org/officeDocument/2006/relationships" xmlns:p="http://schemas.openxmlformats.org/presentationml/2006/main">
+  <p:cSld>
+    <p:bg>
+      <p:bgPr>
+        <a:solidFill>
+          <a:schemeClr val="bg1"/>
+        </a:solidFill>
+        <a:effectLst/>
+      </p:bgPr>
+    </p:bg>
+    <p:spTree>
+      <p:nvGrpSpPr>
+        <p:cNvPr id="1" name=""/>
+        <p:cNvGrpSpPr/>
+        <p:nvPr/>
+      </p:nvGrpSpPr>
+      <p:grpSpPr>
+        <a:xfrm>
+          <a:off x="0" y="0"/>
+          <a:ext cx="0" cy="0"/>
+          <a:chOff x="0" y="0"/>
+          <a:chExt cx="0" cy="0"/>
+        </a:xfrm>
+      </p:grpSpPr>
+      <p:sp>
+        <p:nvSpPr>
+          <p:cNvPr id="9" name="Rectangle 8">
+            <a:extLst>
+              <a:ext uri="{FF2B5EF4-FFF2-40B4-BE49-F238E27FC236}">
+                <a16:creationId xmlns:a16="http://schemas.microsoft.com/office/drawing/2014/main" id="{6166C6D1-23AC-49C4-BA07-238E4E9F8CEB}"/>
+              </a:ext>
+              <a:ext uri="{C183D7F6-B498-43B3-948B-1728B52AA6E4}">
+                <adec:decorative xmlns:adec="http://schemas.microsoft.com/office/drawing/2017/decorative" val="1"/>
+              </a:ext>
+            </a:extLst>
+          </p:cNvPr>
+          <p:cNvSpPr>
+            <a:spLocks noGrp="1" noRot="1" noChangeAspect="1" noMove="1" noResize="1" noEditPoints="1" noAdjustHandles="1" noChangeArrowheads="1" noChangeShapeType="1" noTextEdit="1"/>
+          </p:cNvSpPr>
+          <p:nvPr>
+            <p:extLst>
+              <p:ext uri="{386F3935-93C4-4BCD-93E2-E3B085C9AB24}">
+                <p16:designElem xmlns:p16="http://schemas.microsoft.com/office/powerpoint/2015/main" val="1"/>
+              </p:ext>
+            </p:extLst>
+          </p:nvPr>
+        </p:nvSpPr>
+        <p:spPr>
+          <a:xfrm>
+            <a:off x="346544" y="1194917"/>
+            <a:ext cx="3136890" cy="2702373"/>
+          </a:xfrm>
+          <a:prstGeom prst="rect">
+            <a:avLst/>
+          </a:prstGeom>
+          <a:solidFill>
+            <a:srgbClr val="595959"/>
+          </a:solidFill>
+          <a:ln w="25400">
+            <a:noFill/>
+          </a:ln>
+        </p:spPr>
+        <p:style>
+          <a:lnRef idx="2">
+            <a:schemeClr val="accent1">
+              <a:shade val="50000"/>
+            </a:schemeClr>
+          </a:lnRef>
+          <a:fillRef idx="1">
+            <a:schemeClr val="accent1"/>
+          </a:fillRef>
+          <a:effectRef idx="0">
+            <a:schemeClr val="accent1"/>
+          </a:effectRef>
+          <a:fontRef idx="minor">
+            <a:schemeClr val="lt1"/>
+          </a:fontRef>
+        </p:style>
+        <p:txBody>
+          <a:bodyPr rtlCol="0" anchor="ctr"/>
+          <a:lstStyle/>
+          <a:p>
+            <a:pPr algn="ctr" defTabSz="685800">
+              <a:defRPr/>
+            </a:pPr>
+            <a:endParaRPr lang="en-US" sz="1350">
+              <a:solidFill>
+                <a:srgbClr val="FFFFFF"/>
+              </a:solidFill>
+              <a:latin typeface="Calibri" panose="020F0502020204030204"/>
+            </a:endParaRPr>
+          </a:p>
+        </p:txBody>
+      </p:sp>
+      <p:sp>
+        <p:nvSpPr>
+          <p:cNvPr id="2" name="Title 1">
+            <a:extLst>
+              <a:ext uri="{FF2B5EF4-FFF2-40B4-BE49-F238E27FC236}">
+                <a16:creationId xmlns:a16="http://schemas.microsoft.com/office/drawing/2014/main" id="{152A5615-3839-4D00-ADB0-1702C6FB0388}"/>
+              </a:ext>
+            </a:extLst>
+          </p:cNvPr>
+          <p:cNvSpPr>
+            <a:spLocks noGrp="1"/>
+          </p:cNvSpPr>
+          <p:nvPr>
+            <p:ph type="title"/>
+          </p:nvPr>
+        </p:nvSpPr>
+        <p:spPr>
+          <a:xfrm>
+            <a:off x="581025" y="1428750"/>
+            <a:ext cx="2696980" cy="2263823"/>
+          </a:xfrm>
+        </p:spPr>
+        <p:txBody>
+          <a:bodyPr>
+            <a:normAutofit/>
+          </a:bodyPr>
+          <a:lstStyle/>
+          <a:p>
+            <a:r>
+              <a:rPr lang="en-US" dirty="0">
+                <a:solidFill>
+                  <a:srgbClr val="FFFFFF"/>
+                </a:solidFill>
+              </a:rPr>
+              <a:t>Survey Instructions</a:t>
+            </a:r>
+          </a:p>
+        </p:txBody>
+      </p:sp>
+      <p:sp>
+        <p:nvSpPr>
+          <p:cNvPr id="11" name="Rectangle 10">
+            <a:extLst>
+              <a:ext uri="{FF2B5EF4-FFF2-40B4-BE49-F238E27FC236}">
+                <a16:creationId xmlns:a16="http://schemas.microsoft.com/office/drawing/2014/main" id="{1C091803-41C2-48E0-9228-5148460C7479}"/>
+              </a:ext>
+              <a:ext uri="{C183D7F6-B498-43B3-948B-1728B52AA6E4}">
+                <adec:decorative xmlns:adec="http://schemas.microsoft.com/office/drawing/2017/decorative" val="1"/>
+              </a:ext>
+            </a:extLst>
+          </p:cNvPr>
+          <p:cNvSpPr>
+            <a:spLocks noGrp="1" noRot="1" noChangeAspect="1" noMove="1" noResize="1" noEditPoints="1" noAdjustHandles="1" noChangeArrowheads="1" noChangeShapeType="1" noTextEdit="1"/>
+          </p:cNvSpPr>
+          <p:nvPr>
+            <p:extLst>
+              <p:ext uri="{386F3935-93C4-4BCD-93E2-E3B085C9AB24}">
+                <p16:designElem xmlns:p16="http://schemas.microsoft.com/office/powerpoint/2015/main" val="1"/>
+              </p:ext>
+            </p:extLst>
+          </p:nvPr>
+        </p:nvSpPr>
+        <p:spPr>
+          <a:xfrm>
+            <a:off x="3608128" y="1194916"/>
+            <a:ext cx="3674942" cy="4461644"/>
+          </a:xfrm>
+          <a:prstGeom prst="rect">
+            <a:avLst/>
+          </a:prstGeom>
+          <a:solidFill>
+            <a:schemeClr val="tx1">
+              <a:lumMod val="50000"/>
+              <a:lumOff val="50000"/>
+              <a:alpha val="20000"/>
+            </a:schemeClr>
+          </a:solidFill>
+          <a:ln>
+            <a:noFill/>
+          </a:ln>
+        </p:spPr>
+        <p:style>
+          <a:lnRef idx="2">
+            <a:schemeClr val="accent1">
+              <a:shade val="50000"/>
+            </a:schemeClr>
+          </a:lnRef>
+          <a:fillRef idx="1">
+            <a:schemeClr val="accent1"/>
+          </a:fillRef>
+          <a:effectRef idx="0">
+            <a:schemeClr val="accent1"/>
+          </a:effectRef>
+          <a:fontRef idx="minor">
+            <a:schemeClr val="lt1"/>
+          </a:fontRef>
+        </p:style>
+        <p:txBody>
+          <a:bodyPr rtlCol="0" anchor="ctr"/>
+          <a:lstStyle/>
+          <a:p>
+            <a:pPr algn="ctr" defTabSz="685800">
+              <a:defRPr/>
+            </a:pPr>
+            <a:endParaRPr lang="en-US" sz="1350">
+              <a:solidFill>
+                <a:prstClr val="white">
+                  <a:lumMod val="85000"/>
+                </a:prstClr>
+              </a:solidFill>
+              <a:latin typeface="Calibri" panose="020F0502020204030204"/>
+            </a:endParaRPr>
+          </a:p>
+        </p:txBody>
+      </p:sp>
+      <p:sp>
+        <p:nvSpPr>
+          <p:cNvPr id="3" name="Content Placeholder 2">
+            <a:extLst>
+              <a:ext uri="{FF2B5EF4-FFF2-40B4-BE49-F238E27FC236}">
+                <a16:creationId xmlns:a16="http://schemas.microsoft.com/office/drawing/2014/main" id="{CF0616D8-1935-49E5-B01F-6921D3ECC957}"/>
+              </a:ext>
+            </a:extLst>
+          </p:cNvPr>
+          <p:cNvSpPr>
+            <a:spLocks noGrp="1"/>
+          </p:cNvSpPr>
+          <p:nvPr>
+            <p:ph idx="1"/>
+          </p:nvPr>
+        </p:nvSpPr>
+        <p:spPr>
+          <a:xfrm>
+            <a:off x="3536316" y="1360589"/>
+            <a:ext cx="3868994" cy="4287737"/>
+          </a:xfrm>
+        </p:spPr>
+        <p:txBody>
+          <a:bodyPr anchor="ctr">
+            <a:normAutofit/>
+          </a:bodyPr>
+          <a:lstStyle/>
+          <a:p>
+            <a:pPr marL="385763" indent="-385763">
+              <a:buFont typeface="+mj-lt"/>
+              <a:buAutoNum type="arabicPeriod"/>
+            </a:pPr>
+            <a:r>
+              <a:rPr lang="en-US" sz="2000" dirty="0"/>
+              <a:t>Take out your laptop/tablet</a:t>
+            </a:r>
+          </a:p>
+          <a:p>
+            <a:pPr marL="385763" indent="-385763">
+              <a:buFont typeface="+mj-lt"/>
+              <a:buAutoNum type="arabicPeriod"/>
+            </a:pPr>
+            <a:r>
+              <a:rPr lang="en-US" sz="2000" dirty="0"/>
+              <a:t>Open an internet browser and go to: </a:t>
+            </a:r>
+            <a:r>
+              <a:rPr lang="en-US" sz="2500" b="1" u="sng" dirty="0">
+                <a:solidFill>
+                  <a:srgbClr val="0070C0"/>
+                </a:solidFill>
+                <a:hlinkClick r:id="rId2" action="ppaction://hlinkfile"/>
+              </a:rPr>
+              <a:t>tinyurl.com/MintakeS20 </a:t>
+            </a:r>
+            <a:endParaRPr lang="en-US" sz="2500" b="1" u="sng" dirty="0">
+              <a:solidFill>
+                <a:srgbClr val="0070C0"/>
+              </a:solidFill>
+            </a:endParaRPr>
+          </a:p>
+          <a:p>
+            <a:pPr marL="385763" indent="-385763">
+              <a:buFont typeface="+mj-lt"/>
+              <a:buAutoNum type="arabicPeriod"/>
+            </a:pPr>
+            <a:r>
+              <a:rPr lang="en-US" sz="2000" dirty="0"/>
+              <a:t>Click through the survey</a:t>
+            </a:r>
+          </a:p>
+          <a:p>
+            <a:pPr marL="385763" indent="-385763">
+              <a:buFont typeface="+mj-lt"/>
+              <a:buAutoNum type="arabicPeriod"/>
+            </a:pPr>
+            <a:r>
+              <a:rPr lang="en-US" sz="2000" dirty="0"/>
+              <a:t>Answer questions </a:t>
+            </a:r>
+            <a:r>
+              <a:rPr lang="en-US" sz="2000" i="1" dirty="0"/>
+              <a:t>honestly</a:t>
+            </a:r>
+          </a:p>
+          <a:p>
+            <a:pPr marL="385763" indent="-385763">
+              <a:buFont typeface="+mj-lt"/>
+              <a:buAutoNum type="arabicPeriod"/>
+            </a:pPr>
+            <a:r>
+              <a:rPr lang="en-US" sz="2000" dirty="0"/>
+              <a:t>Raise your hand if you have questions</a:t>
+            </a:r>
+          </a:p>
+          <a:p>
+            <a:pPr marL="385763" indent="-385763">
+              <a:buFont typeface="+mj-lt"/>
+              <a:buAutoNum type="arabicPeriod"/>
+            </a:pPr>
+            <a:r>
+              <a:rPr lang="en-US" sz="2000" dirty="0"/>
+              <a:t>Wait patiently until everyone has completed the survey</a:t>
+            </a:r>
+          </a:p>
+          <a:p>
+            <a:pPr marL="385763" indent="-385763">
+              <a:buFont typeface="+mj-lt"/>
+              <a:buAutoNum type="arabicPeriod"/>
+            </a:pPr>
+            <a:endParaRPr lang="en-US" sz="2000" dirty="0"/>
+          </a:p>
+          <a:p>
+            <a:pPr marL="0" indent="0" algn="ctr">
+              <a:buNone/>
+            </a:pPr>
+            <a:r>
+              <a:rPr lang="en-US" sz="2000" b="1" dirty="0"/>
+              <a:t>THANK YOU!</a:t>
+            </a:r>
+          </a:p>
+        </p:txBody>
+      </p:sp>
+      <p:sp>
+        <p:nvSpPr>
+          <p:cNvPr id="16" name="Rectangle 12">
+            <a:extLst>
+              <a:ext uri="{FF2B5EF4-FFF2-40B4-BE49-F238E27FC236}">
+                <a16:creationId xmlns:a16="http://schemas.microsoft.com/office/drawing/2014/main" id="{B775CD93-9DF2-48CB-9F57-1BCA9A46C7FA}"/>
+              </a:ext>
+              <a:ext uri="{C183D7F6-B498-43B3-948B-1728B52AA6E4}">
+                <adec:decorative xmlns:adec="http://schemas.microsoft.com/office/drawing/2017/decorative" val="1"/>
+              </a:ext>
+            </a:extLst>
+          </p:cNvPr>
+          <p:cNvSpPr>
+            <a:spLocks noGrp="1" noRot="1" noChangeAspect="1" noMove="1" noResize="1" noEditPoints="1" noAdjustHandles="1" noChangeArrowheads="1" noChangeShapeType="1" noTextEdit="1"/>
+          </p:cNvSpPr>
+          <p:nvPr>
+            <p:extLst>
+              <p:ext uri="{386F3935-93C4-4BCD-93E2-E3B085C9AB24}">
+                <p16:designElem xmlns:p16="http://schemas.microsoft.com/office/powerpoint/2015/main" val="1"/>
+              </p:ext>
+            </p:extLst>
+          </p:nvPr>
+        </p:nvSpPr>
+        <p:spPr>
+          <a:xfrm>
+            <a:off x="7406900" y="1194916"/>
+            <a:ext cx="1401025" cy="2702374"/>
+          </a:xfrm>
+          <a:prstGeom prst="rect">
+            <a:avLst/>
+          </a:prstGeom>
+          <a:solidFill>
+            <a:srgbClr val="6B923C"/>
+          </a:solidFill>
+          <a:ln w="25400">
+            <a:noFill/>
+          </a:ln>
+        </p:spPr>
+        <p:style>
+          <a:lnRef idx="2">
+            <a:schemeClr val="accent1">
+              <a:shade val="50000"/>
+            </a:schemeClr>
+          </a:lnRef>
+          <a:fillRef idx="1">
+            <a:schemeClr val="accent1"/>
+          </a:fillRef>
+          <a:effectRef idx="0">
+            <a:schemeClr val="accent1"/>
+          </a:effectRef>
+          <a:fontRef idx="minor">
+            <a:schemeClr val="lt1"/>
+          </a:fontRef>
+        </p:style>
+        <p:txBody>
+          <a:bodyPr rtlCol="0" anchor="ctr"/>
+          <a:lstStyle/>
+          <a:p>
+            <a:pPr algn="ctr" defTabSz="685800">
+              <a:defRPr/>
+            </a:pPr>
+            <a:endParaRPr lang="en-US" sz="1350">
+              <a:solidFill>
+                <a:srgbClr val="FFFFFF"/>
+              </a:solidFill>
+              <a:latin typeface="Calibri" panose="020F0502020204030204"/>
+            </a:endParaRPr>
+          </a:p>
+        </p:txBody>
+      </p:sp>
+      <p:pic>
+        <p:nvPicPr>
+          <p:cNvPr id="4" name="Picture 3">
+            <a:extLst>
+              <a:ext uri="{FF2B5EF4-FFF2-40B4-BE49-F238E27FC236}">
+                <a16:creationId xmlns:a16="http://schemas.microsoft.com/office/drawing/2014/main" id="{8392C40C-FE21-475C-B4A3-A8DF3DB2BE7B}"/>
+              </a:ext>
+            </a:extLst>
+          </p:cNvPr>
+          <p:cNvPicPr>
+            <a:picLocks noChangeAspect="1"/>
+          </p:cNvPicPr>
+          <p:nvPr/>
+        </p:nvPicPr>
+        <p:blipFill>
+          <a:blip r:embed="rId3" cstate="print">
+            <a:extLst>
+              <a:ext uri="{28A0092B-C50C-407E-A947-70E740481C1C}">
+                <a14:useLocalDpi xmlns:a14="http://schemas.microsoft.com/office/drawing/2010/main" val="0"/>
+              </a:ext>
+            </a:extLst>
+          </a:blip>
+          <a:stretch>
+            <a:fillRect/>
+          </a:stretch>
+        </p:blipFill>
+        <p:spPr>
+          <a:xfrm>
+            <a:off x="430468" y="4017940"/>
+            <a:ext cx="2983608" cy="1630386"/>
+          </a:xfrm>
+          <a:prstGeom prst="rect">
+            <a:avLst/>
+          </a:prstGeom>
+        </p:spPr>
+      </p:pic>
+      <p:sp>
+        <p:nvSpPr>
+          <p:cNvPr id="15" name="Rectangle 14">
+            <a:extLst>
+              <a:ext uri="{FF2B5EF4-FFF2-40B4-BE49-F238E27FC236}">
+                <a16:creationId xmlns:a16="http://schemas.microsoft.com/office/drawing/2014/main" id="{E186B68C-84BC-4A6E-99D1-EE87483C1349}"/>
+              </a:ext>
+              <a:ext uri="{C183D7F6-B498-43B3-948B-1728B52AA6E4}">
+                <adec:decorative xmlns:adec="http://schemas.microsoft.com/office/drawing/2017/decorative" val="1"/>
+              </a:ext>
+            </a:extLst>
+          </p:cNvPr>
+          <p:cNvSpPr>
+            <a:spLocks noGrp="1" noRot="1" noChangeAspect="1" noMove="1" noResize="1" noEditPoints="1" noAdjustHandles="1" noChangeArrowheads="1" noChangeShapeType="1" noTextEdit="1"/>
+          </p:cNvSpPr>
+          <p:nvPr>
+            <p:extLst>
+              <p:ext uri="{386F3935-93C4-4BCD-93E2-E3B085C9AB24}">
+                <p16:designElem xmlns:p16="http://schemas.microsoft.com/office/powerpoint/2015/main" val="1"/>
+              </p:ext>
+            </p:extLst>
+          </p:nvPr>
+        </p:nvSpPr>
+        <p:spPr>
+          <a:xfrm>
+            <a:off x="7405310" y="4017940"/>
+            <a:ext cx="1401025" cy="1630386"/>
+          </a:xfrm>
+          <a:prstGeom prst="rect">
+            <a:avLst/>
+          </a:prstGeom>
+          <a:solidFill>
+            <a:srgbClr val="FFA500"/>
+          </a:solidFill>
+          <a:ln w="25400">
+            <a:noFill/>
+          </a:ln>
+        </p:spPr>
+        <p:style>
+          <a:lnRef idx="2">
+            <a:schemeClr val="accent1">
+              <a:shade val="50000"/>
+            </a:schemeClr>
+          </a:lnRef>
+          <a:fillRef idx="1">
+            <a:schemeClr val="accent1"/>
+          </a:fillRef>
+          <a:effectRef idx="0">
+            <a:schemeClr val="accent1"/>
+          </a:effectRef>
+          <a:fontRef idx="minor">
+            <a:schemeClr val="lt1"/>
+          </a:fontRef>
+        </p:style>
+        <p:txBody>
+          <a:bodyPr rtlCol="0" anchor="ctr"/>
+          <a:lstStyle/>
+          <a:p>
+            <a:pPr algn="ctr" defTabSz="685800">
+              <a:defRPr/>
+            </a:pPr>
+            <a:endParaRPr lang="en-US" sz="1350">
+              <a:solidFill>
+                <a:srgbClr val="FFFFFF"/>
+              </a:solidFill>
+              <a:latin typeface="Calibri" panose="020F0502020204030204"/>
+            </a:endParaRPr>
+          </a:p>
+        </p:txBody>
+      </p:sp>
+    </p:spTree>
+    <p:extLst>
+      <p:ext uri="{BB962C8B-B14F-4D97-AF65-F5344CB8AC3E}">
+        <p14:creationId xmlns:p14="http://schemas.microsoft.com/office/powerpoint/2010/main" val="1297135374"/>
+      </p:ext>
+    </p:extLst>
+  </p:cSld>
+  <p:clrMapOvr>
+    <a:masterClrMapping/>
+  </p:clrMapOvr>
+</p:sld>
+</file>
+
+<file path=ppt/slides/slide6.xml><?xml version="1.0" encoding="utf-8"?>
+<p:sld xmlns:a="http://schemas.openxmlformats.org/drawingml/2006/main" xmlns:r="http://schemas.openxmlformats.org/officeDocument/2006/relationships" xmlns:p="http://schemas.openxmlformats.org/presentationml/2006/main">
+  <p:cSld>
+    <p:spTree>
+      <p:nvGrpSpPr>
+        <p:cNvPr id="1" name=""/>
+        <p:cNvGrpSpPr/>
+        <p:nvPr/>
+      </p:nvGrpSpPr>
+      <p:grpSpPr>
+        <a:xfrm>
+          <a:off x="0" y="0"/>
+          <a:ext cx="0" cy="0"/>
+          <a:chOff x="0" y="0"/>
+          <a:chExt cx="0" cy="0"/>
+        </a:xfrm>
+      </p:grpSpPr>
+      <p:sp>
+        <p:nvSpPr>
+          <p:cNvPr id="2" name="Title 1"/>
+          <p:cNvSpPr>
+            <a:spLocks noGrp="1"/>
+          </p:cNvSpPr>
+          <p:nvPr>
+            <p:ph type="title"/>
+          </p:nvPr>
+        </p:nvSpPr>
+        <p:spPr/>
+        <p:txBody>
+          <a:bodyPr/>
+          <a:lstStyle/>
+          <a:p>
+            <a:r>
+              <a:rPr lang="en-US" dirty="0"/>
+              <a:t>Thank you for your participation! What now?</a:t>
+            </a:r>
+          </a:p>
+        </p:txBody>
+      </p:sp>
+      <p:sp>
+        <p:nvSpPr>
+          <p:cNvPr id="3" name="Content Placeholder 2"/>
+          <p:cNvSpPr>
+            <a:spLocks noGrp="1"/>
+          </p:cNvSpPr>
+          <p:nvPr>
+            <p:ph idx="1"/>
+          </p:nvPr>
+        </p:nvSpPr>
+        <p:spPr/>
+        <p:txBody>
+          <a:bodyPr/>
+          <a:lstStyle/>
+          <a:p>
+            <a:r>
+              <a:rPr lang="en-US" sz="2800" dirty="0"/>
+              <a:t>I will be back at week 11 of the program </a:t>
+            </a:r>
+          </a:p>
+          <a:p>
+            <a:pPr marL="0" indent="0">
+              <a:buNone/>
+            </a:pPr>
+            <a:endParaRPr lang="en-US" sz="2800" dirty="0"/>
+          </a:p>
+          <a:p>
+            <a:r>
+              <a:rPr lang="en-US" sz="2800" dirty="0"/>
+              <a:t>If you have questions about research, please email me at  </a:t>
+            </a:r>
+            <a:r>
+              <a:rPr lang="en-US" sz="2800" dirty="0">
+                <a:hlinkClick r:id="rId3"/>
+              </a:rPr>
+              <a:t>Neil.Yetz@colostate.edu</a:t>
+            </a:r>
+            <a:endParaRPr lang="en-US" sz="2800" dirty="0"/>
+          </a:p>
+          <a:p>
+            <a:pPr lvl="1"/>
+            <a:endParaRPr lang="en-US" dirty="0"/>
+          </a:p>
+          <a:p>
+            <a:pPr marL="0" indent="0">
+              <a:buNone/>
+            </a:pPr>
+            <a:endParaRPr lang="en-US" dirty="0"/>
+          </a:p>
+        </p:txBody>
+      </p:sp>
+    </p:spTree>
+    <p:extLst>
+      <p:ext uri="{BB962C8B-B14F-4D97-AF65-F5344CB8AC3E}">
+        <p14:creationId xmlns:p14="http://schemas.microsoft.com/office/powerpoint/2010/main" val="2798168375"/>
+      </p:ext>
+    </p:extLst>
+  </p:cSld>
+  <p:clrMapOvr>
+    <a:masterClrMapping/>
+  </p:clrMapOvr>
+</p:sld>
+</file>
+
+<file path=ppt/slides/slide7.xml><?xml version="1.0" encoding="utf-8"?>
 <p:sld xmlns:a="http://schemas.openxmlformats.org/drawingml/2006/main" xmlns:r="http://schemas.openxmlformats.org/officeDocument/2006/relationships" xmlns:p="http://schemas.openxmlformats.org/presentationml/2006/main">
   <p:cSld>
     <p:spTree>
@@ -8792,7 +12738,7 @@
 </p:sld>
 </file>
 
-<file path=ppt/slides/slide6.xml><?xml version="1.0" encoding="utf-8"?>
+<file path=ppt/slides/slide8.xml><?xml version="1.0" encoding="utf-8"?>
 <p:sld xmlns:a="http://schemas.openxmlformats.org/drawingml/2006/main" xmlns:r="http://schemas.openxmlformats.org/officeDocument/2006/relationships" xmlns:p="http://schemas.openxmlformats.org/presentationml/2006/main">
   <p:cSld>
     <p:spTree>
@@ -9581,220 +13527,7 @@
 </p:sld>
 </file>
 
-<file path=ppt/slides/slide7.xml><?xml version="1.0" encoding="utf-8"?>
-<p:sld xmlns:a="http://schemas.openxmlformats.org/drawingml/2006/main" xmlns:r="http://schemas.openxmlformats.org/officeDocument/2006/relationships" xmlns:p="http://schemas.openxmlformats.org/presentationml/2006/main">
-  <p:cSld>
-    <p:spTree>
-      <p:nvGrpSpPr>
-        <p:cNvPr id="1" name=""/>
-        <p:cNvGrpSpPr/>
-        <p:nvPr/>
-      </p:nvGrpSpPr>
-      <p:grpSpPr>
-        <a:xfrm>
-          <a:off x="0" y="0"/>
-          <a:ext cx="0" cy="0"/>
-          <a:chOff x="0" y="0"/>
-          <a:chExt cx="0" cy="0"/>
-        </a:xfrm>
-      </p:grpSpPr>
-      <p:sp>
-        <p:nvSpPr>
-          <p:cNvPr id="2" name="Title 1"/>
-          <p:cNvSpPr>
-            <a:spLocks noGrp="1"/>
-          </p:cNvSpPr>
-          <p:nvPr>
-            <p:ph type="title"/>
-          </p:nvPr>
-        </p:nvSpPr>
-        <p:spPr/>
-        <p:txBody>
-          <a:bodyPr>
-            <a:normAutofit/>
-          </a:bodyPr>
-          <a:lstStyle/>
-          <a:p>
-            <a:r>
-              <a:rPr lang="en-US" dirty="0"/>
-              <a:t>Your Surveys</a:t>
-            </a:r>
-          </a:p>
-        </p:txBody>
-      </p:sp>
-      <p:sp>
-        <p:nvSpPr>
-          <p:cNvPr id="3" name="Content Placeholder 2"/>
-          <p:cNvSpPr>
-            <a:spLocks noGrp="1"/>
-          </p:cNvSpPr>
-          <p:nvPr>
-            <p:ph idx="1"/>
-          </p:nvPr>
-        </p:nvSpPr>
-        <p:spPr>
-          <a:xfrm>
-            <a:off x="609599" y="1447800"/>
-            <a:ext cx="7010401" cy="5181600"/>
-          </a:xfrm>
-        </p:spPr>
-        <p:txBody>
-          <a:bodyPr>
-            <a:normAutofit fontScale="92500" lnSpcReduction="10000"/>
-          </a:bodyPr>
-          <a:lstStyle/>
-          <a:p>
-            <a:r>
-              <a:rPr lang="en-US" i="1" dirty="0"/>
-              <a:t>COMPLETELY CONFIDENTIAL</a:t>
-            </a:r>
-          </a:p>
-          <a:p>
-            <a:pPr lvl="1"/>
-            <a:r>
-              <a:rPr lang="en-US" dirty="0"/>
-              <a:t>Your name or CSU ID will not be associated with your survey responses</a:t>
-            </a:r>
-          </a:p>
-          <a:p>
-            <a:r>
-              <a:rPr lang="en-US" dirty="0"/>
-              <a:t>We will take consent for research today</a:t>
-            </a:r>
-          </a:p>
-          <a:p>
-            <a:r>
-              <a:rPr lang="en-US" dirty="0"/>
-              <a:t>Weeks 1: You will be given one ID# </a:t>
-            </a:r>
-          </a:p>
-          <a:p>
-            <a:r>
-              <a:rPr lang="en-US" dirty="0"/>
-              <a:t>Week 11: You will be given 2 ID#’s</a:t>
-            </a:r>
-          </a:p>
-          <a:p>
-            <a:pPr lvl="1"/>
-            <a:r>
-              <a:rPr lang="en-US" dirty="0"/>
-              <a:t>One for you &amp; one for your mentee</a:t>
-            </a:r>
-          </a:p>
-          <a:p>
-            <a:r>
-              <a:rPr lang="en-US" i="1" dirty="0"/>
-              <a:t>Everyone</a:t>
-            </a:r>
-            <a:r>
-              <a:rPr lang="en-US" dirty="0"/>
-              <a:t> – mentors, instructors, LMCs, mentor coaches – must take the survey during</a:t>
-            </a:r>
-            <a:r>
-              <a:rPr lang="en-US" b="1" dirty="0"/>
-              <a:t> pre-lab</a:t>
-            </a:r>
-            <a:r>
-              <a:rPr lang="en-US" dirty="0"/>
-              <a:t>. </a:t>
-            </a:r>
-            <a:endParaRPr lang="en-US" i="1" dirty="0"/>
-          </a:p>
-          <a:p>
-            <a:pPr lvl="1"/>
-            <a:r>
-              <a:rPr lang="en-US" dirty="0"/>
-              <a:t>Please bring your own laptop</a:t>
-            </a:r>
-          </a:p>
-          <a:p>
-            <a:pPr lvl="1"/>
-            <a:r>
-              <a:rPr lang="en-US" dirty="0"/>
-              <a:t>A tablet will be provided if you need one</a:t>
-            </a:r>
-          </a:p>
-          <a:p>
-            <a:pPr lvl="1"/>
-            <a:r>
-              <a:rPr lang="en-US" dirty="0"/>
-              <a:t>You will enter a link on the whiteboard next week for the survey.</a:t>
-            </a:r>
-          </a:p>
-          <a:p>
-            <a:pPr lvl="2"/>
-            <a:r>
-              <a:rPr lang="en-US" dirty="0"/>
-              <a:t>Has a photo of college students &gt;&gt;</a:t>
-            </a:r>
-          </a:p>
-          <a:p>
-            <a:pPr lvl="1"/>
-            <a:r>
-              <a:rPr lang="en-US" dirty="0"/>
-              <a:t>You will be provided a note with an ID number in it</a:t>
-            </a:r>
-          </a:p>
-          <a:p>
-            <a:pPr lvl="1"/>
-            <a:r>
-              <a:rPr lang="en-US" dirty="0"/>
-              <a:t>Enter that ID and fill out the survey</a:t>
-            </a:r>
-          </a:p>
-          <a:p>
-            <a:pPr lvl="1"/>
-            <a:r>
-              <a:rPr lang="en-US" dirty="0"/>
-              <a:t>If there are ever problems, tell the RA!</a:t>
-            </a:r>
-          </a:p>
-        </p:txBody>
-      </p:sp>
-      <p:pic>
-        <p:nvPicPr>
-          <p:cNvPr id="5" name="Picture 4">
-            <a:extLst>
-              <a:ext uri="{FF2B5EF4-FFF2-40B4-BE49-F238E27FC236}">
-                <a16:creationId xmlns:a16="http://schemas.microsoft.com/office/drawing/2014/main" id="{1E763997-2800-47A2-878E-A49F2FB8BCB2}"/>
-              </a:ext>
-            </a:extLst>
-          </p:cNvPr>
-          <p:cNvPicPr>
-            <a:picLocks noChangeAspect="1"/>
-          </p:cNvPicPr>
-          <p:nvPr/>
-        </p:nvPicPr>
-        <p:blipFill>
-          <a:blip r:embed="rId2"/>
-          <a:stretch>
-            <a:fillRect/>
-          </a:stretch>
-        </p:blipFill>
-        <p:spPr>
-          <a:xfrm>
-            <a:off x="7162061" y="4876801"/>
-            <a:ext cx="1981199" cy="1981199"/>
-          </a:xfrm>
-          <a:prstGeom prst="rect">
-            <a:avLst/>
-          </a:prstGeom>
-        </p:spPr>
-      </p:pic>
-    </p:spTree>
-    <p:extLst>
-      <p:ext uri="{BB962C8B-B14F-4D97-AF65-F5344CB8AC3E}">
-        <p14:creationId xmlns:p14="http://schemas.microsoft.com/office/powerpoint/2010/main" val="1237148911"/>
-      </p:ext>
-    </p:extLst>
-  </p:cSld>
-  <p:clrMapOvr>
-    <a:masterClrMapping/>
-  </p:clrMapOvr>
-</p:sld>
-</file>
-
-<file path=ppt/slides/slide8.xml><?xml version="1.0" encoding="utf-8"?>
+<file path=ppt/slides/slide9.xml><?xml version="1.0" encoding="utf-8"?>
 <p:sld xmlns:a="http://schemas.openxmlformats.org/drawingml/2006/main" xmlns:r="http://schemas.openxmlformats.org/officeDocument/2006/relationships" xmlns:p="http://schemas.openxmlformats.org/presentationml/2006/main">
   <p:cSld>
     <p:spTree>
@@ -9990,134 +13723,6 @@
     <p:extLst>
       <p:ext uri="{BB962C8B-B14F-4D97-AF65-F5344CB8AC3E}">
         <p14:creationId xmlns:p14="http://schemas.microsoft.com/office/powerpoint/2010/main" val="3624512187"/>
-      </p:ext>
-    </p:extLst>
-  </p:cSld>
-  <p:clrMapOvr>
-    <a:masterClrMapping/>
-  </p:clrMapOvr>
-</p:sld>
-</file>
-
-<file path=ppt/slides/slide9.xml><?xml version="1.0" encoding="utf-8"?>
-<p:sld xmlns:a="http://schemas.openxmlformats.org/drawingml/2006/main" xmlns:r="http://schemas.openxmlformats.org/officeDocument/2006/relationships" xmlns:p="http://schemas.openxmlformats.org/presentationml/2006/main">
-  <p:cSld>
-    <p:spTree>
-      <p:nvGrpSpPr>
-        <p:cNvPr id="1" name=""/>
-        <p:cNvGrpSpPr/>
-        <p:nvPr/>
-      </p:nvGrpSpPr>
-      <p:grpSpPr>
-        <a:xfrm>
-          <a:off x="0" y="0"/>
-          <a:ext cx="0" cy="0"/>
-          <a:chOff x="0" y="0"/>
-          <a:chExt cx="0" cy="0"/>
-        </a:xfrm>
-      </p:grpSpPr>
-      <p:sp>
-        <p:nvSpPr>
-          <p:cNvPr id="2" name="Title 1"/>
-          <p:cNvSpPr>
-            <a:spLocks noGrp="1"/>
-          </p:cNvSpPr>
-          <p:nvPr>
-            <p:ph type="title"/>
-          </p:nvPr>
-        </p:nvSpPr>
-        <p:spPr/>
-        <p:txBody>
-          <a:bodyPr/>
-          <a:lstStyle/>
-          <a:p>
-            <a:r>
-              <a:rPr lang="en-US" dirty="0"/>
-              <a:t>Thank you for your participation! What now?</a:t>
-            </a:r>
-          </a:p>
-        </p:txBody>
-      </p:sp>
-      <p:sp>
-        <p:nvSpPr>
-          <p:cNvPr id="3" name="Content Placeholder 2"/>
-          <p:cNvSpPr>
-            <a:spLocks noGrp="1"/>
-          </p:cNvSpPr>
-          <p:nvPr>
-            <p:ph idx="1"/>
-          </p:nvPr>
-        </p:nvSpPr>
-        <p:spPr/>
-        <p:txBody>
-          <a:bodyPr/>
-          <a:lstStyle/>
-          <a:p>
-            <a:r>
-              <a:rPr lang="en-US" dirty="0"/>
-              <a:t>Now</a:t>
-            </a:r>
-          </a:p>
-          <a:p>
-            <a:pPr lvl="1"/>
-            <a:r>
-              <a:rPr lang="en-US" dirty="0"/>
-              <a:t>Hand out consent forms</a:t>
-            </a:r>
-          </a:p>
-          <a:p>
-            <a:r>
-              <a:rPr lang="en-US" dirty="0"/>
-              <a:t>Next week we will </a:t>
-            </a:r>
-          </a:p>
-          <a:p>
-            <a:pPr lvl="1"/>
-            <a:r>
-              <a:rPr lang="en-US" dirty="0"/>
-              <a:t>Give out ID #’s</a:t>
-            </a:r>
-          </a:p>
-          <a:p>
-            <a:pPr lvl="1"/>
-            <a:r>
-              <a:rPr lang="en-US" dirty="0"/>
-              <a:t>Take week 1 mentor survey</a:t>
-            </a:r>
-          </a:p>
-          <a:p>
-            <a:pPr lvl="1"/>
-            <a:endParaRPr lang="en-US" dirty="0"/>
-          </a:p>
-          <a:p>
-            <a:r>
-              <a:rPr lang="en-US" dirty="0"/>
-              <a:t>If you have questions about research, please email me at  </a:t>
-            </a:r>
-            <a:r>
-              <a:rPr lang="en-US" dirty="0">
-                <a:hlinkClick r:id="rId3"/>
-              </a:rPr>
-              <a:t>Neil.Yetz@colostate.edu</a:t>
-            </a:r>
-            <a:endParaRPr lang="en-US" dirty="0"/>
-          </a:p>
-          <a:p>
-            <a:pPr lvl="1"/>
-            <a:endParaRPr lang="en-US" dirty="0"/>
-          </a:p>
-          <a:p>
-            <a:pPr marL="0" indent="0">
-              <a:buNone/>
-            </a:pPr>
-            <a:endParaRPr lang="en-US" dirty="0"/>
-          </a:p>
-        </p:txBody>
-      </p:sp>
-    </p:spTree>
-    <p:extLst>
-      <p:ext uri="{BB962C8B-B14F-4D97-AF65-F5344CB8AC3E}">
-        <p14:creationId xmlns:p14="http://schemas.microsoft.com/office/powerpoint/2010/main" val="2798168375"/>
       </p:ext>
     </p:extLst>
   </p:cSld>
@@ -10401,6 +14006,301 @@
         <a:srgbClr val="E7E6E6"/>
       </a:lt2>
       <a:accent1>
+        <a:srgbClr val="4472C4"/>
+      </a:accent1>
+      <a:accent2>
+        <a:srgbClr val="ED7D31"/>
+      </a:accent2>
+      <a:accent3>
+        <a:srgbClr val="A5A5A5"/>
+      </a:accent3>
+      <a:accent4>
+        <a:srgbClr val="FFC000"/>
+      </a:accent4>
+      <a:accent5>
+        <a:srgbClr val="5B9BD5"/>
+      </a:accent5>
+      <a:accent6>
+        <a:srgbClr val="70AD47"/>
+      </a:accent6>
+      <a:hlink>
+        <a:srgbClr val="0563C1"/>
+      </a:hlink>
+      <a:folHlink>
+        <a:srgbClr val="954F72"/>
+      </a:folHlink>
+    </a:clrScheme>
+    <a:fontScheme name="Office">
+      <a:majorFont>
+        <a:latin typeface="Calibri Light" panose="020F0302020204030204"/>
+        <a:ea typeface=""/>
+        <a:cs typeface=""/>
+        <a:font script="Jpan" typeface="游ゴシック Light"/>
+        <a:font script="Hang" typeface="맑은 고딕"/>
+        <a:font script="Hans" typeface="等线 Light"/>
+        <a:font script="Hant" typeface="新細明體"/>
+        <a:font script="Arab" typeface="Times New Roman"/>
+        <a:font script="Hebr" typeface="Times New Roman"/>
+        <a:font script="Thai" typeface="Angsana New"/>
+        <a:font script="Ethi" typeface="Nyala"/>
+        <a:font script="Beng" typeface="Vrinda"/>
+        <a:font script="Gujr" typeface="Shruti"/>
+        <a:font script="Khmr" typeface="MoolBoran"/>
+        <a:font script="Knda" typeface="Tunga"/>
+        <a:font script="Guru" typeface="Raavi"/>
+        <a:font script="Cans" typeface="Euphemia"/>
+        <a:font script="Cher" typeface="Plantagenet Cherokee"/>
+        <a:font script="Yiii" typeface="Microsoft Yi Baiti"/>
+        <a:font script="Tibt" typeface="Microsoft Himalaya"/>
+        <a:font script="Thaa" typeface="MV Boli"/>
+        <a:font script="Deva" typeface="Mangal"/>
+        <a:font script="Telu" typeface="Gautami"/>
+        <a:font script="Taml" typeface="Latha"/>
+        <a:font script="Syrc" typeface="Estrangelo Edessa"/>
+        <a:font script="Orya" typeface="Kalinga"/>
+        <a:font script="Mlym" typeface="Kartika"/>
+        <a:font script="Laoo" typeface="DokChampa"/>
+        <a:font script="Sinh" typeface="Iskoola Pota"/>
+        <a:font script="Mong" typeface="Mongolian Baiti"/>
+        <a:font script="Viet" typeface="Times New Roman"/>
+        <a:font script="Uigh" typeface="Microsoft Uighur"/>
+        <a:font script="Geor" typeface="Sylfaen"/>
+        <a:font script="Armn" typeface="Arial"/>
+        <a:font script="Bugi" typeface="Leelawadee UI"/>
+        <a:font script="Bopo" typeface="Microsoft JhengHei"/>
+        <a:font script="Java" typeface="Javanese Text"/>
+        <a:font script="Lisu" typeface="Segoe UI"/>
+        <a:font script="Mymr" typeface="Myanmar Text"/>
+        <a:font script="Nkoo" typeface="Ebrima"/>
+        <a:font script="Olck" typeface="Nirmala UI"/>
+        <a:font script="Osma" typeface="Ebrima"/>
+        <a:font script="Phag" typeface="Phagspa"/>
+        <a:font script="Syrn" typeface="Estrangelo Edessa"/>
+        <a:font script="Syrj" typeface="Estrangelo Edessa"/>
+        <a:font script="Syre" typeface="Estrangelo Edessa"/>
+        <a:font script="Sora" typeface="Nirmala UI"/>
+        <a:font script="Tale" typeface="Microsoft Tai Le"/>
+        <a:font script="Talu" typeface="Microsoft New Tai Lue"/>
+        <a:font script="Tfng" typeface="Ebrima"/>
+      </a:majorFont>
+      <a:minorFont>
+        <a:latin typeface="Calibri" panose="020F0502020204030204"/>
+        <a:ea typeface=""/>
+        <a:cs typeface=""/>
+        <a:font script="Jpan" typeface="游ゴシック"/>
+        <a:font script="Hang" typeface="맑은 고딕"/>
+        <a:font script="Hans" typeface="等线"/>
+        <a:font script="Hant" typeface="新細明體"/>
+        <a:font script="Arab" typeface="Arial"/>
+        <a:font script="Hebr" typeface="Arial"/>
+        <a:font script="Thai" typeface="Cordia New"/>
+        <a:font script="Ethi" typeface="Nyala"/>
+        <a:font script="Beng" typeface="Vrinda"/>
+        <a:font script="Gujr" typeface="Shruti"/>
+        <a:font script="Khmr" typeface="DaunPenh"/>
+        <a:font script="Knda" typeface="Tunga"/>
+        <a:font script="Guru" typeface="Raavi"/>
+        <a:font script="Cans" typeface="Euphemia"/>
+        <a:font script="Cher" typeface="Plantagenet Cherokee"/>
+        <a:font script="Yiii" typeface="Microsoft Yi Baiti"/>
+        <a:font script="Tibt" typeface="Microsoft Himalaya"/>
+        <a:font script="Thaa" typeface="MV Boli"/>
+        <a:font script="Deva" typeface="Mangal"/>
+        <a:font script="Telu" typeface="Gautami"/>
+        <a:font script="Taml" typeface="Latha"/>
+        <a:font script="Syrc" typeface="Estrangelo Edessa"/>
+        <a:font script="Orya" typeface="Kalinga"/>
+        <a:font script="Mlym" typeface="Kartika"/>
+        <a:font script="Laoo" typeface="DokChampa"/>
+        <a:font script="Sinh" typeface="Iskoola Pota"/>
+        <a:font script="Mong" typeface="Mongolian Baiti"/>
+        <a:font script="Viet" typeface="Arial"/>
+        <a:font script="Uigh" typeface="Microsoft Uighur"/>
+        <a:font script="Geor" typeface="Sylfaen"/>
+        <a:font script="Armn" typeface="Arial"/>
+        <a:font script="Bugi" typeface="Leelawadee UI"/>
+        <a:font script="Bopo" typeface="Microsoft JhengHei"/>
+        <a:font script="Java" typeface="Javanese Text"/>
+        <a:font script="Lisu" typeface="Segoe UI"/>
+        <a:font script="Mymr" typeface="Myanmar Text"/>
+        <a:font script="Nkoo" typeface="Ebrima"/>
+        <a:font script="Olck" typeface="Nirmala UI"/>
+        <a:font script="Osma" typeface="Ebrima"/>
+        <a:font script="Phag" typeface="Phagspa"/>
+        <a:font script="Syrn" typeface="Estrangelo Edessa"/>
+        <a:font script="Syrj" typeface="Estrangelo Edessa"/>
+        <a:font script="Syre" typeface="Estrangelo Edessa"/>
+        <a:font script="Sora" typeface="Nirmala UI"/>
+        <a:font script="Tale" typeface="Microsoft Tai Le"/>
+        <a:font script="Talu" typeface="Microsoft New Tai Lue"/>
+        <a:font script="Tfng" typeface="Ebrima"/>
+      </a:minorFont>
+    </a:fontScheme>
+    <a:fmtScheme name="Office">
+      <a:fillStyleLst>
+        <a:solidFill>
+          <a:schemeClr val="phClr"/>
+        </a:solidFill>
+        <a:gradFill rotWithShape="1">
+          <a:gsLst>
+            <a:gs pos="0">
+              <a:schemeClr val="phClr">
+                <a:lumMod val="110000"/>
+                <a:satMod val="105000"/>
+                <a:tint val="67000"/>
+              </a:schemeClr>
+            </a:gs>
+            <a:gs pos="50000">
+              <a:schemeClr val="phClr">
+                <a:lumMod val="105000"/>
+                <a:satMod val="103000"/>
+                <a:tint val="73000"/>
+              </a:schemeClr>
+            </a:gs>
+            <a:gs pos="100000">
+              <a:schemeClr val="phClr">
+                <a:lumMod val="105000"/>
+                <a:satMod val="109000"/>
+                <a:tint val="81000"/>
+              </a:schemeClr>
+            </a:gs>
+          </a:gsLst>
+          <a:lin ang="5400000" scaled="0"/>
+        </a:gradFill>
+        <a:gradFill rotWithShape="1">
+          <a:gsLst>
+            <a:gs pos="0">
+              <a:schemeClr val="phClr">
+                <a:satMod val="103000"/>
+                <a:lumMod val="102000"/>
+                <a:tint val="94000"/>
+              </a:schemeClr>
+            </a:gs>
+            <a:gs pos="50000">
+              <a:schemeClr val="phClr">
+                <a:satMod val="110000"/>
+                <a:lumMod val="100000"/>
+                <a:shade val="100000"/>
+              </a:schemeClr>
+            </a:gs>
+            <a:gs pos="100000">
+              <a:schemeClr val="phClr">
+                <a:lumMod val="99000"/>
+                <a:satMod val="120000"/>
+                <a:shade val="78000"/>
+              </a:schemeClr>
+            </a:gs>
+          </a:gsLst>
+          <a:lin ang="5400000" scaled="0"/>
+        </a:gradFill>
+      </a:fillStyleLst>
+      <a:lnStyleLst>
+        <a:ln w="6350" cap="flat" cmpd="sng" algn="ctr">
+          <a:solidFill>
+            <a:schemeClr val="phClr"/>
+          </a:solidFill>
+          <a:prstDash val="solid"/>
+          <a:miter lim="800000"/>
+        </a:ln>
+        <a:ln w="12700" cap="flat" cmpd="sng" algn="ctr">
+          <a:solidFill>
+            <a:schemeClr val="phClr"/>
+          </a:solidFill>
+          <a:prstDash val="solid"/>
+          <a:miter lim="800000"/>
+        </a:ln>
+        <a:ln w="19050" cap="flat" cmpd="sng" algn="ctr">
+          <a:solidFill>
+            <a:schemeClr val="phClr"/>
+          </a:solidFill>
+          <a:prstDash val="solid"/>
+          <a:miter lim="800000"/>
+        </a:ln>
+      </a:lnStyleLst>
+      <a:effectStyleLst>
+        <a:effectStyle>
+          <a:effectLst/>
+        </a:effectStyle>
+        <a:effectStyle>
+          <a:effectLst/>
+        </a:effectStyle>
+        <a:effectStyle>
+          <a:effectLst>
+            <a:outerShdw blurRad="57150" dist="19050" dir="5400000" algn="ctr" rotWithShape="0">
+              <a:srgbClr val="000000">
+                <a:alpha val="63000"/>
+              </a:srgbClr>
+            </a:outerShdw>
+          </a:effectLst>
+        </a:effectStyle>
+      </a:effectStyleLst>
+      <a:bgFillStyleLst>
+        <a:solidFill>
+          <a:schemeClr val="phClr"/>
+        </a:solidFill>
+        <a:solidFill>
+          <a:schemeClr val="phClr">
+            <a:tint val="95000"/>
+            <a:satMod val="170000"/>
+          </a:schemeClr>
+        </a:solidFill>
+        <a:gradFill rotWithShape="1">
+          <a:gsLst>
+            <a:gs pos="0">
+              <a:schemeClr val="phClr">
+                <a:tint val="93000"/>
+                <a:satMod val="150000"/>
+                <a:shade val="98000"/>
+                <a:lumMod val="102000"/>
+              </a:schemeClr>
+            </a:gs>
+            <a:gs pos="50000">
+              <a:schemeClr val="phClr">
+                <a:tint val="98000"/>
+                <a:satMod val="130000"/>
+                <a:shade val="90000"/>
+                <a:lumMod val="103000"/>
+              </a:schemeClr>
+            </a:gs>
+            <a:gs pos="100000">
+              <a:schemeClr val="phClr">
+                <a:shade val="63000"/>
+                <a:satMod val="120000"/>
+              </a:schemeClr>
+            </a:gs>
+          </a:gsLst>
+          <a:lin ang="5400000" scaled="0"/>
+        </a:gradFill>
+      </a:bgFillStyleLst>
+    </a:fmtScheme>
+  </a:themeElements>
+  <a:objectDefaults/>
+  <a:extraClrSchemeLst/>
+  <a:extLst>
+    <a:ext uri="{05A4C25C-085E-4340-85A3-A5531E510DB2}">
+      <thm15:themeFamily xmlns:thm15="http://schemas.microsoft.com/office/thememl/2012/main" name="Office Theme" id="{62F939B6-93AF-4DB8-9C6B-D6C7DFDC589F}" vid="{4A3C46E8-61CC-4603-A589-7422A47A8E4A}"/>
+    </a:ext>
+  </a:extLst>
+</a:theme>
+</file>
+
+<file path=ppt/theme/theme3.xml><?xml version="1.0" encoding="utf-8"?>
+<a:theme xmlns:a="http://schemas.openxmlformats.org/drawingml/2006/main" name="Office Theme">
+  <a:themeElements>
+    <a:clrScheme name="Office">
+      <a:dk1>
+        <a:sysClr val="windowText" lastClr="000000"/>
+      </a:dk1>
+      <a:lt1>
+        <a:sysClr val="window" lastClr="FFFFFF"/>
+      </a:lt1>
+      <a:dk2>
+        <a:srgbClr val="44546A"/>
+      </a:dk2>
+      <a:lt2>
+        <a:srgbClr val="E7E6E6"/>
+      </a:lt2>
+      <a:accent1>
         <a:srgbClr val="5B9BD5"/>
       </a:accent1>
       <a:accent2>
